--- a/presentazione progetto/Presentazione martone MOTT.pptx
+++ b/presentazione progetto/Presentazione martone MOTT.pptx
@@ -3706,11 +3706,14 @@
               <a:buAutoNum type="arabicPeriod"/>
             </a:pPr>
             <a:r>
-              <a:rPr lang="it-IT" sz="3600" dirty="0">
+              <a:rPr lang="it-IT" sz="3600">
                 <a:latin typeface="Abadi" panose="020B0604020104020204" pitchFamily="34" charset="0"/>
               </a:rPr>
-              <a:t>Obiettivo</a:t>
-            </a:r>
+              <a:t>Obiettivo.</a:t>
+            </a:r>
+            <a:endParaRPr lang="it-IT" sz="3600" dirty="0">
+              <a:latin typeface="Abadi" panose="020B0604020104020204" pitchFamily="34" charset="0"/>
+            </a:endParaRPr>
           </a:p>
           <a:p>
             <a:pPr marL="514350" indent="-514350">
@@ -4399,8 +4402,8 @@
           </a:p>
         </p:txBody>
       </p:sp>
-      <mc:AlternateContent xmlns:mc="http://schemas.openxmlformats.org/markup-compatibility/2006">
-        <mc:Choice xmlns:a14="http://schemas.microsoft.com/office/drawing/2010/main" Requires="a14">
+      <mc:AlternateContent xmlns:mc="http://schemas.openxmlformats.org/markup-compatibility/2006" xmlns:a14="http://schemas.microsoft.com/office/drawing/2010/main">
+        <mc:Choice Requires="a14">
           <p:sp>
             <p:nvSpPr>
               <p:cNvPr id="3" name="Segnaposto contenuto 2">
@@ -4508,7 +4511,7 @@
             </p:txBody>
           </p:sp>
         </mc:Choice>
-        <mc:Fallback>
+        <mc:Fallback xmlns="">
           <p:sp>
             <p:nvSpPr>
               <p:cNvPr id="3" name="Segnaposto contenuto 2">
@@ -4658,8 +4661,8 @@
           </a:p>
         </p:txBody>
       </p:sp>
-      <mc:AlternateContent xmlns:mc="http://schemas.openxmlformats.org/markup-compatibility/2006">
-        <mc:Choice xmlns:a14="http://schemas.microsoft.com/office/drawing/2010/main" Requires="a14">
+      <mc:AlternateContent xmlns:mc="http://schemas.openxmlformats.org/markup-compatibility/2006" xmlns:a14="http://schemas.microsoft.com/office/drawing/2010/main">
+        <mc:Choice Requires="a14">
           <p:sp>
             <p:nvSpPr>
               <p:cNvPr id="3" name="Segnaposto contenuto 2">
@@ -4768,7 +4771,7 @@
             </p:txBody>
           </p:sp>
         </mc:Choice>
-        <mc:Fallback>
+        <mc:Fallback xmlns="">
           <p:sp>
             <p:nvSpPr>
               <p:cNvPr id="3" name="Segnaposto contenuto 2">

--- a/presentazione progetto/Presentazione martone MOTT.pptx
+++ b/presentazione progetto/Presentazione martone MOTT.pptx
@@ -293,7 +293,7 @@
           <a:p>
             <a:fld id="{2B996CD7-E6CE-470D-9D9D-A9A816181F09}" type="datetimeFigureOut">
               <a:rPr lang="it-IT" smtClean="0"/>
-              <a:t>26/11/2018</a:t>
+              <a:t>27/11/2018</a:t>
             </a:fld>
             <a:endParaRPr lang="it-IT"/>
           </a:p>
@@ -491,7 +491,7 @@
           <a:p>
             <a:fld id="{2B996CD7-E6CE-470D-9D9D-A9A816181F09}" type="datetimeFigureOut">
               <a:rPr lang="it-IT" smtClean="0"/>
-              <a:t>26/11/2018</a:t>
+              <a:t>27/11/2018</a:t>
             </a:fld>
             <a:endParaRPr lang="it-IT"/>
           </a:p>
@@ -699,7 +699,7 @@
           <a:p>
             <a:fld id="{2B996CD7-E6CE-470D-9D9D-A9A816181F09}" type="datetimeFigureOut">
               <a:rPr lang="it-IT" smtClean="0"/>
-              <a:t>26/11/2018</a:t>
+              <a:t>27/11/2018</a:t>
             </a:fld>
             <a:endParaRPr lang="it-IT"/>
           </a:p>
@@ -897,7 +897,7 @@
           <a:p>
             <a:fld id="{2B996CD7-E6CE-470D-9D9D-A9A816181F09}" type="datetimeFigureOut">
               <a:rPr lang="it-IT" smtClean="0"/>
-              <a:t>26/11/2018</a:t>
+              <a:t>27/11/2018</a:t>
             </a:fld>
             <a:endParaRPr lang="it-IT"/>
           </a:p>
@@ -1172,7 +1172,7 @@
           <a:p>
             <a:fld id="{2B996CD7-E6CE-470D-9D9D-A9A816181F09}" type="datetimeFigureOut">
               <a:rPr lang="it-IT" smtClean="0"/>
-              <a:t>26/11/2018</a:t>
+              <a:t>27/11/2018</a:t>
             </a:fld>
             <a:endParaRPr lang="it-IT"/>
           </a:p>
@@ -1437,7 +1437,7 @@
           <a:p>
             <a:fld id="{2B996CD7-E6CE-470D-9D9D-A9A816181F09}" type="datetimeFigureOut">
               <a:rPr lang="it-IT" smtClean="0"/>
-              <a:t>26/11/2018</a:t>
+              <a:t>27/11/2018</a:t>
             </a:fld>
             <a:endParaRPr lang="it-IT"/>
           </a:p>
@@ -1849,7 +1849,7 @@
           <a:p>
             <a:fld id="{2B996CD7-E6CE-470D-9D9D-A9A816181F09}" type="datetimeFigureOut">
               <a:rPr lang="it-IT" smtClean="0"/>
-              <a:t>26/11/2018</a:t>
+              <a:t>27/11/2018</a:t>
             </a:fld>
             <a:endParaRPr lang="it-IT"/>
           </a:p>
@@ -1990,7 +1990,7 @@
           <a:p>
             <a:fld id="{2B996CD7-E6CE-470D-9D9D-A9A816181F09}" type="datetimeFigureOut">
               <a:rPr lang="it-IT" smtClean="0"/>
-              <a:t>26/11/2018</a:t>
+              <a:t>27/11/2018</a:t>
             </a:fld>
             <a:endParaRPr lang="it-IT"/>
           </a:p>
@@ -2103,7 +2103,7 @@
           <a:p>
             <a:fld id="{2B996CD7-E6CE-470D-9D9D-A9A816181F09}" type="datetimeFigureOut">
               <a:rPr lang="it-IT" smtClean="0"/>
-              <a:t>26/11/2018</a:t>
+              <a:t>27/11/2018</a:t>
             </a:fld>
             <a:endParaRPr lang="it-IT"/>
           </a:p>
@@ -2414,7 +2414,7 @@
           <a:p>
             <a:fld id="{2B996CD7-E6CE-470D-9D9D-A9A816181F09}" type="datetimeFigureOut">
               <a:rPr lang="it-IT" smtClean="0"/>
-              <a:t>26/11/2018</a:t>
+              <a:t>27/11/2018</a:t>
             </a:fld>
             <a:endParaRPr lang="it-IT"/>
           </a:p>
@@ -2702,7 +2702,7 @@
           <a:p>
             <a:fld id="{2B996CD7-E6CE-470D-9D9D-A9A816181F09}" type="datetimeFigureOut">
               <a:rPr lang="it-IT" smtClean="0"/>
-              <a:t>26/11/2018</a:t>
+              <a:t>27/11/2018</a:t>
             </a:fld>
             <a:endParaRPr lang="it-IT"/>
           </a:p>
@@ -2953,7 +2953,7 @@
           <a:p>
             <a:fld id="{2B996CD7-E6CE-470D-9D9D-A9A816181F09}" type="datetimeFigureOut">
               <a:rPr lang="it-IT" smtClean="0"/>
-              <a:t>26/11/2018</a:t>
+              <a:t>27/11/2018</a:t>
             </a:fld>
             <a:endParaRPr lang="it-IT"/>
           </a:p>
@@ -3826,7 +3826,12 @@
             <p:ph type="title"/>
           </p:nvPr>
         </p:nvSpPr>
-        <p:spPr/>
+        <p:spPr>
+          <a:xfrm>
+            <a:off x="310392" y="256985"/>
+            <a:ext cx="10515600" cy="1325563"/>
+          </a:xfrm>
+        </p:spPr>
         <p:txBody>
           <a:bodyPr/>
           <a:lstStyle/>
@@ -3858,8 +3863,8 @@
         </p:nvSpPr>
         <p:spPr>
           <a:xfrm>
-            <a:off x="838200" y="1825625"/>
-            <a:ext cx="5329687" cy="4667250"/>
+            <a:off x="310392" y="1825625"/>
+            <a:ext cx="4154983" cy="4667250"/>
           </a:xfrm>
         </p:spPr>
         <p:txBody>
@@ -3872,33 +3877,17 @@
               <a:rPr lang="it-IT" dirty="0">
                 <a:latin typeface="Abadi" panose="020B0604020104020204" pitchFamily="34" charset="0"/>
               </a:rPr>
-              <a:t>Il sistema è composto da</a:t>
-            </a:r>
-            <a:r>
-              <a:rPr lang="it-IT">
-                <a:latin typeface="Abadi" panose="020B0604020104020204" pitchFamily="34" charset="0"/>
-              </a:rPr>
-              <a:t> 6 spire simmetriche</a:t>
-            </a:r>
+              <a:t>Il sistema è composto da 6 spire simmetriche e concentriche rispetto all'asse z.</a:t>
+            </a:r>
+          </a:p>
+          <a:p>
             <a:r>
               <a:rPr lang="it-IT" dirty="0">
                 <a:latin typeface="Abadi" panose="020B0604020104020204" pitchFamily="34" charset="0"/>
               </a:rPr>
-              <a:t> e concentriche </a:t>
-            </a:r>
-            <a:r>
-              <a:rPr lang="it-IT">
-                <a:latin typeface="Abadi" panose="020B0604020104020204" pitchFamily="34" charset="0"/>
-              </a:rPr>
-              <a:t>rispetto all'asse </a:t>
-            </a:r>
-            <a:r>
-              <a:rPr lang="it-IT" dirty="0">
-                <a:latin typeface="Abadi" panose="020B0604020104020204" pitchFamily="34" charset="0"/>
-              </a:rPr>
-              <a:t>z. I parametri di progetto, ovvero posizione, raggio e intensità di corrente, sono noti per tutte le spire tranne che per una coppia.</a:t>
-            </a:r>
-            <a:endParaRPr lang="it-IT">
+              <a:t>I parametri di progetto, ovvero posizione, raggio e intensità di corrente, sono noti per tutte le spire tranne che per una coppia.</a:t>
+            </a:r>
+            <a:endParaRPr lang="it-IT" dirty="0">
               <a:cs typeface="Calibri"/>
             </a:endParaRPr>
           </a:p>
@@ -3932,8 +3921,8 @@
         </p:blipFill>
         <p:spPr>
           <a:xfrm>
-            <a:off x="6118008" y="1960057"/>
-            <a:ext cx="5235792" cy="3088193"/>
+            <a:off x="4465375" y="1699790"/>
+            <a:ext cx="7500843" cy="4424173"/>
           </a:xfrm>
           <a:prstGeom prst="rect">
             <a:avLst/>
@@ -4335,7 +4324,7 @@
 </file>
 
 <file path=ppt/slides/slide6.xml><?xml version="1.0" encoding="utf-8"?>
-<p:sld xmlns:a="http://schemas.openxmlformats.org/drawingml/2006/main" xmlns:r="http://schemas.openxmlformats.org/officeDocument/2006/relationships" xmlns:p="http://schemas.openxmlformats.org/presentationml/2006/main">
+<p:sld xmlns:a="http://schemas.openxmlformats.org/drawingml/2006/main" xmlns:r="http://schemas.openxmlformats.org/officeDocument/2006/relationships" xmlns:p="http://schemas.openxmlformats.org/presentationml/2006/main" show="0">
   <p:cSld>
     <p:bg>
       <p:bgPr>
@@ -5011,36 +5000,6 @@
           </a:p>
         </p:txBody>
       </p:sp>
-      <p:pic>
-        <p:nvPicPr>
-          <p:cNvPr id="9" name="Immagine 9">
-            <a:extLst>
-              <a:ext uri="{FF2B5EF4-FFF2-40B4-BE49-F238E27FC236}">
-                <a16:creationId xmlns:a16="http://schemas.microsoft.com/office/drawing/2014/main" id="{CBC734FA-2336-4210-B389-0A1B4221A57D}"/>
-              </a:ext>
-            </a:extLst>
-          </p:cNvPr>
-          <p:cNvPicPr>
-            <a:picLocks noChangeAspect="1"/>
-          </p:cNvPicPr>
-          <p:nvPr/>
-        </p:nvPicPr>
-        <p:blipFill>
-          <a:blip r:embed="rId3"/>
-          <a:stretch>
-            <a:fillRect/>
-          </a:stretch>
-        </p:blipFill>
-        <p:spPr>
-          <a:xfrm>
-            <a:off x="4285672" y="994091"/>
-            <a:ext cx="7569200" cy="5735727"/>
-          </a:xfrm>
-          <a:prstGeom prst="rect">
-            <a:avLst/>
-          </a:prstGeom>
-        </p:spPr>
-      </p:pic>
     </p:spTree>
     <p:extLst>
       <p:ext uri="{BB962C8B-B14F-4D97-AF65-F5344CB8AC3E}">

--- a/presentazione progetto/Presentazione martone MOTT.pptx
+++ b/presentazione progetto/Presentazione martone MOTT.pptx
@@ -140,8 +140,11 @@
 <file path=ppt/revisionInfo.xml><?xml version="1.0" encoding="utf-8"?>
 <p1510:revInfo xmlns:a="http://schemas.openxmlformats.org/drawingml/2006/main" xmlns:r="http://schemas.openxmlformats.org/officeDocument/2006/relationships" xmlns:p1510="http://schemas.microsoft.com/office/powerpoint/2015/10/main">
   <p1510:revLst>
+    <p1510:client id="{E9A3E667-E202-6353-A4E7-75F3F84AD1CD}" v="6" dt="2018-11-27T08:41:12.239"/>
     <p1510:client id="{AF234B7E-82A7-444F-B401-35DEC5A5F2CB}" v="86" dt="2018-11-26T21:06:46.933"/>
+    <p1510:client id="{987B40F4-C2A0-FF56-D036-10FC24EEC81B}" v="12" dt="2018-11-27T08:41:27.046"/>
     <p1510:client id="{7DB06895-C1A9-463A-81DF-B0E1BD81AE50}" v="54" dt="2018-11-26T21:06:41.168"/>
+    <p1510:client id="{F791663E-8F02-4097-8A90-B5990CC7961B}" v="62" dt="2018-11-27T09:06:13.711"/>
   </p1510:revLst>
 </p1510:revInfo>
 </file>
@@ -3436,7 +3439,9 @@
           <a:p>
             <a:r>
               <a:rPr lang="it-IT" dirty="0">
-                <a:latin typeface="Abadi" panose="020B0604020104020204" pitchFamily="34" charset="0"/>
+                <a:latin typeface="Doulos SIL" panose="02000500070000020004" pitchFamily="2" charset="0"/>
+                <a:ea typeface="Doulos SIL" panose="02000500070000020004" pitchFamily="2" charset="0"/>
+                <a:cs typeface="Doulos SIL" panose="02000500070000020004" pitchFamily="2" charset="0"/>
               </a:rPr>
               <a:t>Progetto ottimo di un campo magnetico con incognite geometriche e di corrente di una spira.</a:t>
             </a:r>
@@ -3473,7 +3478,9 @@
           <a:p>
             <a:r>
               <a:rPr lang="it-IT" sz="2600" b="1" dirty="0">
-                <a:latin typeface="Abadi" panose="020B0604020202020204" pitchFamily="34" charset="0"/>
+                <a:latin typeface="Doulos SIL" panose="02000500070000020004" pitchFamily="2" charset="0"/>
+                <a:ea typeface="Doulos SIL" panose="02000500070000020004" pitchFamily="2" charset="0"/>
+                <a:cs typeface="Doulos SIL" panose="02000500070000020004" pitchFamily="2" charset="0"/>
               </a:rPr>
               <a:t>Dipartimento di Ingegneria</a:t>
             </a:r>
@@ -3481,7 +3488,9 @@
           <a:p>
             <a:r>
               <a:rPr lang="it-IT" sz="2600" b="1" dirty="0">
-                <a:latin typeface="Abadi" panose="020B0604020202020204" pitchFamily="34" charset="0"/>
+                <a:latin typeface="Doulos SIL" panose="02000500070000020004" pitchFamily="2" charset="0"/>
+                <a:ea typeface="Doulos SIL" panose="02000500070000020004" pitchFamily="2" charset="0"/>
+                <a:cs typeface="Doulos SIL" panose="02000500070000020004" pitchFamily="2" charset="0"/>
               </a:rPr>
               <a:t>Corso di Metodi di Ottimizzazione</a:t>
             </a:r>
@@ -3518,7 +3527,9 @@
           <a:p>
             <a:r>
               <a:rPr lang="it-IT" dirty="0">
-                <a:latin typeface="Abadi" panose="020B0604020104020204" pitchFamily="34" charset="0"/>
+                <a:latin typeface="Doulos SIL" panose="02000500070000020004" pitchFamily="2" charset="0"/>
+                <a:ea typeface="Doulos SIL" panose="02000500070000020004" pitchFamily="2" charset="0"/>
+                <a:cs typeface="Doulos SIL" panose="02000500070000020004" pitchFamily="2" charset="0"/>
               </a:rPr>
               <a:t>Professore:</a:t>
             </a:r>
@@ -3526,7 +3537,9 @@
           <a:p>
             <a:r>
               <a:rPr lang="it-IT" b="1" dirty="0">
-                <a:latin typeface="Abadi" panose="020B0604020104020204" pitchFamily="34" charset="0"/>
+                <a:latin typeface="Doulos SIL" panose="02000500070000020004" pitchFamily="2" charset="0"/>
+                <a:ea typeface="Doulos SIL" panose="02000500070000020004" pitchFamily="2" charset="0"/>
+                <a:cs typeface="Doulos SIL" panose="02000500070000020004" pitchFamily="2" charset="0"/>
               </a:rPr>
               <a:t>Raffaele Martone</a:t>
             </a:r>
@@ -3563,7 +3576,9 @@
           <a:p>
             <a:r>
               <a:rPr lang="it-IT" dirty="0">
-                <a:latin typeface="Abadi" panose="020B0604020104020204" pitchFamily="34" charset="0"/>
+                <a:latin typeface="Doulos SIL" panose="02000500070000020004" pitchFamily="2" charset="0"/>
+                <a:ea typeface="Doulos SIL" panose="02000500070000020004" pitchFamily="2" charset="0"/>
+                <a:cs typeface="Doulos SIL" panose="02000500070000020004" pitchFamily="2" charset="0"/>
               </a:rPr>
               <a:t>Gruppo I</a:t>
             </a:r>
@@ -3571,7 +3586,9 @@
           <a:p>
             <a:r>
               <a:rPr lang="it-IT" b="1" dirty="0">
-                <a:latin typeface="Abadi" panose="020B0604020104020204" pitchFamily="34" charset="0"/>
+                <a:latin typeface="Doulos SIL" panose="02000500070000020004" pitchFamily="2" charset="0"/>
+                <a:ea typeface="Doulos SIL" panose="02000500070000020004" pitchFamily="2" charset="0"/>
+                <a:cs typeface="Doulos SIL" panose="02000500070000020004" pitchFamily="2" charset="0"/>
               </a:rPr>
               <a:t>Ing. Saverio Del Prete</a:t>
             </a:r>
@@ -3579,7 +3596,9 @@
           <a:p>
             <a:r>
               <a:rPr lang="it-IT" b="1" dirty="0">
-                <a:latin typeface="Abadi" panose="020B0604020104020204" pitchFamily="34" charset="0"/>
+                <a:latin typeface="Doulos SIL" panose="02000500070000020004" pitchFamily="2" charset="0"/>
+                <a:ea typeface="Doulos SIL" panose="02000500070000020004" pitchFamily="2" charset="0"/>
+                <a:cs typeface="Doulos SIL" panose="02000500070000020004" pitchFamily="2" charset="0"/>
               </a:rPr>
               <a:t>Ing. Bernardo Giordano</a:t>
             </a:r>
@@ -3587,7 +3606,9 @@
           <a:p>
             <a:r>
               <a:rPr lang="it-IT" b="1" dirty="0">
-                <a:latin typeface="Abadi" panose="020B0604020104020204" pitchFamily="34" charset="0"/>
+                <a:latin typeface="Doulos SIL" panose="02000500070000020004" pitchFamily="2" charset="0"/>
+                <a:ea typeface="Doulos SIL" panose="02000500070000020004" pitchFamily="2" charset="0"/>
+                <a:cs typeface="Doulos SIL" panose="02000500070000020004" pitchFamily="2" charset="0"/>
               </a:rPr>
               <a:t>Ing. Lucia Migliaccio</a:t>
             </a:r>
@@ -3654,7 +3675,9 @@
           <a:p>
             <a:r>
               <a:rPr lang="it-IT" b="1" dirty="0">
-                <a:latin typeface="Abadi" panose="020B0604020104020204" pitchFamily="34" charset="0"/>
+                <a:latin typeface="Doulos SIL" panose="02000500070000020004" pitchFamily="2" charset="0"/>
+                <a:ea typeface="Doulos SIL" panose="02000500070000020004" pitchFamily="2" charset="0"/>
+                <a:cs typeface="Doulos SIL" panose="02000500070000020004" pitchFamily="2" charset="0"/>
               </a:rPr>
               <a:t>Indice</a:t>
             </a:r>
@@ -3695,7 +3718,9 @@
             </a:pPr>
             <a:r>
               <a:rPr lang="it-IT" sz="3600" dirty="0">
-                <a:latin typeface="Abadi" panose="020B0604020104020204" pitchFamily="34" charset="0"/>
+                <a:latin typeface="Doulos SIL" panose="02000500070000020004" pitchFamily="2" charset="0"/>
+                <a:ea typeface="Doulos SIL" panose="02000500070000020004" pitchFamily="2" charset="0"/>
+                <a:cs typeface="Doulos SIL" panose="02000500070000020004" pitchFamily="2" charset="0"/>
               </a:rPr>
               <a:t>Descrizione del problema</a:t>
             </a:r>
@@ -3706,14 +3731,13 @@
               <a:buAutoNum type="arabicPeriod"/>
             </a:pPr>
             <a:r>
-              <a:rPr lang="it-IT" sz="3600">
-                <a:latin typeface="Abadi" panose="020B0604020104020204" pitchFamily="34" charset="0"/>
+              <a:rPr lang="it-IT" sz="3600" dirty="0">
+                <a:latin typeface="Doulos SIL" panose="02000500070000020004" pitchFamily="2" charset="0"/>
+                <a:ea typeface="Doulos SIL" panose="02000500070000020004" pitchFamily="2" charset="0"/>
+                <a:cs typeface="Doulos SIL" panose="02000500070000020004" pitchFamily="2" charset="0"/>
               </a:rPr>
-              <a:t>Obiettivo.</a:t>
-            </a:r>
-            <a:endParaRPr lang="it-IT" sz="3600" dirty="0">
-              <a:latin typeface="Abadi" panose="020B0604020104020204" pitchFamily="34" charset="0"/>
-            </a:endParaRPr>
+              <a:t>Obiettivo</a:t>
+            </a:r>
           </a:p>
           <a:p>
             <a:pPr marL="514350" indent="-514350">
@@ -3722,7 +3746,9 @@
             </a:pPr>
             <a:r>
               <a:rPr lang="it-IT" sz="3600" dirty="0">
-                <a:latin typeface="Abadi" panose="020B0604020104020204" pitchFamily="34" charset="0"/>
+                <a:latin typeface="Doulos SIL" panose="02000500070000020004" pitchFamily="2" charset="0"/>
+                <a:ea typeface="Doulos SIL" panose="02000500070000020004" pitchFamily="2" charset="0"/>
+                <a:cs typeface="Doulos SIL" panose="02000500070000020004" pitchFamily="2" charset="0"/>
               </a:rPr>
               <a:t>Formulazione matematica</a:t>
             </a:r>
@@ -3734,7 +3760,9 @@
             </a:pPr>
             <a:r>
               <a:rPr lang="it-IT" sz="3600" dirty="0">
-                <a:latin typeface="Abadi" panose="020B0604020104020204" pitchFamily="34" charset="0"/>
+                <a:latin typeface="Doulos SIL" panose="02000500070000020004" pitchFamily="2" charset="0"/>
+                <a:ea typeface="Doulos SIL" panose="02000500070000020004" pitchFamily="2" charset="0"/>
+                <a:cs typeface="Doulos SIL" panose="02000500070000020004" pitchFamily="2" charset="0"/>
               </a:rPr>
               <a:t>Tecnica di minimizzazione</a:t>
             </a:r>
@@ -3746,7 +3774,9 @@
             </a:pPr>
             <a:r>
               <a:rPr lang="it-IT" sz="3600" dirty="0">
-                <a:latin typeface="Abadi" panose="020B0604020104020204" pitchFamily="34" charset="0"/>
+                <a:latin typeface="Doulos SIL" panose="02000500070000020004" pitchFamily="2" charset="0"/>
+                <a:ea typeface="Doulos SIL" panose="02000500070000020004" pitchFamily="2" charset="0"/>
+                <a:cs typeface="Doulos SIL" panose="02000500070000020004" pitchFamily="2" charset="0"/>
               </a:rPr>
               <a:t>Ricerca del minimo</a:t>
             </a:r>
@@ -3758,7 +3788,9 @@
             </a:pPr>
             <a:r>
               <a:rPr lang="it-IT" sz="3600" dirty="0">
-                <a:latin typeface="Abadi" panose="020B0604020104020204" pitchFamily="34" charset="0"/>
+                <a:latin typeface="Doulos SIL" panose="02000500070000020004" pitchFamily="2" charset="0"/>
+                <a:ea typeface="Doulos SIL" panose="02000500070000020004" pitchFamily="2" charset="0"/>
+                <a:cs typeface="Doulos SIL" panose="02000500070000020004" pitchFamily="2" charset="0"/>
               </a:rPr>
               <a:t>Risultati e conclusioni</a:t>
             </a:r>
@@ -3838,7 +3870,9 @@
           <a:p>
             <a:r>
               <a:rPr lang="it-IT" b="1" dirty="0">
-                <a:latin typeface="Abadi" panose="020B0604020104020204" pitchFamily="34" charset="0"/>
+                <a:latin typeface="Doulos SIL" panose="02000500070000020004" pitchFamily="2" charset="0"/>
+                <a:ea typeface="Doulos SIL" panose="02000500070000020004" pitchFamily="2" charset="0"/>
+                <a:cs typeface="Doulos SIL" panose="02000500070000020004" pitchFamily="2" charset="0"/>
               </a:rPr>
               <a:t>1. Descrizione del problema</a:t>
             </a:r>
@@ -3875,7 +3909,9 @@
           <a:p>
             <a:r>
               <a:rPr lang="it-IT" dirty="0">
-                <a:latin typeface="Abadi" panose="020B0604020104020204" pitchFamily="34" charset="0"/>
+                <a:latin typeface="Doulos SIL" panose="02000500070000020004" pitchFamily="2" charset="0"/>
+                <a:ea typeface="Doulos SIL" panose="02000500070000020004" pitchFamily="2" charset="0"/>
+                <a:cs typeface="Doulos SIL" panose="02000500070000020004" pitchFamily="2" charset="0"/>
               </a:rPr>
               <a:t>Il sistema è composto da 6 spire simmetriche e concentriche rispetto all'asse z.</a:t>
             </a:r>
@@ -3883,13 +3919,12 @@
           <a:p>
             <a:r>
               <a:rPr lang="it-IT" dirty="0">
-                <a:latin typeface="Abadi" panose="020B0604020104020204" pitchFamily="34" charset="0"/>
+                <a:latin typeface="Doulos SIL" panose="02000500070000020004" pitchFamily="2" charset="0"/>
+                <a:ea typeface="Doulos SIL" panose="02000500070000020004" pitchFamily="2" charset="0"/>
+                <a:cs typeface="Doulos SIL" panose="02000500070000020004" pitchFamily="2" charset="0"/>
               </a:rPr>
               <a:t>I parametri di progetto, ovvero posizione, raggio e intensità di corrente, sono noti per tutte le spire tranne che per una coppia.</a:t>
             </a:r>
-            <a:endParaRPr lang="it-IT" dirty="0">
-              <a:cs typeface="Calibri"/>
-            </a:endParaRPr>
           </a:p>
         </p:txBody>
       </p:sp>
@@ -3990,14 +4025,21 @@
             <p:ph type="title"/>
           </p:nvPr>
         </p:nvSpPr>
-        <p:spPr/>
+        <p:spPr>
+          <a:xfrm>
+            <a:off x="382859" y="311932"/>
+            <a:ext cx="10515600" cy="1325563"/>
+          </a:xfrm>
+        </p:spPr>
         <p:txBody>
           <a:bodyPr/>
           <a:lstStyle/>
           <a:p>
             <a:r>
               <a:rPr lang="it-IT" b="1" dirty="0">
-                <a:latin typeface="Abadi" panose="020B0604020104020204" pitchFamily="34" charset="0"/>
+                <a:latin typeface="Doulos SIL" panose="02000500070000020004" pitchFamily="2" charset="0"/>
+                <a:ea typeface="Doulos SIL" panose="02000500070000020004" pitchFamily="2" charset="0"/>
+                <a:cs typeface="Doulos SIL" panose="02000500070000020004" pitchFamily="2" charset="0"/>
               </a:rPr>
               <a:t>2. Obiettivo</a:t>
             </a:r>
@@ -4022,35 +4064,27 @@
         </p:nvSpPr>
         <p:spPr>
           <a:xfrm>
-            <a:off x="838200" y="1825624"/>
-            <a:ext cx="5135952" cy="4556125"/>
+            <a:off x="458439" y="1637495"/>
+            <a:ext cx="2937620" cy="4230881"/>
           </a:xfrm>
         </p:spPr>
         <p:txBody>
           <a:bodyPr vert="horz" lIns="91440" tIns="45720" rIns="91440" bIns="45720" rtlCol="0" anchor="t">
-            <a:normAutofit/>
+            <a:normAutofit fontScale="92500" lnSpcReduction="10000"/>
           </a:bodyPr>
           <a:lstStyle/>
           <a:p>
-            <a:pPr marL="0" indent="0" algn="just">
+            <a:pPr marL="0" indent="0">
               <a:buNone/>
             </a:pPr>
             <a:r>
               <a:rPr lang="it-IT" dirty="0">
-                <a:latin typeface="Abadi"/>
+                <a:latin typeface="Doulos SIL" panose="02000500070000020004" pitchFamily="2" charset="0"/>
+                <a:ea typeface="Doulos SIL" panose="02000500070000020004" pitchFamily="2" charset="0"/>
+                <a:cs typeface="Doulos SIL" panose="02000500070000020004" pitchFamily="2" charset="0"/>
               </a:rPr>
-              <a:t>Essendo che le spire sono simmetriche, il problema si riduce alla progettazione di una sola spira che risulta essere la migliore approssimazione di un campo magnetico avente la seguente caratteristica</a:t>
-            </a:r>
-            <a:r>
-              <a:rPr lang="it-IT" dirty="0">
-                <a:latin typeface="Abadi"/>
-                <a:cs typeface="Calibri"/>
-              </a:rPr>
-              <a:t>:</a:t>
-            </a:r>
-            <a:endParaRPr lang="it-IT">
-              <a:latin typeface="Abadi"/>
-            </a:endParaRPr>
+              <a:t>Essendo che le spire sono simmetriche, il problema si riduce alla progettazione di una sola spira che risulta essere la migliore approssimazione di un campo magnetico avente la seguente caratteristica:</a:t>
+            </a:r>
           </a:p>
         </p:txBody>
       </p:sp>
@@ -4076,8 +4110,8 @@
         </p:blipFill>
         <p:spPr>
           <a:xfrm>
-            <a:off x="5979605" y="1367852"/>
-            <a:ext cx="5934974" cy="4018320"/>
+            <a:off x="4306741" y="1182976"/>
+            <a:ext cx="7502400" cy="5394842"/>
           </a:xfrm>
           <a:prstGeom prst="rect">
             <a:avLst/>
@@ -4142,7 +4176,9 @@
           <a:p>
             <a:r>
               <a:rPr lang="it-IT" b="1" dirty="0">
-                <a:latin typeface="Abadi" panose="020B0604020104020204" pitchFamily="34" charset="0"/>
+                <a:latin typeface="Doulos SIL" panose="02000500070000020004" pitchFamily="2" charset="0"/>
+                <a:ea typeface="Doulos SIL" panose="02000500070000020004" pitchFamily="2" charset="0"/>
+                <a:cs typeface="Doulos SIL" panose="02000500070000020004" pitchFamily="2" charset="0"/>
               </a:rPr>
               <a:t>3. Formulazione matematica</a:t>
             </a:r>
@@ -4182,19 +4218,25 @@
             </a:pPr>
             <a:r>
               <a:rPr lang="it-IT" sz="2400" dirty="0">
-                <a:latin typeface="Abadi" panose="020B0604020104020204" pitchFamily="34" charset="0"/>
+                <a:latin typeface="Doulos SIL" panose="02000500070000020004" pitchFamily="2" charset="0"/>
+                <a:ea typeface="Doulos SIL" panose="02000500070000020004" pitchFamily="2" charset="0"/>
+                <a:cs typeface="Doulos SIL" panose="02000500070000020004" pitchFamily="2" charset="0"/>
               </a:rPr>
               <a:t>La legge di Biot-</a:t>
             </a:r>
             <a:r>
               <a:rPr lang="it-IT" sz="2400" dirty="0" err="1">
-                <a:latin typeface="Abadi" panose="020B0604020104020204" pitchFamily="34" charset="0"/>
+                <a:latin typeface="Doulos SIL" panose="02000500070000020004" pitchFamily="2" charset="0"/>
+                <a:ea typeface="Doulos SIL" panose="02000500070000020004" pitchFamily="2" charset="0"/>
+                <a:cs typeface="Doulos SIL" panose="02000500070000020004" pitchFamily="2" charset="0"/>
               </a:rPr>
               <a:t>Savart</a:t>
             </a:r>
             <a:r>
               <a:rPr lang="it-IT" sz="2400" dirty="0">
-                <a:latin typeface="Abadi" panose="020B0604020104020204" pitchFamily="34" charset="0"/>
+                <a:latin typeface="Doulos SIL" panose="02000500070000020004" pitchFamily="2" charset="0"/>
+                <a:ea typeface="Doulos SIL" panose="02000500070000020004" pitchFamily="2" charset="0"/>
+                <a:cs typeface="Doulos SIL" panose="02000500070000020004" pitchFamily="2" charset="0"/>
               </a:rPr>
               <a:t> ci permette di valutare il campo magnetico B prodotto in un punto dello spazio da una spira percorsa da corrente elettrica:   </a:t>
             </a:r>
@@ -4231,19 +4273,25 @@
           <a:p>
             <a:r>
               <a:rPr lang="it-IT" sz="2400" dirty="0">
-                <a:latin typeface="Abadi" panose="020B0604020104020204" pitchFamily="34" charset="0"/>
+                <a:latin typeface="Doulos SIL" panose="02000500070000020004" pitchFamily="2" charset="0"/>
+                <a:ea typeface="Doulos SIL" panose="02000500070000020004" pitchFamily="2" charset="0"/>
+                <a:cs typeface="Doulos SIL" panose="02000500070000020004" pitchFamily="2" charset="0"/>
               </a:rPr>
               <a:t>Considerando adesso la sovrapposizione degli effetti di tutte le spire del sistema e tenendo presente che le spire sono simmetriche rispetto al piano </a:t>
             </a:r>
             <a:r>
               <a:rPr lang="it-IT" sz="2400" dirty="0" err="1">
-                <a:latin typeface="Abadi" panose="020B0604020104020204" pitchFamily="34" charset="0"/>
+                <a:latin typeface="Doulos SIL" panose="02000500070000020004" pitchFamily="2" charset="0"/>
+                <a:ea typeface="Doulos SIL" panose="02000500070000020004" pitchFamily="2" charset="0"/>
+                <a:cs typeface="Doulos SIL" panose="02000500070000020004" pitchFamily="2" charset="0"/>
               </a:rPr>
               <a:t>rθ</a:t>
             </a:r>
             <a:r>
               <a:rPr lang="it-IT" sz="2400" dirty="0">
-                <a:latin typeface="Abadi" panose="020B0604020104020204" pitchFamily="34" charset="0"/>
+                <a:latin typeface="Doulos SIL" panose="02000500070000020004" pitchFamily="2" charset="0"/>
+                <a:ea typeface="Doulos SIL" panose="02000500070000020004" pitchFamily="2" charset="0"/>
+                <a:cs typeface="Doulos SIL" panose="02000500070000020004" pitchFamily="2" charset="0"/>
               </a:rPr>
               <a:t>, il campo magnetico complessivo sull’asse z sarà:</a:t>
             </a:r>
@@ -4272,8 +4320,8 @@
         </p:blipFill>
         <p:spPr>
           <a:xfrm>
-            <a:off x="3942080" y="2579159"/>
-            <a:ext cx="3017520" cy="673523"/>
+            <a:off x="3942079" y="2579159"/>
+            <a:ext cx="3401695" cy="759272"/>
           </a:xfrm>
           <a:prstGeom prst="rect">
             <a:avLst/>
@@ -4383,11 +4431,17 @@
           <a:p>
             <a:r>
               <a:rPr lang="it-IT" b="1" dirty="0">
-                <a:latin typeface="Abadi" panose="020B0604020104020204" pitchFamily="34" charset="0"/>
+                <a:latin typeface="Doulos SIL" panose="02000500070000020004" pitchFamily="2" charset="0"/>
+                <a:ea typeface="Doulos SIL" panose="02000500070000020004" pitchFamily="2" charset="0"/>
+                <a:cs typeface="Doulos SIL" panose="02000500070000020004" pitchFamily="2" charset="0"/>
               </a:rPr>
               <a:t>3. Formulazione matematica</a:t>
             </a:r>
-            <a:endParaRPr lang="it-IT" dirty="0"/>
+            <a:endParaRPr lang="it-IT" dirty="0">
+              <a:latin typeface="Doulos SIL" panose="02000500070000020004" pitchFamily="2" charset="0"/>
+              <a:ea typeface="Doulos SIL" panose="02000500070000020004" pitchFamily="2" charset="0"/>
+              <a:cs typeface="Doulos SIL" panose="02000500070000020004" pitchFamily="2" charset="0"/>
+            </a:endParaRPr>
           </a:p>
         </p:txBody>
       </p:sp>
@@ -4426,36 +4480,48 @@
                 </a:pPr>
                 <a:r>
                   <a:rPr lang="it-IT" dirty="0">
-                    <a:latin typeface="Abadi" panose="020B0604020104020204" pitchFamily="34" charset="0"/>
+                    <a:latin typeface="Doulos SIL" panose="02000500070000020004" pitchFamily="2" charset="0"/>
+                    <a:ea typeface="Doulos SIL" panose="02000500070000020004" pitchFamily="2" charset="0"/>
+                    <a:cs typeface="Doulos SIL" panose="02000500070000020004" pitchFamily="2" charset="0"/>
                   </a:rPr>
                   <a:t>Al fine da ottenere una discrepanza più piccola possibile, è di particolare interesse lo studio del minimo della funzione</a:t>
                 </a:r>
                 <a:br>
                   <a:rPr lang="it-IT" dirty="0">
-                    <a:latin typeface="Abadi" panose="020B0604020104020204" pitchFamily="34" charset="0"/>
+                    <a:latin typeface="Doulos SIL" panose="02000500070000020004" pitchFamily="2" charset="0"/>
+                    <a:ea typeface="Doulos SIL" panose="02000500070000020004" pitchFamily="2" charset="0"/>
+                    <a:cs typeface="Doulos SIL" panose="02000500070000020004" pitchFamily="2" charset="0"/>
                   </a:rPr>
                 </a:br>
                 <a:r>
                   <a:rPr lang="it-IT" dirty="0">
-                    <a:latin typeface="Abadi" panose="020B0604020104020204" pitchFamily="34" charset="0"/>
+                    <a:latin typeface="Doulos SIL" panose="02000500070000020004" pitchFamily="2" charset="0"/>
+                    <a:ea typeface="Doulos SIL" panose="02000500070000020004" pitchFamily="2" charset="0"/>
+                    <a:cs typeface="Doulos SIL" panose="02000500070000020004" pitchFamily="2" charset="0"/>
                   </a:rPr>
                   <a:t> </a:t>
                 </a:r>
                 <a:r>
                   <a:rPr lang="it-IT" i="1" dirty="0">
-                    <a:latin typeface="Abadi" panose="020B0604020104020204" pitchFamily="34" charset="0"/>
+                    <a:latin typeface="Doulos SIL" panose="02000500070000020004" pitchFamily="2" charset="0"/>
+                    <a:ea typeface="Doulos SIL" panose="02000500070000020004" pitchFamily="2" charset="0"/>
+                    <a:cs typeface="Doulos SIL" panose="02000500070000020004" pitchFamily="2" charset="0"/>
                   </a:rPr>
                   <a:t>||</a:t>
                 </a:r>
                 <a:r>
                   <a:rPr lang="it-IT" i="1" dirty="0" err="1">
-                    <a:latin typeface="Abadi" panose="020B0604020104020204" pitchFamily="34" charset="0"/>
+                    <a:latin typeface="Doulos SIL" panose="02000500070000020004" pitchFamily="2" charset="0"/>
+                    <a:ea typeface="Doulos SIL" panose="02000500070000020004" pitchFamily="2" charset="0"/>
+                    <a:cs typeface="Doulos SIL" panose="02000500070000020004" pitchFamily="2" charset="0"/>
                   </a:rPr>
                   <a:t>Bz</a:t>
                 </a:r>
                 <a:r>
                   <a:rPr lang="it-IT" i="1" dirty="0">
-                    <a:latin typeface="Abadi" panose="020B0604020104020204" pitchFamily="34" charset="0"/>
+                    <a:latin typeface="Doulos SIL" panose="02000500070000020004" pitchFamily="2" charset="0"/>
+                    <a:ea typeface="Doulos SIL" panose="02000500070000020004" pitchFamily="2" charset="0"/>
+                    <a:cs typeface="Doulos SIL" panose="02000500070000020004" pitchFamily="2" charset="0"/>
                   </a:rPr>
                   <a:t> – </a:t>
                 </a:r>
@@ -4483,7 +4549,9 @@
                 </a14:m>
                 <a:r>
                   <a:rPr lang="it-IT" i="1" dirty="0">
-                    <a:latin typeface="Abadi" panose="020B0604020104020204" pitchFamily="34" charset="0"/>
+                    <a:latin typeface="Doulos SIL" panose="02000500070000020004" pitchFamily="2" charset="0"/>
+                    <a:ea typeface="Doulos SIL" panose="02000500070000020004" pitchFamily="2" charset="0"/>
+                    <a:cs typeface="Doulos SIL" panose="02000500070000020004" pitchFamily="2" charset="0"/>
                   </a:rPr>
                   <a:t>z||:</a:t>
                 </a:r>
@@ -4525,7 +4593,7 @@
               <a:blipFill>
                 <a:blip r:embed="rId3"/>
                 <a:stretch>
-                  <a:fillRect l="-2699" t="-2667"/>
+                  <a:fillRect l="-2699" t="-2370" r="-257"/>
                 </a:stretch>
               </a:blipFill>
             </p:spPr>
@@ -4642,11 +4710,17 @@
           <a:p>
             <a:r>
               <a:rPr lang="it-IT" b="1" dirty="0">
-                <a:latin typeface="Abadi" panose="020B0604020104020204" pitchFamily="34" charset="0"/>
+                <a:latin typeface="Doulos SIL" panose="02000500070000020004" pitchFamily="2" charset="0"/>
+                <a:ea typeface="Doulos SIL" panose="02000500070000020004" pitchFamily="2" charset="0"/>
+                <a:cs typeface="Doulos SIL" panose="02000500070000020004" pitchFamily="2" charset="0"/>
               </a:rPr>
               <a:t>3. Formulazione matematica: campionamento e normalizzazione</a:t>
             </a:r>
-            <a:endParaRPr lang="it-IT" dirty="0"/>
+            <a:endParaRPr lang="it-IT" dirty="0">
+              <a:latin typeface="Doulos SIL" panose="02000500070000020004" pitchFamily="2" charset="0"/>
+              <a:ea typeface="Doulos SIL" panose="02000500070000020004" pitchFamily="2" charset="0"/>
+              <a:cs typeface="Doulos SIL" panose="02000500070000020004" pitchFamily="2" charset="0"/>
+            </a:endParaRPr>
           </a:p>
         </p:txBody>
       </p:sp>
@@ -4683,7 +4757,9 @@
                 </a:pPr>
                 <a:r>
                   <a:rPr lang="it-IT" dirty="0">
-                    <a:latin typeface="Abadi" panose="020B0604020104020204" pitchFamily="34" charset="0"/>
+                    <a:latin typeface="Doulos SIL" panose="02000500070000020004" pitchFamily="2" charset="0"/>
+                    <a:ea typeface="Doulos SIL" panose="02000500070000020004" pitchFamily="2" charset="0"/>
+                    <a:cs typeface="Doulos SIL" panose="02000500070000020004" pitchFamily="2" charset="0"/>
                   </a:rPr>
                   <a:t>La funzione verrà campionata su </a:t>
                 </a:r>
@@ -4718,7 +4794,9 @@
                 </a14:m>
                 <a:r>
                   <a:rPr lang="it-IT" dirty="0">
-                    <a:latin typeface="Abadi" panose="020B0604020104020204" pitchFamily="34" charset="0"/>
+                    <a:latin typeface="Doulos SIL" panose="02000500070000020004" pitchFamily="2" charset="0"/>
+                    <a:ea typeface="Doulos SIL" panose="02000500070000020004" pitchFamily="2" charset="0"/>
+                    <a:cs typeface="Doulos SIL" panose="02000500070000020004" pitchFamily="2" charset="0"/>
                   </a:rPr>
                   <a:t> valori dell’asse z. La funzione campionata verrà normalizzata e mediata sul valor medio di </a:t>
                 </a:r>
@@ -4746,13 +4824,17 @@
                 </a14:m>
                 <a:r>
                   <a:rPr lang="it-IT" i="1" dirty="0">
-                    <a:latin typeface="Abadi" panose="020B0604020104020204" pitchFamily="34" charset="0"/>
+                    <a:latin typeface="Doulos SIL" panose="02000500070000020004" pitchFamily="2" charset="0"/>
+                    <a:ea typeface="Doulos SIL" panose="02000500070000020004" pitchFamily="2" charset="0"/>
+                    <a:cs typeface="Doulos SIL" panose="02000500070000020004" pitchFamily="2" charset="0"/>
                   </a:rPr>
                   <a:t>z.</a:t>
                 </a:r>
                 <a:r>
                   <a:rPr lang="it-IT" dirty="0">
-                    <a:latin typeface="Abadi" panose="020B0604020104020204" pitchFamily="34" charset="0"/>
+                    <a:latin typeface="Doulos SIL" panose="02000500070000020004" pitchFamily="2" charset="0"/>
+                    <a:ea typeface="Doulos SIL" panose="02000500070000020004" pitchFamily="2" charset="0"/>
+                    <a:cs typeface="Doulos SIL" panose="02000500070000020004" pitchFamily="2" charset="0"/>
                   </a:rPr>
                   <a:t> La funzione obiettivo si scriverà come:</a:t>
                 </a:r>
@@ -4785,7 +4867,7 @@
               <a:blipFill>
                 <a:blip r:embed="rId3"/>
                 <a:stretch>
-                  <a:fillRect l="-1203" t="-6881" b="-9174"/>
+                  <a:fillRect l="-1203" t="-5505" b="-10092"/>
                 </a:stretch>
               </a:blipFill>
             </p:spPr>
@@ -4907,7 +4989,9 @@
           <a:p>
             <a:r>
               <a:rPr lang="it-IT" b="1" dirty="0">
-                <a:latin typeface="Abadi" panose="020B0604020104020204" pitchFamily="34" charset="0"/>
+                <a:latin typeface="Doulos SIL" panose="02000500070000020004" pitchFamily="2" charset="0"/>
+                <a:ea typeface="Doulos SIL" panose="02000500070000020004" pitchFamily="2" charset="0"/>
+                <a:cs typeface="Doulos SIL" panose="02000500070000020004" pitchFamily="2" charset="0"/>
               </a:rPr>
               <a:t>4. Tecnica di minimizzazione: Simplesso</a:t>
             </a:r>
@@ -4932,74 +5016,152 @@
         </p:nvSpPr>
         <p:spPr>
           <a:xfrm>
-            <a:off x="618836" y="1692961"/>
-            <a:ext cx="3746855" cy="4712598"/>
+            <a:off x="618836" y="1321233"/>
+            <a:ext cx="3867439" cy="5374842"/>
           </a:xfrm>
         </p:spPr>
         <p:txBody>
           <a:bodyPr vert="horz" lIns="91440" tIns="45720" rIns="91440" bIns="45720" rtlCol="0" anchor="t">
-            <a:normAutofit fontScale="92500"/>
+            <a:normAutofit/>
           </a:bodyPr>
           <a:lstStyle/>
           <a:p>
-            <a:pPr marL="0" indent="0">
-              <a:buNone/>
-            </a:pPr>
             <a:r>
               <a:rPr lang="it-IT" dirty="0">
-                <a:latin typeface="Abadi" panose="020B0604020104020204" pitchFamily="34" charset="0"/>
+                <a:latin typeface="Doulos SIL" panose="02000500070000020004" pitchFamily="2" charset="0"/>
+                <a:ea typeface="Doulos SIL" panose="02000500070000020004" pitchFamily="2" charset="0"/>
+                <a:cs typeface="Doulos SIL" panose="02000500070000020004" pitchFamily="2" charset="0"/>
               </a:rPr>
-              <a:t>L’algoritmo di ricerca del minimo fa uso del concetto di simplesso, cioè un politopo di N+1 vertici</a:t>
-            </a:r>
-            <a:r>
-              <a:rPr lang="it-IT">
-                <a:latin typeface="Abadi" panose="020B0604020104020204" pitchFamily="34" charset="0"/>
+              <a:t>L’algoritmo del simplesso è stato implementato in </a:t>
+            </a:r>
+            <a:r>
+              <a:rPr lang="it-IT" dirty="0" err="1">
+                <a:latin typeface="Doulos SIL" panose="02000500070000020004" pitchFamily="2" charset="0"/>
+                <a:ea typeface="Doulos SIL" panose="02000500070000020004" pitchFamily="2" charset="0"/>
+                <a:cs typeface="Doulos SIL" panose="02000500070000020004" pitchFamily="2" charset="0"/>
               </a:rPr>
-              <a:t> viene calato in uno spazio</a:t>
+              <a:t>Matlab</a:t>
             </a:r>
             <a:r>
               <a:rPr lang="it-IT" dirty="0">
-                <a:latin typeface="Abadi" panose="020B0604020104020204" pitchFamily="34" charset="0"/>
+                <a:latin typeface="Doulos SIL" panose="02000500070000020004" pitchFamily="2" charset="0"/>
+                <a:ea typeface="Doulos SIL" panose="02000500070000020004" pitchFamily="2" charset="0"/>
+                <a:cs typeface="Doulos SIL" panose="02000500070000020004" pitchFamily="2" charset="0"/>
               </a:rPr>
-              <a:t> </a:t>
-            </a:r>
-            <a:r>
-              <a:rPr lang="it-IT">
-                <a:latin typeface="Abadi" panose="020B0604020104020204" pitchFamily="34" charset="0"/>
+              <a:t>.</a:t>
+            </a:r>
+          </a:p>
+          <a:p>
+            <a:r>
+              <a:rPr lang="it-IT" dirty="0">
+                <a:latin typeface="Doulos SIL" panose="02000500070000020004" pitchFamily="2" charset="0"/>
+                <a:ea typeface="Doulos SIL" panose="02000500070000020004" pitchFamily="2" charset="0"/>
+                <a:cs typeface="Doulos SIL" panose="02000500070000020004" pitchFamily="2" charset="0"/>
               </a:rPr>
-              <a:t>di </a:t>
-            </a:r>
-            <a:r>
+              <a:t>I principali metodi implementati sono:</a:t>
+            </a:r>
+            <a:br>
               <a:rPr lang="it-IT" dirty="0">
-                <a:latin typeface="Abadi" panose="020B0604020104020204" pitchFamily="34" charset="0"/>
+                <a:latin typeface="Doulos SIL" panose="02000500070000020004" pitchFamily="2" charset="0"/>
+                <a:ea typeface="Doulos SIL" panose="02000500070000020004" pitchFamily="2" charset="0"/>
+                <a:cs typeface="Doulos SIL" panose="02000500070000020004" pitchFamily="2" charset="0"/>
               </a:rPr>
-              <a:t>N dimensioni. La ricerca avviene attraverso il movimento del politopo, il quale può:</a:t>
-            </a:r>
-          </a:p>
-          <a:p>
+            </a:br>
             <a:r>
               <a:rPr lang="it-IT" dirty="0">
-                <a:latin typeface="Abadi" panose="020B0604020104020204" pitchFamily="34" charset="0"/>
+                <a:latin typeface="Doulos SIL" panose="02000500070000020004" pitchFamily="2" charset="0"/>
+                <a:ea typeface="Doulos SIL" panose="02000500070000020004" pitchFamily="2" charset="0"/>
+                <a:cs typeface="Doulos SIL" panose="02000500070000020004" pitchFamily="2" charset="0"/>
               </a:rPr>
-              <a:t>Ribaltarsi</a:t>
-            </a:r>
-          </a:p>
-          <a:p>
-            <a:r>
+              <a:t>- Invecchiamento </a:t>
+            </a:r>
+            <a:br>
               <a:rPr lang="it-IT" dirty="0">
-                <a:latin typeface="Abadi" panose="020B0604020104020204" pitchFamily="34" charset="0"/>
+                <a:latin typeface="Doulos SIL" panose="02000500070000020004" pitchFamily="2" charset="0"/>
+                <a:ea typeface="Doulos SIL" panose="02000500070000020004" pitchFamily="2" charset="0"/>
+                <a:cs typeface="Doulos SIL" panose="02000500070000020004" pitchFamily="2" charset="0"/>
               </a:rPr>
-              <a:t>Contrarsi</a:t>
-            </a:r>
-          </a:p>
-          <a:p>
-            <a:pPr marL="0" indent="0">
-              <a:buNone/>
-            </a:pPr>
+            </a:br>
+            <a:r>
+              <a:rPr lang="it-IT" dirty="0">
+                <a:latin typeface="Doulos SIL" panose="02000500070000020004" pitchFamily="2" charset="0"/>
+                <a:ea typeface="Doulos SIL" panose="02000500070000020004" pitchFamily="2" charset="0"/>
+                <a:cs typeface="Doulos SIL" panose="02000500070000020004" pitchFamily="2" charset="0"/>
+              </a:rPr>
+              <a:t>- Ricerca del massimo vertice</a:t>
+            </a:r>
+            <a:br>
+              <a:rPr lang="it-IT" dirty="0">
+                <a:latin typeface="Doulos SIL" panose="02000500070000020004" pitchFamily="2" charset="0"/>
+                <a:ea typeface="Doulos SIL" panose="02000500070000020004" pitchFamily="2" charset="0"/>
+                <a:cs typeface="Doulos SIL" panose="02000500070000020004" pitchFamily="2" charset="0"/>
+              </a:rPr>
+            </a:br>
+            <a:r>
+              <a:rPr lang="it-IT" dirty="0">
+                <a:latin typeface="Doulos SIL" panose="02000500070000020004" pitchFamily="2" charset="0"/>
+                <a:ea typeface="Doulos SIL" panose="02000500070000020004" pitchFamily="2" charset="0"/>
+                <a:cs typeface="Doulos SIL" panose="02000500070000020004" pitchFamily="2" charset="0"/>
+              </a:rPr>
+              <a:t>- Ricerca del secondo peggiore </a:t>
+            </a:r>
+            <a:br>
+              <a:rPr lang="it-IT" dirty="0">
+                <a:latin typeface="Doulos SIL" panose="02000500070000020004" pitchFamily="2" charset="0"/>
+                <a:ea typeface="Doulos SIL" panose="02000500070000020004" pitchFamily="2" charset="0"/>
+                <a:cs typeface="Doulos SIL" panose="02000500070000020004" pitchFamily="2" charset="0"/>
+              </a:rPr>
+            </a:br>
+            <a:r>
+              <a:rPr lang="it-IT" dirty="0">
+                <a:latin typeface="Doulos SIL" panose="02000500070000020004" pitchFamily="2" charset="0"/>
+                <a:ea typeface="Doulos SIL" panose="02000500070000020004" pitchFamily="2" charset="0"/>
+                <a:cs typeface="Doulos SIL" panose="02000500070000020004" pitchFamily="2" charset="0"/>
+              </a:rPr>
+              <a:t>-Criteri di arresto</a:t>
+            </a:r>
+          </a:p>
+          <a:p>
             <a:endParaRPr lang="it-IT" dirty="0"/>
           </a:p>
         </p:txBody>
       </p:sp>
+      <p:pic>
+        <p:nvPicPr>
+          <p:cNvPr id="5" name="Immagine 4">
+            <a:extLst>
+              <a:ext uri="{FF2B5EF4-FFF2-40B4-BE49-F238E27FC236}">
+                <a16:creationId xmlns:a16="http://schemas.microsoft.com/office/drawing/2014/main" id="{6D8ED5F7-00F4-4016-A77A-3C0AE921C50C}"/>
+              </a:ext>
+            </a:extLst>
+          </p:cNvPr>
+          <p:cNvPicPr>
+            <a:picLocks noChangeAspect="1"/>
+          </p:cNvPicPr>
+          <p:nvPr/>
+        </p:nvPicPr>
+        <p:blipFill>
+          <a:blip r:embed="rId3">
+            <a:extLst>
+              <a:ext uri="{28A0092B-C50C-407E-A947-70E740481C1C}">
+                <a14:useLocalDpi xmlns:a14="http://schemas.microsoft.com/office/drawing/2010/main" val="0"/>
+              </a:ext>
+            </a:extLst>
+          </a:blip>
+          <a:stretch>
+            <a:fillRect/>
+          </a:stretch>
+        </p:blipFill>
+        <p:spPr>
+          <a:xfrm>
+            <a:off x="4662188" y="1041167"/>
+            <a:ext cx="7044326" cy="5731107"/>
+          </a:xfrm>
+          <a:prstGeom prst="rect">
+            <a:avLst/>
+          </a:prstGeom>
+        </p:spPr>
+      </p:pic>
     </p:spTree>
     <p:extLst>
       <p:ext uri="{BB962C8B-B14F-4D97-AF65-F5344CB8AC3E}">
@@ -5071,12 +5233,9 @@
           <a:bodyPr/>
           <a:lstStyle/>
           <a:p>
-            <a:r>
-              <a:rPr lang="it-IT" b="1" dirty="0">
-                <a:latin typeface="Abadi" panose="020B0604020104020204" pitchFamily="34" charset="0"/>
-              </a:rPr>
-              <a:t>4. Tecnica di minimizzazione: Simplesso</a:t>
-            </a:r>
+            <a:endParaRPr lang="it-IT" b="1" dirty="0">
+              <a:latin typeface="Abadi" panose="020B0604020104020204" pitchFamily="34" charset="0"/>
+            </a:endParaRPr>
           </a:p>
         </p:txBody>
       </p:sp>

--- a/presentazione progetto/Presentazione martone MOTT.pptx
+++ b/presentazione progetto/Presentazione martone MOTT.pptx
@@ -14,6 +14,7 @@
     <p:sldId id="262" r:id="rId8"/>
     <p:sldId id="263" r:id="rId9"/>
     <p:sldId id="264" r:id="rId10"/>
+    <p:sldId id="265" r:id="rId11"/>
   </p:sldIdLst>
   <p:sldSz cx="12192000" cy="6858000"/>
   <p:notesSz cx="6858000" cy="9144000"/>
@@ -126,6 +127,7 @@
             <p14:sldId id="262"/>
             <p14:sldId id="263"/>
             <p14:sldId id="264"/>
+            <p14:sldId id="265"/>
           </p14:sldIdLst>
         </p14:section>
       </p14:sectionLst>
@@ -140,10 +142,10 @@
 <file path=ppt/revisionInfo.xml><?xml version="1.0" encoding="utf-8"?>
 <p1510:revInfo xmlns:a="http://schemas.openxmlformats.org/drawingml/2006/main" xmlns:r="http://schemas.openxmlformats.org/officeDocument/2006/relationships" xmlns:p1510="http://schemas.microsoft.com/office/powerpoint/2015/10/main">
   <p1510:revLst>
+    <p1510:client id="{AF234B7E-82A7-444F-B401-35DEC5A5F2CB}" v="86" dt="2018-11-26T21:06:46.933"/>
     <p1510:client id="{E9A3E667-E202-6353-A4E7-75F3F84AD1CD}" v="6" dt="2018-11-27T08:41:12.239"/>
-    <p1510:client id="{AF234B7E-82A7-444F-B401-35DEC5A5F2CB}" v="86" dt="2018-11-26T21:06:46.933"/>
+    <p1510:client id="{7DB06895-C1A9-463A-81DF-B0E1BD81AE50}" v="54" dt="2018-11-26T21:06:41.168"/>
     <p1510:client id="{987B40F4-C2A0-FF56-D036-10FC24EEC81B}" v="12" dt="2018-11-27T08:41:27.046"/>
-    <p1510:client id="{7DB06895-C1A9-463A-81DF-B0E1BD81AE50}" v="54" dt="2018-11-26T21:06:41.168"/>
     <p1510:client id="{F791663E-8F02-4097-8A90-B5990CC7961B}" v="62" dt="2018-11-27T09:06:13.711"/>
   </p1510:revLst>
 </p1510:revInfo>
@@ -3628,6 +3630,207 @@
 </p:sld>
 </file>
 
+<file path=ppt/slides/slide10.xml><?xml version="1.0" encoding="utf-8"?>
+<p:sld xmlns:a="http://schemas.openxmlformats.org/drawingml/2006/main" xmlns:r="http://schemas.openxmlformats.org/officeDocument/2006/relationships" xmlns:p="http://schemas.openxmlformats.org/presentationml/2006/main">
+  <p:cSld>
+    <p:bg>
+      <p:bgPr>
+        <a:blipFill dpi="0" rotWithShape="1">
+          <a:blip r:embed="rId2">
+            <a:alphaModFix amt="58000"/>
+            <a:lum/>
+          </a:blip>
+          <a:srcRect/>
+          <a:stretch>
+            <a:fillRect l="-3000" r="-3000"/>
+          </a:stretch>
+        </a:blipFill>
+        <a:effectLst/>
+      </p:bgPr>
+    </p:bg>
+    <p:spTree>
+      <p:nvGrpSpPr>
+        <p:cNvPr id="1" name=""/>
+        <p:cNvGrpSpPr/>
+        <p:nvPr/>
+      </p:nvGrpSpPr>
+      <p:grpSpPr>
+        <a:xfrm>
+          <a:off x="0" y="0"/>
+          <a:ext cx="0" cy="0"/>
+          <a:chOff x="0" y="0"/>
+          <a:chExt cx="0" cy="0"/>
+        </a:xfrm>
+      </p:grpSpPr>
+      <p:sp>
+        <p:nvSpPr>
+          <p:cNvPr id="2" name="Titolo 1">
+            <a:extLst>
+              <a:ext uri="{FF2B5EF4-FFF2-40B4-BE49-F238E27FC236}">
+                <a16:creationId xmlns:a16="http://schemas.microsoft.com/office/drawing/2014/main" id="{14AD8F5C-B5A5-456B-8093-21E5173B444C}"/>
+              </a:ext>
+            </a:extLst>
+          </p:cNvPr>
+          <p:cNvSpPr>
+            <a:spLocks noGrp="1"/>
+          </p:cNvSpPr>
+          <p:nvPr>
+            <p:ph type="title"/>
+          </p:nvPr>
+        </p:nvSpPr>
+        <p:spPr>
+          <a:xfrm>
+            <a:off x="651769" y="125429"/>
+            <a:ext cx="9752860" cy="1046424"/>
+          </a:xfrm>
+        </p:spPr>
+        <p:txBody>
+          <a:bodyPr/>
+          <a:lstStyle/>
+          <a:p>
+            <a:r>
+              <a:rPr lang="it-IT" b="1" dirty="0">
+                <a:latin typeface="Doulos SIL" panose="02000500070000020004" pitchFamily="2" charset="0"/>
+                <a:ea typeface="Doulos SIL" panose="02000500070000020004" pitchFamily="2" charset="0"/>
+                <a:cs typeface="Doulos SIL" panose="02000500070000020004" pitchFamily="2" charset="0"/>
+              </a:rPr>
+              <a:t>5. Ricerca del minimo: test 3D </a:t>
+            </a:r>
+            <a:r>
+              <a:rPr lang="it-IT" b="1" dirty="0" err="1">
+                <a:latin typeface="Doulos SIL" panose="02000500070000020004" pitchFamily="2" charset="0"/>
+                <a:ea typeface="Doulos SIL" panose="02000500070000020004" pitchFamily="2" charset="0"/>
+                <a:cs typeface="Doulos SIL" panose="02000500070000020004" pitchFamily="2" charset="0"/>
+              </a:rPr>
+              <a:t>bounded</a:t>
+            </a:r>
+            <a:endParaRPr lang="it-IT" dirty="0"/>
+          </a:p>
+        </p:txBody>
+      </p:sp>
+      <p:sp>
+        <p:nvSpPr>
+          <p:cNvPr id="3" name="Segnaposto contenuto 2">
+            <a:extLst>
+              <a:ext uri="{FF2B5EF4-FFF2-40B4-BE49-F238E27FC236}">
+                <a16:creationId xmlns:a16="http://schemas.microsoft.com/office/drawing/2014/main" id="{6124F91B-5F97-43D8-85F8-545DBB74A356}"/>
+              </a:ext>
+            </a:extLst>
+          </p:cNvPr>
+          <p:cNvSpPr>
+            <a:spLocks noGrp="1"/>
+          </p:cNvSpPr>
+          <p:nvPr>
+            <p:ph idx="1"/>
+          </p:nvPr>
+        </p:nvSpPr>
+        <p:spPr>
+          <a:xfrm>
+            <a:off x="800100" y="1249535"/>
+            <a:ext cx="3790950" cy="4900380"/>
+          </a:xfrm>
+        </p:spPr>
+        <p:txBody>
+          <a:bodyPr>
+            <a:normAutofit lnSpcReduction="10000"/>
+          </a:bodyPr>
+          <a:lstStyle/>
+          <a:p>
+            <a:pPr marL="0" indent="0">
+              <a:buNone/>
+            </a:pPr>
+            <a:r>
+              <a:rPr lang="it-IT" dirty="0"/>
+              <a:t>Effettuiamo un test per verificare il corretto funzionamento dell’algoritmo e i risultati in presenza di un vincolo di disuguaglianza R ≤ 2Z. Come si evince dai due test effettuati con gli stessi parametri ma con un punto iniziale diverso, è evidente che i risultati sono anche molto diversi a seconda del punto.</a:t>
+            </a:r>
+          </a:p>
+        </p:txBody>
+      </p:sp>
+      <p:pic>
+        <p:nvPicPr>
+          <p:cNvPr id="5" name="Immagine 4">
+            <a:extLst>
+              <a:ext uri="{FF2B5EF4-FFF2-40B4-BE49-F238E27FC236}">
+                <a16:creationId xmlns:a16="http://schemas.microsoft.com/office/drawing/2014/main" id="{00BF9E96-2D50-43BF-A479-21D30323C6AA}"/>
+              </a:ext>
+            </a:extLst>
+          </p:cNvPr>
+          <p:cNvPicPr>
+            <a:picLocks noChangeAspect="1"/>
+          </p:cNvPicPr>
+          <p:nvPr/>
+        </p:nvPicPr>
+        <p:blipFill>
+          <a:blip r:embed="rId3">
+            <a:extLst>
+              <a:ext uri="{28A0092B-C50C-407E-A947-70E740481C1C}">
+                <a14:useLocalDpi xmlns:a14="http://schemas.microsoft.com/office/drawing/2010/main" val="0"/>
+              </a:ext>
+            </a:extLst>
+          </a:blip>
+          <a:stretch>
+            <a:fillRect/>
+          </a:stretch>
+        </p:blipFill>
+        <p:spPr>
+          <a:xfrm>
+            <a:off x="4954189" y="1249535"/>
+            <a:ext cx="6780612" cy="2072894"/>
+          </a:xfrm>
+          <a:prstGeom prst="rect">
+            <a:avLst/>
+          </a:prstGeom>
+        </p:spPr>
+      </p:pic>
+      <p:pic>
+        <p:nvPicPr>
+          <p:cNvPr id="7" name="Immagine 6">
+            <a:extLst>
+              <a:ext uri="{FF2B5EF4-FFF2-40B4-BE49-F238E27FC236}">
+                <a16:creationId xmlns:a16="http://schemas.microsoft.com/office/drawing/2014/main" id="{41A86C1C-1B08-4CD6-A7E0-E58DB123F010}"/>
+              </a:ext>
+            </a:extLst>
+          </p:cNvPr>
+          <p:cNvPicPr>
+            <a:picLocks noChangeAspect="1"/>
+          </p:cNvPicPr>
+          <p:nvPr/>
+        </p:nvPicPr>
+        <p:blipFill>
+          <a:blip r:embed="rId4">
+            <a:extLst>
+              <a:ext uri="{28A0092B-C50C-407E-A947-70E740481C1C}">
+                <a14:useLocalDpi xmlns:a14="http://schemas.microsoft.com/office/drawing/2010/main" val="0"/>
+              </a:ext>
+            </a:extLst>
+          </a:blip>
+          <a:stretch>
+            <a:fillRect/>
+          </a:stretch>
+        </p:blipFill>
+        <p:spPr>
+          <a:xfrm>
+            <a:off x="4954189" y="3322429"/>
+            <a:ext cx="6780612" cy="3221246"/>
+          </a:xfrm>
+          <a:prstGeom prst="rect">
+            <a:avLst/>
+          </a:prstGeom>
+        </p:spPr>
+      </p:pic>
+    </p:spTree>
+    <p:extLst>
+      <p:ext uri="{BB962C8B-B14F-4D97-AF65-F5344CB8AC3E}">
+        <p14:creationId xmlns:p14="http://schemas.microsoft.com/office/powerpoint/2010/main" val="1685683046"/>
+      </p:ext>
+    </p:extLst>
+  </p:cSld>
+  <p:clrMapOvr>
+    <a:masterClrMapping/>
+  </p:clrMapOvr>
+</p:sld>
+</file>
+
 <file path=ppt/slides/slide2.xml><?xml version="1.0" encoding="utf-8"?>
 <p:sld xmlns:a="http://schemas.openxmlformats.org/drawingml/2006/main" xmlns:r="http://schemas.openxmlformats.org/officeDocument/2006/relationships" xmlns:p="http://schemas.openxmlformats.org/presentationml/2006/main">
   <p:cSld>
@@ -5233,12 +5436,142 @@
           <a:bodyPr/>
           <a:lstStyle/>
           <a:p>
+            <a:r>
+              <a:rPr lang="it-IT" b="1" dirty="0">
+                <a:latin typeface="Doulos SIL" panose="02000500070000020004" pitchFamily="2" charset="0"/>
+                <a:ea typeface="Doulos SIL" panose="02000500070000020004" pitchFamily="2" charset="0"/>
+                <a:cs typeface="Doulos SIL" panose="02000500070000020004" pitchFamily="2" charset="0"/>
+              </a:rPr>
+              <a:t>5. Ricerca del minimo: test 3D </a:t>
+            </a:r>
+            <a:r>
+              <a:rPr lang="it-IT" b="1" dirty="0" err="1">
+                <a:latin typeface="Doulos SIL" panose="02000500070000020004" pitchFamily="2" charset="0"/>
+                <a:ea typeface="Doulos SIL" panose="02000500070000020004" pitchFamily="2" charset="0"/>
+                <a:cs typeface="Doulos SIL" panose="02000500070000020004" pitchFamily="2" charset="0"/>
+              </a:rPr>
+              <a:t>unbounded</a:t>
+            </a:r>
             <a:endParaRPr lang="it-IT" b="1" dirty="0">
-              <a:latin typeface="Abadi" panose="020B0604020104020204" pitchFamily="34" charset="0"/>
+              <a:latin typeface="Doulos SIL" panose="02000500070000020004" pitchFamily="2" charset="0"/>
+              <a:ea typeface="Doulos SIL" panose="02000500070000020004" pitchFamily="2" charset="0"/>
+              <a:cs typeface="Doulos SIL" panose="02000500070000020004" pitchFamily="2" charset="0"/>
             </a:endParaRPr>
           </a:p>
         </p:txBody>
       </p:sp>
+      <p:sp>
+        <p:nvSpPr>
+          <p:cNvPr id="3" name="CasellaDiTesto 2">
+            <a:extLst>
+              <a:ext uri="{FF2B5EF4-FFF2-40B4-BE49-F238E27FC236}">
+                <a16:creationId xmlns:a16="http://schemas.microsoft.com/office/drawing/2014/main" id="{550CCBAB-D720-469D-9AAA-D5AF752E1F7C}"/>
+              </a:ext>
+            </a:extLst>
+          </p:cNvPr>
+          <p:cNvSpPr txBox="1"/>
+          <p:nvPr/>
+        </p:nvSpPr>
+        <p:spPr>
+          <a:xfrm>
+            <a:off x="631675" y="1349405"/>
+            <a:ext cx="3639845" cy="4524315"/>
+          </a:xfrm>
+          <a:prstGeom prst="rect">
+            <a:avLst/>
+          </a:prstGeom>
+          <a:noFill/>
+        </p:spPr>
+        <p:txBody>
+          <a:bodyPr wrap="square" rtlCol="0">
+            <a:spAutoFit/>
+          </a:bodyPr>
+          <a:lstStyle/>
+          <a:p>
+            <a:r>
+              <a:rPr lang="it-IT" sz="2400" dirty="0"/>
+              <a:t>Abbassando la percentuale di errore ammissibile, miglioriamo i risultati dell’algoritmo andando a raggiungere la lunghezza minima del lato del simplesso, che noi facciamo coincidere con la massima risoluzione rispetto alla quale valuteremo i parametri nello spazio di ricerca.</a:t>
+            </a:r>
+            <a:endParaRPr lang="it-IT" sz="2400" dirty="0">
+              <a:latin typeface="Doulos SIL" panose="02000500070000020004" pitchFamily="2" charset="0"/>
+              <a:ea typeface="Doulos SIL" panose="02000500070000020004" pitchFamily="2" charset="0"/>
+              <a:cs typeface="Doulos SIL" panose="02000500070000020004" pitchFamily="2" charset="0"/>
+            </a:endParaRPr>
+          </a:p>
+        </p:txBody>
+      </p:sp>
+      <p:pic>
+        <p:nvPicPr>
+          <p:cNvPr id="5" name="Immagine 4">
+            <a:extLst>
+              <a:ext uri="{FF2B5EF4-FFF2-40B4-BE49-F238E27FC236}">
+                <a16:creationId xmlns:a16="http://schemas.microsoft.com/office/drawing/2014/main" id="{AC029425-8F6E-46A2-9E9B-A94D34CD78A7}"/>
+              </a:ext>
+            </a:extLst>
+          </p:cNvPr>
+          <p:cNvPicPr>
+            <a:picLocks noChangeAspect="1"/>
+          </p:cNvPicPr>
+          <p:nvPr/>
+        </p:nvPicPr>
+        <p:blipFill>
+          <a:blip r:embed="rId3">
+            <a:extLst>
+              <a:ext uri="{28A0092B-C50C-407E-A947-70E740481C1C}">
+                <a14:useLocalDpi xmlns:a14="http://schemas.microsoft.com/office/drawing/2010/main" val="0"/>
+              </a:ext>
+            </a:extLst>
+          </a:blip>
+          <a:stretch>
+            <a:fillRect/>
+          </a:stretch>
+        </p:blipFill>
+        <p:spPr>
+          <a:xfrm>
+            <a:off x="4936751" y="1459324"/>
+            <a:ext cx="6623574" cy="2037116"/>
+          </a:xfrm>
+          <a:prstGeom prst="rect">
+            <a:avLst/>
+          </a:prstGeom>
+        </p:spPr>
+      </p:pic>
+      <p:pic>
+        <p:nvPicPr>
+          <p:cNvPr id="7" name="Immagine 6">
+            <a:extLst>
+              <a:ext uri="{FF2B5EF4-FFF2-40B4-BE49-F238E27FC236}">
+                <a16:creationId xmlns:a16="http://schemas.microsoft.com/office/drawing/2014/main" id="{3F0FE11E-DF9F-4E75-91B9-25F5E9FD59CE}"/>
+              </a:ext>
+            </a:extLst>
+          </p:cNvPr>
+          <p:cNvPicPr>
+            <a:picLocks noChangeAspect="1"/>
+          </p:cNvPicPr>
+          <p:nvPr/>
+        </p:nvPicPr>
+        <p:blipFill>
+          <a:blip r:embed="rId4">
+            <a:extLst>
+              <a:ext uri="{28A0092B-C50C-407E-A947-70E740481C1C}">
+                <a14:useLocalDpi xmlns:a14="http://schemas.microsoft.com/office/drawing/2010/main" val="0"/>
+              </a:ext>
+            </a:extLst>
+          </a:blip>
+          <a:stretch>
+            <a:fillRect/>
+          </a:stretch>
+        </p:blipFill>
+        <p:spPr>
+          <a:xfrm>
+            <a:off x="4936751" y="3496440"/>
+            <a:ext cx="6623574" cy="2294776"/>
+          </a:xfrm>
+          <a:prstGeom prst="rect">
+            <a:avLst/>
+          </a:prstGeom>
+        </p:spPr>
+      </p:pic>
     </p:spTree>
     <p:extLst>
       <p:ext uri="{BB962C8B-B14F-4D97-AF65-F5344CB8AC3E}">

--- a/presentazione progetto/Presentazione martone MOTT.pptx
+++ b/presentazione progetto/Presentazione martone MOTT.pptx
@@ -10,11 +10,10 @@
     <p:sldId id="258" r:id="rId4"/>
     <p:sldId id="259" r:id="rId5"/>
     <p:sldId id="260" r:id="rId6"/>
-    <p:sldId id="261" r:id="rId7"/>
-    <p:sldId id="262" r:id="rId8"/>
-    <p:sldId id="263" r:id="rId9"/>
-    <p:sldId id="264" r:id="rId10"/>
-    <p:sldId id="265" r:id="rId11"/>
+    <p:sldId id="262" r:id="rId7"/>
+    <p:sldId id="263" r:id="rId8"/>
+    <p:sldId id="264" r:id="rId9"/>
+    <p:sldId id="265" r:id="rId10"/>
   </p:sldIdLst>
   <p:sldSz cx="12192000" cy="6858000"/>
   <p:notesSz cx="6858000" cy="9144000"/>
@@ -123,7 +122,6 @@
             <p14:sldId id="258"/>
             <p14:sldId id="259"/>
             <p14:sldId id="260"/>
-            <p14:sldId id="261"/>
             <p14:sldId id="262"/>
             <p14:sldId id="263"/>
             <p14:sldId id="264"/>
@@ -142,10 +140,10 @@
 <file path=ppt/revisionInfo.xml><?xml version="1.0" encoding="utf-8"?>
 <p1510:revInfo xmlns:a="http://schemas.openxmlformats.org/drawingml/2006/main" xmlns:r="http://schemas.openxmlformats.org/officeDocument/2006/relationships" xmlns:p1510="http://schemas.microsoft.com/office/powerpoint/2015/10/main">
   <p1510:revLst>
+    <p1510:client id="{E9A3E667-E202-6353-A4E7-75F3F84AD1CD}" v="6" dt="2018-11-27T08:41:12.239"/>
     <p1510:client id="{AF234B7E-82A7-444F-B401-35DEC5A5F2CB}" v="86" dt="2018-11-26T21:06:46.933"/>
-    <p1510:client id="{E9A3E667-E202-6353-A4E7-75F3F84AD1CD}" v="6" dt="2018-11-27T08:41:12.239"/>
+    <p1510:client id="{987B40F4-C2A0-FF56-D036-10FC24EEC81B}" v="12" dt="2018-11-27T08:41:27.046"/>
     <p1510:client id="{7DB06895-C1A9-463A-81DF-B0E1BD81AE50}" v="54" dt="2018-11-26T21:06:41.168"/>
-    <p1510:client id="{987B40F4-C2A0-FF56-D036-10FC24EEC81B}" v="12" dt="2018-11-27T08:41:27.046"/>
     <p1510:client id="{F791663E-8F02-4097-8A90-B5990CC7961B}" v="62" dt="2018-11-27T09:06:13.711"/>
   </p1510:revLst>
 </p1510:revInfo>
@@ -3429,13 +3427,51 @@
         </p:nvSpPr>
         <p:spPr>
           <a:xfrm>
-            <a:off x="523783" y="3133818"/>
-            <a:ext cx="11196221" cy="1640845"/>
+            <a:off x="395234" y="2608577"/>
+            <a:ext cx="11401531" cy="1640845"/>
           </a:xfrm>
         </p:spPr>
         <p:txBody>
           <a:bodyPr>
-            <a:normAutofit fontScale="90000"/>
+            <a:noAutofit/>
+          </a:bodyPr>
+          <a:lstStyle/>
+          <a:p>
+            <a:r>
+              <a:rPr lang="it-IT" sz="4400" b="1" dirty="0">
+                <a:ea typeface="Doulos SIL" panose="02000500070000020004" pitchFamily="2" charset="0"/>
+                <a:cs typeface="Doulos SIL" panose="02000500070000020004" pitchFamily="2" charset="0"/>
+              </a:rPr>
+              <a:t>Progetto ottimo di un campo magnetico con incognite geometriche e di corrente di una spira</a:t>
+            </a:r>
+          </a:p>
+        </p:txBody>
+      </p:sp>
+      <p:sp>
+        <p:nvSpPr>
+          <p:cNvPr id="8" name="CasellaDiTesto 7">
+            <a:extLst>
+              <a:ext uri="{FF2B5EF4-FFF2-40B4-BE49-F238E27FC236}">
+                <a16:creationId xmlns:a16="http://schemas.microsoft.com/office/drawing/2014/main" id="{5259CA34-9936-4306-AB82-B3FD35391CA9}"/>
+              </a:ext>
+            </a:extLst>
+          </p:cNvPr>
+          <p:cNvSpPr txBox="1"/>
+          <p:nvPr/>
+        </p:nvSpPr>
+        <p:spPr>
+          <a:xfrm>
+            <a:off x="782728" y="5557419"/>
+            <a:ext cx="2050741" cy="646331"/>
+          </a:xfrm>
+          <a:prstGeom prst="rect">
+            <a:avLst/>
+          </a:prstGeom>
+          <a:noFill/>
+        </p:spPr>
+        <p:txBody>
+          <a:bodyPr wrap="square" rtlCol="0">
+            <a:spAutoFit/>
           </a:bodyPr>
           <a:lstStyle/>
           <a:p>
@@ -3445,95 +3481,7 @@
                 <a:ea typeface="Doulos SIL" panose="02000500070000020004" pitchFamily="2" charset="0"/>
                 <a:cs typeface="Doulos SIL" panose="02000500070000020004" pitchFamily="2" charset="0"/>
               </a:rPr>
-              <a:t>Progetto ottimo di un campo magnetico con incognite geometriche e di corrente di una spira.</a:t>
-            </a:r>
-          </a:p>
-        </p:txBody>
-      </p:sp>
-      <p:sp>
-        <p:nvSpPr>
-          <p:cNvPr id="7" name="Sottotitolo 6">
-            <a:extLst>
-              <a:ext uri="{FF2B5EF4-FFF2-40B4-BE49-F238E27FC236}">
-                <a16:creationId xmlns:a16="http://schemas.microsoft.com/office/drawing/2014/main" id="{8A44123C-0C76-45DC-AF70-D11D1353B200}"/>
-              </a:ext>
-            </a:extLst>
-          </p:cNvPr>
-          <p:cNvSpPr>
-            <a:spLocks noGrp="1"/>
-          </p:cNvSpPr>
-          <p:nvPr>
-            <p:ph type="subTitle" idx="1"/>
-          </p:nvPr>
-        </p:nvSpPr>
-        <p:spPr>
-          <a:xfrm>
-            <a:off x="5521908" y="541538"/>
-            <a:ext cx="5912531" cy="994299"/>
-          </a:xfrm>
-        </p:spPr>
-        <p:txBody>
-          <a:bodyPr>
-            <a:normAutofit/>
-          </a:bodyPr>
-          <a:lstStyle/>
-          <a:p>
-            <a:r>
-              <a:rPr lang="it-IT" sz="2600" b="1" dirty="0">
-                <a:latin typeface="Doulos SIL" panose="02000500070000020004" pitchFamily="2" charset="0"/>
-                <a:ea typeface="Doulos SIL" panose="02000500070000020004" pitchFamily="2" charset="0"/>
-                <a:cs typeface="Doulos SIL" panose="02000500070000020004" pitchFamily="2" charset="0"/>
-              </a:rPr>
-              <a:t>Dipartimento di Ingegneria</a:t>
-            </a:r>
-          </a:p>
-          <a:p>
-            <a:r>
-              <a:rPr lang="it-IT" sz="2600" b="1" dirty="0">
-                <a:latin typeface="Doulos SIL" panose="02000500070000020004" pitchFamily="2" charset="0"/>
-                <a:ea typeface="Doulos SIL" panose="02000500070000020004" pitchFamily="2" charset="0"/>
-                <a:cs typeface="Doulos SIL" panose="02000500070000020004" pitchFamily="2" charset="0"/>
-              </a:rPr>
-              <a:t>Corso di Metodi di Ottimizzazione</a:t>
-            </a:r>
-          </a:p>
-        </p:txBody>
-      </p:sp>
-      <p:sp>
-        <p:nvSpPr>
-          <p:cNvPr id="8" name="CasellaDiTesto 7">
-            <a:extLst>
-              <a:ext uri="{FF2B5EF4-FFF2-40B4-BE49-F238E27FC236}">
-                <a16:creationId xmlns:a16="http://schemas.microsoft.com/office/drawing/2014/main" id="{5259CA34-9936-4306-AB82-B3FD35391CA9}"/>
-              </a:ext>
-            </a:extLst>
-          </p:cNvPr>
-          <p:cNvSpPr txBox="1"/>
-          <p:nvPr/>
-        </p:nvSpPr>
-        <p:spPr>
-          <a:xfrm>
-            <a:off x="523783" y="5557421"/>
-            <a:ext cx="2050741" cy="646331"/>
-          </a:xfrm>
-          <a:prstGeom prst="rect">
-            <a:avLst/>
-          </a:prstGeom>
-          <a:noFill/>
-        </p:spPr>
-        <p:txBody>
-          <a:bodyPr wrap="square" rtlCol="0">
-            <a:spAutoFit/>
-          </a:bodyPr>
-          <a:lstStyle/>
-          <a:p>
-            <a:r>
-              <a:rPr lang="it-IT" dirty="0">
-                <a:latin typeface="Doulos SIL" panose="02000500070000020004" pitchFamily="2" charset="0"/>
-                <a:ea typeface="Doulos SIL" panose="02000500070000020004" pitchFamily="2" charset="0"/>
-                <a:cs typeface="Doulos SIL" panose="02000500070000020004" pitchFamily="2" charset="0"/>
-              </a:rPr>
-              <a:t>Professore:</a:t>
+              <a:t>Professore</a:t>
             </a:r>
           </a:p>
           <a:p>
@@ -3562,7 +3510,7 @@
         </p:nvSpPr>
         <p:spPr>
           <a:xfrm>
-            <a:off x="8387918" y="5418921"/>
+            <a:off x="8362751" y="5280421"/>
             <a:ext cx="3046521" cy="1200329"/>
           </a:xfrm>
           <a:prstGeom prst="rect">
@@ -3576,6 +3524,7 @@
           </a:bodyPr>
           <a:lstStyle/>
           <a:p>
+            <a:pPr algn="r"/>
             <a:r>
               <a:rPr lang="it-IT" dirty="0">
                 <a:latin typeface="Doulos SIL" panose="02000500070000020004" pitchFamily="2" charset="0"/>
@@ -3586,6 +3535,7 @@
             </a:r>
           </a:p>
           <a:p>
+            <a:pPr algn="r"/>
             <a:r>
               <a:rPr lang="it-IT" b="1" dirty="0">
                 <a:latin typeface="Doulos SIL" panose="02000500070000020004" pitchFamily="2" charset="0"/>
@@ -3596,6 +3546,7 @@
             </a:r>
           </a:p>
           <a:p>
+            <a:pPr algn="r"/>
             <a:r>
               <a:rPr lang="it-IT" b="1" dirty="0">
                 <a:latin typeface="Doulos SIL" panose="02000500070000020004" pitchFamily="2" charset="0"/>
@@ -3606,6 +3557,7 @@
             </a:r>
           </a:p>
           <a:p>
+            <a:pPr algn="r"/>
             <a:r>
               <a:rPr lang="it-IT" b="1" dirty="0">
                 <a:latin typeface="Doulos SIL" panose="02000500070000020004" pitchFamily="2" charset="0"/>
@@ -3617,211 +3569,55 @@
           </a:p>
         </p:txBody>
       </p:sp>
+      <p:sp>
+        <p:nvSpPr>
+          <p:cNvPr id="10" name="CasellaDiTesto 9">
+            <a:extLst>
+              <a:ext uri="{FF2B5EF4-FFF2-40B4-BE49-F238E27FC236}">
+                <a16:creationId xmlns:a16="http://schemas.microsoft.com/office/drawing/2014/main" id="{B5C5D3F0-9F84-4D6F-87D1-5FAEEAF049C0}"/>
+              </a:ext>
+            </a:extLst>
+          </p:cNvPr>
+          <p:cNvSpPr txBox="1"/>
+          <p:nvPr/>
+        </p:nvSpPr>
+        <p:spPr>
+          <a:xfrm>
+            <a:off x="6435709" y="594163"/>
+            <a:ext cx="4872651" cy="954107"/>
+          </a:xfrm>
+          <a:prstGeom prst="rect">
+            <a:avLst/>
+          </a:prstGeom>
+          <a:noFill/>
+        </p:spPr>
+        <p:txBody>
+          <a:bodyPr wrap="square" rtlCol="0">
+            <a:spAutoFit/>
+          </a:bodyPr>
+          <a:lstStyle/>
+          <a:p>
+            <a:r>
+              <a:rPr lang="it-IT" sz="2800" dirty="0">
+                <a:latin typeface="Baskerville Old Face" panose="02020602080505020303" pitchFamily="18" charset="0"/>
+              </a:rPr>
+              <a:t>Dipartimento di Ingegneria</a:t>
+            </a:r>
+          </a:p>
+          <a:p>
+            <a:r>
+              <a:rPr lang="it-IT" sz="2800" dirty="0">
+                <a:latin typeface="Baskerville Old Face" panose="02020602080505020303" pitchFamily="18" charset="0"/>
+              </a:rPr>
+              <a:t>Industriale e dell’Informazione</a:t>
+            </a:r>
+          </a:p>
+        </p:txBody>
+      </p:sp>
     </p:spTree>
     <p:extLst>
       <p:ext uri="{BB962C8B-B14F-4D97-AF65-F5344CB8AC3E}">
         <p14:creationId xmlns:p14="http://schemas.microsoft.com/office/powerpoint/2010/main" val="143829712"/>
-      </p:ext>
-    </p:extLst>
-  </p:cSld>
-  <p:clrMapOvr>
-    <a:masterClrMapping/>
-  </p:clrMapOvr>
-</p:sld>
-</file>
-
-<file path=ppt/slides/slide10.xml><?xml version="1.0" encoding="utf-8"?>
-<p:sld xmlns:a="http://schemas.openxmlformats.org/drawingml/2006/main" xmlns:r="http://schemas.openxmlformats.org/officeDocument/2006/relationships" xmlns:p="http://schemas.openxmlformats.org/presentationml/2006/main">
-  <p:cSld>
-    <p:bg>
-      <p:bgPr>
-        <a:blipFill dpi="0" rotWithShape="1">
-          <a:blip r:embed="rId2">
-            <a:alphaModFix amt="58000"/>
-            <a:lum/>
-          </a:blip>
-          <a:srcRect/>
-          <a:stretch>
-            <a:fillRect l="-3000" r="-3000"/>
-          </a:stretch>
-        </a:blipFill>
-        <a:effectLst/>
-      </p:bgPr>
-    </p:bg>
-    <p:spTree>
-      <p:nvGrpSpPr>
-        <p:cNvPr id="1" name=""/>
-        <p:cNvGrpSpPr/>
-        <p:nvPr/>
-      </p:nvGrpSpPr>
-      <p:grpSpPr>
-        <a:xfrm>
-          <a:off x="0" y="0"/>
-          <a:ext cx="0" cy="0"/>
-          <a:chOff x="0" y="0"/>
-          <a:chExt cx="0" cy="0"/>
-        </a:xfrm>
-      </p:grpSpPr>
-      <p:sp>
-        <p:nvSpPr>
-          <p:cNvPr id="2" name="Titolo 1">
-            <a:extLst>
-              <a:ext uri="{FF2B5EF4-FFF2-40B4-BE49-F238E27FC236}">
-                <a16:creationId xmlns:a16="http://schemas.microsoft.com/office/drawing/2014/main" id="{14AD8F5C-B5A5-456B-8093-21E5173B444C}"/>
-              </a:ext>
-            </a:extLst>
-          </p:cNvPr>
-          <p:cNvSpPr>
-            <a:spLocks noGrp="1"/>
-          </p:cNvSpPr>
-          <p:nvPr>
-            <p:ph type="title"/>
-          </p:nvPr>
-        </p:nvSpPr>
-        <p:spPr>
-          <a:xfrm>
-            <a:off x="651769" y="125429"/>
-            <a:ext cx="9752860" cy="1046424"/>
-          </a:xfrm>
-        </p:spPr>
-        <p:txBody>
-          <a:bodyPr/>
-          <a:lstStyle/>
-          <a:p>
-            <a:r>
-              <a:rPr lang="it-IT" b="1" dirty="0">
-                <a:latin typeface="Doulos SIL" panose="02000500070000020004" pitchFamily="2" charset="0"/>
-                <a:ea typeface="Doulos SIL" panose="02000500070000020004" pitchFamily="2" charset="0"/>
-                <a:cs typeface="Doulos SIL" panose="02000500070000020004" pitchFamily="2" charset="0"/>
-              </a:rPr>
-              <a:t>5. Ricerca del minimo: test 3D </a:t>
-            </a:r>
-            <a:r>
-              <a:rPr lang="it-IT" b="1" dirty="0" err="1">
-                <a:latin typeface="Doulos SIL" panose="02000500070000020004" pitchFamily="2" charset="0"/>
-                <a:ea typeface="Doulos SIL" panose="02000500070000020004" pitchFamily="2" charset="0"/>
-                <a:cs typeface="Doulos SIL" panose="02000500070000020004" pitchFamily="2" charset="0"/>
-              </a:rPr>
-              <a:t>bounded</a:t>
-            </a:r>
-            <a:endParaRPr lang="it-IT" dirty="0"/>
-          </a:p>
-        </p:txBody>
-      </p:sp>
-      <p:sp>
-        <p:nvSpPr>
-          <p:cNvPr id="3" name="Segnaposto contenuto 2">
-            <a:extLst>
-              <a:ext uri="{FF2B5EF4-FFF2-40B4-BE49-F238E27FC236}">
-                <a16:creationId xmlns:a16="http://schemas.microsoft.com/office/drawing/2014/main" id="{6124F91B-5F97-43D8-85F8-545DBB74A356}"/>
-              </a:ext>
-            </a:extLst>
-          </p:cNvPr>
-          <p:cNvSpPr>
-            <a:spLocks noGrp="1"/>
-          </p:cNvSpPr>
-          <p:nvPr>
-            <p:ph idx="1"/>
-          </p:nvPr>
-        </p:nvSpPr>
-        <p:spPr>
-          <a:xfrm>
-            <a:off x="800100" y="1249535"/>
-            <a:ext cx="3790950" cy="4900380"/>
-          </a:xfrm>
-        </p:spPr>
-        <p:txBody>
-          <a:bodyPr>
-            <a:normAutofit lnSpcReduction="10000"/>
-          </a:bodyPr>
-          <a:lstStyle/>
-          <a:p>
-            <a:pPr marL="0" indent="0">
-              <a:buNone/>
-            </a:pPr>
-            <a:r>
-              <a:rPr lang="it-IT" dirty="0"/>
-              <a:t>Effettuiamo un test per verificare il corretto funzionamento dell’algoritmo e i risultati in presenza di un vincolo di disuguaglianza R ≤ 2Z. Come si evince dai due test effettuati con gli stessi parametri ma con un punto iniziale diverso, è evidente che i risultati sono anche molto diversi a seconda del punto.</a:t>
-            </a:r>
-          </a:p>
-        </p:txBody>
-      </p:sp>
-      <p:pic>
-        <p:nvPicPr>
-          <p:cNvPr id="5" name="Immagine 4">
-            <a:extLst>
-              <a:ext uri="{FF2B5EF4-FFF2-40B4-BE49-F238E27FC236}">
-                <a16:creationId xmlns:a16="http://schemas.microsoft.com/office/drawing/2014/main" id="{00BF9E96-2D50-43BF-A479-21D30323C6AA}"/>
-              </a:ext>
-            </a:extLst>
-          </p:cNvPr>
-          <p:cNvPicPr>
-            <a:picLocks noChangeAspect="1"/>
-          </p:cNvPicPr>
-          <p:nvPr/>
-        </p:nvPicPr>
-        <p:blipFill>
-          <a:blip r:embed="rId3">
-            <a:extLst>
-              <a:ext uri="{28A0092B-C50C-407E-A947-70E740481C1C}">
-                <a14:useLocalDpi xmlns:a14="http://schemas.microsoft.com/office/drawing/2010/main" val="0"/>
-              </a:ext>
-            </a:extLst>
-          </a:blip>
-          <a:stretch>
-            <a:fillRect/>
-          </a:stretch>
-        </p:blipFill>
-        <p:spPr>
-          <a:xfrm>
-            <a:off x="4954189" y="1249535"/>
-            <a:ext cx="6780612" cy="2072894"/>
-          </a:xfrm>
-          <a:prstGeom prst="rect">
-            <a:avLst/>
-          </a:prstGeom>
-        </p:spPr>
-      </p:pic>
-      <p:pic>
-        <p:nvPicPr>
-          <p:cNvPr id="7" name="Immagine 6">
-            <a:extLst>
-              <a:ext uri="{FF2B5EF4-FFF2-40B4-BE49-F238E27FC236}">
-                <a16:creationId xmlns:a16="http://schemas.microsoft.com/office/drawing/2014/main" id="{41A86C1C-1B08-4CD6-A7E0-E58DB123F010}"/>
-              </a:ext>
-            </a:extLst>
-          </p:cNvPr>
-          <p:cNvPicPr>
-            <a:picLocks noChangeAspect="1"/>
-          </p:cNvPicPr>
-          <p:nvPr/>
-        </p:nvPicPr>
-        <p:blipFill>
-          <a:blip r:embed="rId4">
-            <a:extLst>
-              <a:ext uri="{28A0092B-C50C-407E-A947-70E740481C1C}">
-                <a14:useLocalDpi xmlns:a14="http://schemas.microsoft.com/office/drawing/2010/main" val="0"/>
-              </a:ext>
-            </a:extLst>
-          </a:blip>
-          <a:stretch>
-            <a:fillRect/>
-          </a:stretch>
-        </p:blipFill>
-        <p:spPr>
-          <a:xfrm>
-            <a:off x="4954189" y="3322429"/>
-            <a:ext cx="6780612" cy="3221246"/>
-          </a:xfrm>
-          <a:prstGeom prst="rect">
-            <a:avLst/>
-          </a:prstGeom>
-        </p:spPr>
-      </p:pic>
-    </p:spTree>
-    <p:extLst>
-      <p:ext uri="{BB962C8B-B14F-4D97-AF65-F5344CB8AC3E}">
-        <p14:creationId xmlns:p14="http://schemas.microsoft.com/office/powerpoint/2010/main" val="1685683046"/>
       </p:ext>
     </p:extLst>
   </p:cSld>
@@ -3866,7 +3662,7 @@
         </p:nvSpPr>
         <p:spPr>
           <a:xfrm>
-            <a:off x="4962524" y="517526"/>
+            <a:off x="823911" y="499495"/>
             <a:ext cx="2266950" cy="1054100"/>
           </a:xfrm>
         </p:spPr>
@@ -3878,7 +3674,9 @@
           <a:p>
             <a:r>
               <a:rPr lang="it-IT" b="1" dirty="0">
-                <a:latin typeface="Doulos SIL" panose="02000500070000020004" pitchFamily="2" charset="0"/>
+                <a:solidFill>
+                  <a:srgbClr val="002060"/>
+                </a:solidFill>
                 <a:ea typeface="Doulos SIL" panose="02000500070000020004" pitchFamily="2" charset="0"/>
                 <a:cs typeface="Doulos SIL" panose="02000500070000020004" pitchFamily="2" charset="0"/>
               </a:rPr>
@@ -3905,7 +3703,7 @@
         </p:nvSpPr>
         <p:spPr>
           <a:xfrm>
-            <a:off x="3090862" y="1990725"/>
+            <a:off x="3083718" y="1771646"/>
             <a:ext cx="6010275" cy="4090988"/>
           </a:xfrm>
         </p:spPr>
@@ -3921,7 +3719,10 @@
             </a:pPr>
             <a:r>
               <a:rPr lang="it-IT" sz="3600" dirty="0">
-                <a:latin typeface="Doulos SIL" panose="02000500070000020004" pitchFamily="2" charset="0"/>
+                <a:solidFill>
+                  <a:srgbClr val="002060"/>
+                </a:solidFill>
+                <a:latin typeface="+mj-lt"/>
                 <a:ea typeface="Doulos SIL" panose="02000500070000020004" pitchFamily="2" charset="0"/>
                 <a:cs typeface="Doulos SIL" panose="02000500070000020004" pitchFamily="2" charset="0"/>
               </a:rPr>
@@ -3935,7 +3736,10 @@
             </a:pPr>
             <a:r>
               <a:rPr lang="it-IT" sz="3600" dirty="0">
-                <a:latin typeface="Doulos SIL" panose="02000500070000020004" pitchFamily="2" charset="0"/>
+                <a:solidFill>
+                  <a:srgbClr val="002060"/>
+                </a:solidFill>
+                <a:latin typeface="+mj-lt"/>
                 <a:ea typeface="Doulos SIL" panose="02000500070000020004" pitchFamily="2" charset="0"/>
                 <a:cs typeface="Doulos SIL" panose="02000500070000020004" pitchFamily="2" charset="0"/>
               </a:rPr>
@@ -3949,7 +3753,10 @@
             </a:pPr>
             <a:r>
               <a:rPr lang="it-IT" sz="3600" dirty="0">
-                <a:latin typeface="Doulos SIL" panose="02000500070000020004" pitchFamily="2" charset="0"/>
+                <a:solidFill>
+                  <a:srgbClr val="002060"/>
+                </a:solidFill>
+                <a:latin typeface="+mj-lt"/>
                 <a:ea typeface="Doulos SIL" panose="02000500070000020004" pitchFamily="2" charset="0"/>
                 <a:cs typeface="Doulos SIL" panose="02000500070000020004" pitchFamily="2" charset="0"/>
               </a:rPr>
@@ -3963,7 +3770,10 @@
             </a:pPr>
             <a:r>
               <a:rPr lang="it-IT" sz="3600" dirty="0">
-                <a:latin typeface="Doulos SIL" panose="02000500070000020004" pitchFamily="2" charset="0"/>
+                <a:solidFill>
+                  <a:srgbClr val="002060"/>
+                </a:solidFill>
+                <a:latin typeface="+mj-lt"/>
                 <a:ea typeface="Doulos SIL" panose="02000500070000020004" pitchFamily="2" charset="0"/>
                 <a:cs typeface="Doulos SIL" panose="02000500070000020004" pitchFamily="2" charset="0"/>
               </a:rPr>
@@ -3977,7 +3787,10 @@
             </a:pPr>
             <a:r>
               <a:rPr lang="it-IT" sz="3600" dirty="0">
-                <a:latin typeface="Doulos SIL" panose="02000500070000020004" pitchFamily="2" charset="0"/>
+                <a:solidFill>
+                  <a:srgbClr val="002060"/>
+                </a:solidFill>
+                <a:latin typeface="+mj-lt"/>
                 <a:ea typeface="Doulos SIL" panose="02000500070000020004" pitchFamily="2" charset="0"/>
                 <a:cs typeface="Doulos SIL" panose="02000500070000020004" pitchFamily="2" charset="0"/>
               </a:rPr>
@@ -3991,7 +3804,10 @@
             </a:pPr>
             <a:r>
               <a:rPr lang="it-IT" sz="3600" dirty="0">
-                <a:latin typeface="Doulos SIL" panose="02000500070000020004" pitchFamily="2" charset="0"/>
+                <a:solidFill>
+                  <a:srgbClr val="002060"/>
+                </a:solidFill>
+                <a:latin typeface="+mj-lt"/>
                 <a:ea typeface="Doulos SIL" panose="02000500070000020004" pitchFamily="2" charset="0"/>
                 <a:cs typeface="Doulos SIL" panose="02000500070000020004" pitchFamily="2" charset="0"/>
               </a:rPr>
@@ -4000,6 +3816,82 @@
           </a:p>
         </p:txBody>
       </p:sp>
+      <p:cxnSp>
+        <p:nvCxnSpPr>
+          <p:cNvPr id="4" name="Connettore diritto 3">
+            <a:extLst>
+              <a:ext uri="{FF2B5EF4-FFF2-40B4-BE49-F238E27FC236}">
+                <a16:creationId xmlns:a16="http://schemas.microsoft.com/office/drawing/2014/main" id="{8D6621C6-55DA-4B28-8D31-0A3DC6C5BA3C}"/>
+              </a:ext>
+            </a:extLst>
+          </p:cNvPr>
+          <p:cNvCxnSpPr>
+            <a:cxnSpLocks/>
+          </p:cNvCxnSpPr>
+          <p:nvPr/>
+        </p:nvCxnSpPr>
+        <p:spPr>
+          <a:xfrm>
+            <a:off x="938212" y="1393301"/>
+            <a:ext cx="10301288" cy="0"/>
+          </a:xfrm>
+          <a:prstGeom prst="line">
+            <a:avLst/>
+          </a:prstGeom>
+        </p:spPr>
+        <p:style>
+          <a:lnRef idx="1">
+            <a:schemeClr val="accent1"/>
+          </a:lnRef>
+          <a:fillRef idx="0">
+            <a:schemeClr val="accent1"/>
+          </a:fillRef>
+          <a:effectRef idx="0">
+            <a:schemeClr val="accent1"/>
+          </a:effectRef>
+          <a:fontRef idx="minor">
+            <a:schemeClr val="tx1"/>
+          </a:fontRef>
+        </p:style>
+      </p:cxnSp>
+      <p:cxnSp>
+        <p:nvCxnSpPr>
+          <p:cNvPr id="5" name="Connettore diritto 4">
+            <a:extLst>
+              <a:ext uri="{FF2B5EF4-FFF2-40B4-BE49-F238E27FC236}">
+                <a16:creationId xmlns:a16="http://schemas.microsoft.com/office/drawing/2014/main" id="{85B3FF9A-34EF-4BDC-A5D5-D677A6E88F89}"/>
+              </a:ext>
+            </a:extLst>
+          </p:cNvPr>
+          <p:cNvCxnSpPr>
+            <a:cxnSpLocks/>
+          </p:cNvCxnSpPr>
+          <p:nvPr/>
+        </p:nvCxnSpPr>
+        <p:spPr>
+          <a:xfrm>
+            <a:off x="838200" y="5862634"/>
+            <a:ext cx="10301288" cy="0"/>
+          </a:xfrm>
+          <a:prstGeom prst="line">
+            <a:avLst/>
+          </a:prstGeom>
+        </p:spPr>
+        <p:style>
+          <a:lnRef idx="1">
+            <a:schemeClr val="accent1"/>
+          </a:lnRef>
+          <a:fillRef idx="0">
+            <a:schemeClr val="accent1"/>
+          </a:fillRef>
+          <a:effectRef idx="0">
+            <a:schemeClr val="accent1"/>
+          </a:effectRef>
+          <a:fontRef idx="minor">
+            <a:schemeClr val="tx1"/>
+          </a:fontRef>
+        </p:style>
+      </p:cxnSp>
     </p:spTree>
     <p:extLst>
       <p:ext uri="{BB962C8B-B14F-4D97-AF65-F5344CB8AC3E}">
@@ -4047,43 +3939,6 @@
       </p:grpSpPr>
       <p:sp>
         <p:nvSpPr>
-          <p:cNvPr id="2" name="Titolo 1">
-            <a:extLst>
-              <a:ext uri="{FF2B5EF4-FFF2-40B4-BE49-F238E27FC236}">
-                <a16:creationId xmlns:a16="http://schemas.microsoft.com/office/drawing/2014/main" id="{BF2682D2-FFEE-4B6C-8B3F-80EB2A98CD18}"/>
-              </a:ext>
-            </a:extLst>
-          </p:cNvPr>
-          <p:cNvSpPr>
-            <a:spLocks noGrp="1"/>
-          </p:cNvSpPr>
-          <p:nvPr>
-            <p:ph type="title"/>
-          </p:nvPr>
-        </p:nvSpPr>
-        <p:spPr>
-          <a:xfrm>
-            <a:off x="310392" y="256985"/>
-            <a:ext cx="10515600" cy="1325563"/>
-          </a:xfrm>
-        </p:spPr>
-        <p:txBody>
-          <a:bodyPr/>
-          <a:lstStyle/>
-          <a:p>
-            <a:r>
-              <a:rPr lang="it-IT" b="1" dirty="0">
-                <a:latin typeface="Doulos SIL" panose="02000500070000020004" pitchFamily="2" charset="0"/>
-                <a:ea typeface="Doulos SIL" panose="02000500070000020004" pitchFamily="2" charset="0"/>
-                <a:cs typeface="Doulos SIL" panose="02000500070000020004" pitchFamily="2" charset="0"/>
-              </a:rPr>
-              <a:t>1. Descrizione del problema</a:t>
-            </a:r>
-          </a:p>
-        </p:txBody>
-      </p:sp>
-      <p:sp>
-        <p:nvSpPr>
           <p:cNvPr id="3" name="Segnaposto contenuto 2">
             <a:extLst>
               <a:ext uri="{FF2B5EF4-FFF2-40B4-BE49-F238E27FC236}">
@@ -4100,8 +3955,8 @@
         </p:nvSpPr>
         <p:spPr>
           <a:xfrm>
-            <a:off x="310392" y="1825625"/>
-            <a:ext cx="4154983" cy="4667250"/>
+            <a:off x="218113" y="1576174"/>
+            <a:ext cx="3836201" cy="4667250"/>
           </a:xfrm>
         </p:spPr>
         <p:txBody>
@@ -4112,21 +3967,115 @@
           <a:p>
             <a:r>
               <a:rPr lang="it-IT" dirty="0">
-                <a:latin typeface="Doulos SIL" panose="02000500070000020004" pitchFamily="2" charset="0"/>
+                <a:solidFill>
+                  <a:srgbClr val="002060"/>
+                </a:solidFill>
+                <a:latin typeface="+mj-lt"/>
                 <a:ea typeface="Doulos SIL" panose="02000500070000020004" pitchFamily="2" charset="0"/>
                 <a:cs typeface="Doulos SIL" panose="02000500070000020004" pitchFamily="2" charset="0"/>
               </a:rPr>
-              <a:t>Il sistema è composto da 6 spire simmetriche e concentriche rispetto all'asse z.</a:t>
-            </a:r>
-          </a:p>
-          <a:p>
-            <a:r>
-              <a:rPr lang="it-IT" dirty="0">
-                <a:latin typeface="Doulos SIL" panose="02000500070000020004" pitchFamily="2" charset="0"/>
+              <a:t>Il sistema è composto da </a:t>
+            </a:r>
+            <a:r>
+              <a:rPr lang="it-IT" b="1" i="1" dirty="0">
+                <a:solidFill>
+                  <a:srgbClr val="C00000"/>
+                </a:solidFill>
+                <a:latin typeface="+mj-lt"/>
                 <a:ea typeface="Doulos SIL" panose="02000500070000020004" pitchFamily="2" charset="0"/>
                 <a:cs typeface="Doulos SIL" panose="02000500070000020004" pitchFamily="2" charset="0"/>
               </a:rPr>
-              <a:t>I parametri di progetto, ovvero posizione, raggio e intensità di corrente, sono noti per tutte le spire tranne che per una coppia.</a:t>
+              <a:t>6 spire simmetriche </a:t>
+            </a:r>
+            <a:r>
+              <a:rPr lang="it-IT" dirty="0">
+                <a:solidFill>
+                  <a:srgbClr val="002060"/>
+                </a:solidFill>
+                <a:latin typeface="+mj-lt"/>
+                <a:ea typeface="Doulos SIL" panose="02000500070000020004" pitchFamily="2" charset="0"/>
+                <a:cs typeface="Doulos SIL" panose="02000500070000020004" pitchFamily="2" charset="0"/>
+              </a:rPr>
+              <a:t>e concentriche rispetto all'asse z.</a:t>
+            </a:r>
+          </a:p>
+          <a:p>
+            <a:r>
+              <a:rPr lang="it-IT" dirty="0">
+                <a:solidFill>
+                  <a:srgbClr val="002060"/>
+                </a:solidFill>
+                <a:latin typeface="+mj-lt"/>
+                <a:ea typeface="Doulos SIL" panose="02000500070000020004" pitchFamily="2" charset="0"/>
+                <a:cs typeface="Doulos SIL" panose="02000500070000020004" pitchFamily="2" charset="0"/>
+              </a:rPr>
+              <a:t>I parametri di progetto, ovvero </a:t>
+            </a:r>
+            <a:r>
+              <a:rPr lang="it-IT" b="1" i="1" dirty="0">
+                <a:solidFill>
+                  <a:srgbClr val="C00000"/>
+                </a:solidFill>
+                <a:latin typeface="+mj-lt"/>
+                <a:ea typeface="Doulos SIL" panose="02000500070000020004" pitchFamily="2" charset="0"/>
+                <a:cs typeface="Doulos SIL" panose="02000500070000020004" pitchFamily="2" charset="0"/>
+              </a:rPr>
+              <a:t>posizione</a:t>
+            </a:r>
+            <a:r>
+              <a:rPr lang="it-IT" dirty="0">
+                <a:solidFill>
+                  <a:srgbClr val="002060"/>
+                </a:solidFill>
+                <a:latin typeface="+mj-lt"/>
+                <a:ea typeface="Doulos SIL" panose="02000500070000020004" pitchFamily="2" charset="0"/>
+                <a:cs typeface="Doulos SIL" panose="02000500070000020004" pitchFamily="2" charset="0"/>
+              </a:rPr>
+              <a:t>, </a:t>
+            </a:r>
+            <a:r>
+              <a:rPr lang="it-IT" b="1" i="1" dirty="0">
+                <a:solidFill>
+                  <a:srgbClr val="C00000"/>
+                </a:solidFill>
+                <a:latin typeface="+mj-lt"/>
+                <a:ea typeface="Doulos SIL" panose="02000500070000020004" pitchFamily="2" charset="0"/>
+                <a:cs typeface="Doulos SIL" panose="02000500070000020004" pitchFamily="2" charset="0"/>
+              </a:rPr>
+              <a:t>raggio</a:t>
+            </a:r>
+            <a:r>
+              <a:rPr lang="it-IT" dirty="0">
+                <a:solidFill>
+                  <a:srgbClr val="002060"/>
+                </a:solidFill>
+                <a:latin typeface="+mj-lt"/>
+                <a:ea typeface="Doulos SIL" panose="02000500070000020004" pitchFamily="2" charset="0"/>
+                <a:cs typeface="Doulos SIL" panose="02000500070000020004" pitchFamily="2" charset="0"/>
+              </a:rPr>
+              <a:t> e intensità di </a:t>
+            </a:r>
+            <a:r>
+              <a:rPr lang="it-IT" b="1" i="1" dirty="0">
+                <a:solidFill>
+                  <a:srgbClr val="C00000"/>
+                </a:solidFill>
+                <a:latin typeface="+mj-lt"/>
+                <a:ea typeface="Doulos SIL" panose="02000500070000020004" pitchFamily="2" charset="0"/>
+                <a:cs typeface="Doulos SIL" panose="02000500070000020004" pitchFamily="2" charset="0"/>
+              </a:rPr>
+              <a:t>corrente</a:t>
+            </a:r>
+            <a:r>
+              <a:rPr lang="it-IT" dirty="0">
+                <a:solidFill>
+                  <a:srgbClr val="002060"/>
+                </a:solidFill>
+                <a:latin typeface="+mj-lt"/>
+                <a:ea typeface="Doulos SIL" panose="02000500070000020004" pitchFamily="2" charset="0"/>
+                <a:cs typeface="Doulos SIL" panose="02000500070000020004" pitchFamily="2" charset="0"/>
+              </a:rPr>
+              <a:t>, sono noti per tutte le spire tranne che per una coppia.</a:t>
             </a:r>
           </a:p>
         </p:txBody>
@@ -4159,14 +4108,150 @@
         </p:blipFill>
         <p:spPr>
           <a:xfrm>
-            <a:off x="4465375" y="1699790"/>
-            <a:ext cx="7500843" cy="4424173"/>
+            <a:off x="3987202" y="1507469"/>
+            <a:ext cx="8029445" cy="4735955"/>
           </a:xfrm>
           <a:prstGeom prst="rect">
             <a:avLst/>
           </a:prstGeom>
         </p:spPr>
       </p:pic>
+      <p:cxnSp>
+        <p:nvCxnSpPr>
+          <p:cNvPr id="6" name="Connettore diritto 5">
+            <a:extLst>
+              <a:ext uri="{FF2B5EF4-FFF2-40B4-BE49-F238E27FC236}">
+                <a16:creationId xmlns:a16="http://schemas.microsoft.com/office/drawing/2014/main" id="{9B7E032F-EC43-47DB-AD1D-CC926507FE94}"/>
+              </a:ext>
+            </a:extLst>
+          </p:cNvPr>
+          <p:cNvCxnSpPr>
+            <a:cxnSpLocks/>
+          </p:cNvCxnSpPr>
+          <p:nvPr/>
+        </p:nvCxnSpPr>
+        <p:spPr>
+          <a:xfrm>
+            <a:off x="938212" y="1393301"/>
+            <a:ext cx="10301288" cy="0"/>
+          </a:xfrm>
+          <a:prstGeom prst="line">
+            <a:avLst/>
+          </a:prstGeom>
+        </p:spPr>
+        <p:style>
+          <a:lnRef idx="1">
+            <a:schemeClr val="accent1"/>
+          </a:lnRef>
+          <a:fillRef idx="0">
+            <a:schemeClr val="accent1"/>
+          </a:fillRef>
+          <a:effectRef idx="0">
+            <a:schemeClr val="accent1"/>
+          </a:effectRef>
+          <a:fontRef idx="minor">
+            <a:schemeClr val="tx1"/>
+          </a:fontRef>
+        </p:style>
+      </p:cxnSp>
+      <p:sp>
+        <p:nvSpPr>
+          <p:cNvPr id="9" name="Titolo 1">
+            <a:extLst>
+              <a:ext uri="{FF2B5EF4-FFF2-40B4-BE49-F238E27FC236}">
+                <a16:creationId xmlns:a16="http://schemas.microsoft.com/office/drawing/2014/main" id="{4F0540AC-109D-4711-B16A-41D5A29BFEA6}"/>
+              </a:ext>
+            </a:extLst>
+          </p:cNvPr>
+          <p:cNvSpPr txBox="1">
+            <a:spLocks/>
+          </p:cNvSpPr>
+          <p:nvPr/>
+        </p:nvSpPr>
+        <p:spPr>
+          <a:xfrm>
+            <a:off x="823911" y="499495"/>
+            <a:ext cx="6667458" cy="1054100"/>
+          </a:xfrm>
+          <a:prstGeom prst="rect">
+            <a:avLst/>
+          </a:prstGeom>
+        </p:spPr>
+        <p:txBody>
+          <a:bodyPr vert="horz" lIns="91440" tIns="45720" rIns="91440" bIns="45720" rtlCol="0" anchor="ctr">
+            <a:normAutofit/>
+          </a:bodyPr>
+          <a:lstStyle>
+            <a:lvl1pPr algn="l" defTabSz="914400" rtl="0" eaLnBrk="1" latinLnBrk="0" hangingPunct="1">
+              <a:lnSpc>
+                <a:spcPct val="90000"/>
+              </a:lnSpc>
+              <a:spcBef>
+                <a:spcPct val="0"/>
+              </a:spcBef>
+              <a:buNone/>
+              <a:defRPr sz="4400" kern="1200">
+                <a:solidFill>
+                  <a:schemeClr val="tx1"/>
+                </a:solidFill>
+                <a:latin typeface="+mj-lt"/>
+                <a:ea typeface="+mj-ea"/>
+                <a:cs typeface="+mj-cs"/>
+              </a:defRPr>
+            </a:lvl1pPr>
+          </a:lstStyle>
+          <a:p>
+            <a:r>
+              <a:rPr lang="it-IT" b="1" dirty="0">
+                <a:solidFill>
+                  <a:srgbClr val="002060"/>
+                </a:solidFill>
+                <a:ea typeface="Doulos SIL" panose="02000500070000020004" pitchFamily="2" charset="0"/>
+                <a:cs typeface="Doulos SIL" panose="02000500070000020004" pitchFamily="2" charset="0"/>
+              </a:rPr>
+              <a:t>Descrizione del problema</a:t>
+            </a:r>
+          </a:p>
+        </p:txBody>
+      </p:sp>
+      <p:cxnSp>
+        <p:nvCxnSpPr>
+          <p:cNvPr id="10" name="Connettore diritto 9">
+            <a:extLst>
+              <a:ext uri="{FF2B5EF4-FFF2-40B4-BE49-F238E27FC236}">
+                <a16:creationId xmlns:a16="http://schemas.microsoft.com/office/drawing/2014/main" id="{F2FEB4DF-C1C8-4A18-B8A7-0B272D1DBD53}"/>
+              </a:ext>
+            </a:extLst>
+          </p:cNvPr>
+          <p:cNvCxnSpPr>
+            <a:cxnSpLocks/>
+          </p:cNvCxnSpPr>
+          <p:nvPr/>
+        </p:nvCxnSpPr>
+        <p:spPr>
+          <a:xfrm>
+            <a:off x="823911" y="6357584"/>
+            <a:ext cx="10301288" cy="0"/>
+          </a:xfrm>
+          <a:prstGeom prst="line">
+            <a:avLst/>
+          </a:prstGeom>
+        </p:spPr>
+        <p:style>
+          <a:lnRef idx="1">
+            <a:schemeClr val="accent1"/>
+          </a:lnRef>
+          <a:fillRef idx="0">
+            <a:schemeClr val="accent1"/>
+          </a:fillRef>
+          <a:effectRef idx="0">
+            <a:schemeClr val="accent1"/>
+          </a:effectRef>
+          <a:fontRef idx="minor">
+            <a:schemeClr val="tx1"/>
+          </a:fontRef>
+        </p:style>
+      </p:cxnSp>
     </p:spTree>
     <p:extLst>
       <p:ext uri="{BB962C8B-B14F-4D97-AF65-F5344CB8AC3E}">
@@ -4214,79 +4299,67 @@
       </p:grpSpPr>
       <p:sp>
         <p:nvSpPr>
-          <p:cNvPr id="2" name="Titolo 1">
-            <a:extLst>
-              <a:ext uri="{FF2B5EF4-FFF2-40B4-BE49-F238E27FC236}">
-                <a16:creationId xmlns:a16="http://schemas.microsoft.com/office/drawing/2014/main" id="{1035EDB2-51D3-433F-97AD-B2EED2F157F7}"/>
-              </a:ext>
-            </a:extLst>
-          </p:cNvPr>
-          <p:cNvSpPr>
-            <a:spLocks noGrp="1"/>
-          </p:cNvSpPr>
-          <p:nvPr>
-            <p:ph type="title"/>
-          </p:nvPr>
-        </p:nvSpPr>
-        <p:spPr>
-          <a:xfrm>
-            <a:off x="382859" y="311932"/>
-            <a:ext cx="10515600" cy="1325563"/>
-          </a:xfrm>
-        </p:spPr>
-        <p:txBody>
-          <a:bodyPr/>
+          <p:cNvPr id="3" name="Segnaposto contenuto 2">
+            <a:extLst>
+              <a:ext uri="{FF2B5EF4-FFF2-40B4-BE49-F238E27FC236}">
+                <a16:creationId xmlns:a16="http://schemas.microsoft.com/office/drawing/2014/main" id="{9F9163AC-4574-4AAA-9DA9-25E379CCED28}"/>
+              </a:ext>
+            </a:extLst>
+          </p:cNvPr>
+          <p:cNvSpPr>
+            <a:spLocks noGrp="1"/>
+          </p:cNvSpPr>
+          <p:nvPr>
+            <p:ph idx="1"/>
+          </p:nvPr>
+        </p:nvSpPr>
+        <p:spPr>
+          <a:xfrm>
+            <a:off x="952499" y="1553595"/>
+            <a:ext cx="3283941" cy="4755106"/>
+          </a:xfrm>
+        </p:spPr>
+        <p:txBody>
+          <a:bodyPr vert="horz" lIns="91440" tIns="45720" rIns="91440" bIns="45720" rtlCol="0" anchor="t">
+            <a:normAutofit/>
+          </a:bodyPr>
           <a:lstStyle/>
           <a:p>
-            <a:r>
-              <a:rPr lang="it-IT" b="1" dirty="0">
-                <a:latin typeface="Doulos SIL" panose="02000500070000020004" pitchFamily="2" charset="0"/>
+            <a:pPr marL="0" indent="0">
+              <a:buNone/>
+            </a:pPr>
+            <a:r>
+              <a:rPr lang="it-IT" dirty="0">
+                <a:solidFill>
+                  <a:srgbClr val="002060"/>
+                </a:solidFill>
+                <a:latin typeface="+mj-lt"/>
                 <a:ea typeface="Doulos SIL" panose="02000500070000020004" pitchFamily="2" charset="0"/>
                 <a:cs typeface="Doulos SIL" panose="02000500070000020004" pitchFamily="2" charset="0"/>
               </a:rPr>
-              <a:t>2. Obiettivo</a:t>
-            </a:r>
-          </a:p>
-        </p:txBody>
-      </p:sp>
-      <p:sp>
-        <p:nvSpPr>
-          <p:cNvPr id="3" name="Segnaposto contenuto 2">
-            <a:extLst>
-              <a:ext uri="{FF2B5EF4-FFF2-40B4-BE49-F238E27FC236}">
-                <a16:creationId xmlns:a16="http://schemas.microsoft.com/office/drawing/2014/main" id="{9F9163AC-4574-4AAA-9DA9-25E379CCED28}"/>
-              </a:ext>
-            </a:extLst>
-          </p:cNvPr>
-          <p:cNvSpPr>
-            <a:spLocks noGrp="1"/>
-          </p:cNvSpPr>
-          <p:nvPr>
-            <p:ph idx="1"/>
-          </p:nvPr>
-        </p:nvSpPr>
-        <p:spPr>
-          <a:xfrm>
-            <a:off x="458439" y="1637495"/>
-            <a:ext cx="2937620" cy="4230881"/>
-          </a:xfrm>
-        </p:spPr>
-        <p:txBody>
-          <a:bodyPr vert="horz" lIns="91440" tIns="45720" rIns="91440" bIns="45720" rtlCol="0" anchor="t">
-            <a:normAutofit fontScale="92500" lnSpcReduction="10000"/>
-          </a:bodyPr>
-          <a:lstStyle/>
-          <a:p>
-            <a:pPr marL="0" indent="0">
-              <a:buNone/>
-            </a:pPr>
-            <a:r>
-              <a:rPr lang="it-IT" dirty="0">
-                <a:latin typeface="Doulos SIL" panose="02000500070000020004" pitchFamily="2" charset="0"/>
+              <a:t>L’obiettivo del progetto delle spire incognite è quello di </a:t>
+            </a:r>
+            <a:r>
+              <a:rPr lang="it-IT" b="1" i="1" dirty="0">
+                <a:solidFill>
+                  <a:srgbClr val="002060"/>
+                </a:solidFill>
+                <a:latin typeface="+mj-lt"/>
                 <a:ea typeface="Doulos SIL" panose="02000500070000020004" pitchFamily="2" charset="0"/>
                 <a:cs typeface="Doulos SIL" panose="02000500070000020004" pitchFamily="2" charset="0"/>
               </a:rPr>
-              <a:t>Essendo che le spire sono simmetriche, il problema si riduce alla progettazione di una sola spira che risulta essere la migliore approssimazione di un campo magnetico avente la seguente caratteristica:</a:t>
+              <a:t>approssimare quanto più possibile </a:t>
+            </a:r>
+            <a:r>
+              <a:rPr lang="it-IT" dirty="0">
+                <a:solidFill>
+                  <a:srgbClr val="002060"/>
+                </a:solidFill>
+                <a:latin typeface="+mj-lt"/>
+                <a:ea typeface="Doulos SIL" panose="02000500070000020004" pitchFamily="2" charset="0"/>
+                <a:cs typeface="Doulos SIL" panose="02000500070000020004" pitchFamily="2" charset="0"/>
+              </a:rPr>
+              <a:t>un campo magnetico della seguente caratteristica.</a:t>
             </a:r>
           </a:p>
         </p:txBody>
@@ -4313,14 +4386,150 @@
         </p:blipFill>
         <p:spPr>
           <a:xfrm>
-            <a:off x="4306741" y="1182976"/>
-            <a:ext cx="7502400" cy="5394842"/>
+            <a:off x="4471820" y="1442184"/>
+            <a:ext cx="6767680" cy="4866518"/>
           </a:xfrm>
           <a:prstGeom prst="rect">
             <a:avLst/>
           </a:prstGeom>
         </p:spPr>
       </p:pic>
+      <p:cxnSp>
+        <p:nvCxnSpPr>
+          <p:cNvPr id="5" name="Connettore diritto 4">
+            <a:extLst>
+              <a:ext uri="{FF2B5EF4-FFF2-40B4-BE49-F238E27FC236}">
+                <a16:creationId xmlns:a16="http://schemas.microsoft.com/office/drawing/2014/main" id="{D088D6EF-65E6-45E7-8272-456AB75B3EA5}"/>
+              </a:ext>
+            </a:extLst>
+          </p:cNvPr>
+          <p:cNvCxnSpPr>
+            <a:cxnSpLocks/>
+          </p:cNvCxnSpPr>
+          <p:nvPr/>
+        </p:nvCxnSpPr>
+        <p:spPr>
+          <a:xfrm>
+            <a:off x="938212" y="1393301"/>
+            <a:ext cx="10301288" cy="0"/>
+          </a:xfrm>
+          <a:prstGeom prst="line">
+            <a:avLst/>
+          </a:prstGeom>
+        </p:spPr>
+        <p:style>
+          <a:lnRef idx="1">
+            <a:schemeClr val="accent1"/>
+          </a:lnRef>
+          <a:fillRef idx="0">
+            <a:schemeClr val="accent1"/>
+          </a:fillRef>
+          <a:effectRef idx="0">
+            <a:schemeClr val="accent1"/>
+          </a:effectRef>
+          <a:fontRef idx="minor">
+            <a:schemeClr val="tx1"/>
+          </a:fontRef>
+        </p:style>
+      </p:cxnSp>
+      <p:sp>
+        <p:nvSpPr>
+          <p:cNvPr id="6" name="Titolo 1">
+            <a:extLst>
+              <a:ext uri="{FF2B5EF4-FFF2-40B4-BE49-F238E27FC236}">
+                <a16:creationId xmlns:a16="http://schemas.microsoft.com/office/drawing/2014/main" id="{CCC13261-5023-4ACE-A375-4AAAEE7F9627}"/>
+              </a:ext>
+            </a:extLst>
+          </p:cNvPr>
+          <p:cNvSpPr txBox="1">
+            <a:spLocks/>
+          </p:cNvSpPr>
+          <p:nvPr/>
+        </p:nvSpPr>
+        <p:spPr>
+          <a:xfrm>
+            <a:off x="823911" y="499495"/>
+            <a:ext cx="6667458" cy="1054100"/>
+          </a:xfrm>
+          <a:prstGeom prst="rect">
+            <a:avLst/>
+          </a:prstGeom>
+        </p:spPr>
+        <p:txBody>
+          <a:bodyPr vert="horz" lIns="91440" tIns="45720" rIns="91440" bIns="45720" rtlCol="0" anchor="ctr">
+            <a:normAutofit/>
+          </a:bodyPr>
+          <a:lstStyle>
+            <a:lvl1pPr algn="l" defTabSz="914400" rtl="0" eaLnBrk="1" latinLnBrk="0" hangingPunct="1">
+              <a:lnSpc>
+                <a:spcPct val="90000"/>
+              </a:lnSpc>
+              <a:spcBef>
+                <a:spcPct val="0"/>
+              </a:spcBef>
+              <a:buNone/>
+              <a:defRPr sz="4400" kern="1200">
+                <a:solidFill>
+                  <a:schemeClr val="tx1"/>
+                </a:solidFill>
+                <a:latin typeface="+mj-lt"/>
+                <a:ea typeface="+mj-ea"/>
+                <a:cs typeface="+mj-cs"/>
+              </a:defRPr>
+            </a:lvl1pPr>
+          </a:lstStyle>
+          <a:p>
+            <a:r>
+              <a:rPr lang="it-IT" b="1" dirty="0">
+                <a:solidFill>
+                  <a:srgbClr val="002060"/>
+                </a:solidFill>
+                <a:ea typeface="Doulos SIL" panose="02000500070000020004" pitchFamily="2" charset="0"/>
+                <a:cs typeface="Doulos SIL" panose="02000500070000020004" pitchFamily="2" charset="0"/>
+              </a:rPr>
+              <a:t>Obiettivo</a:t>
+            </a:r>
+          </a:p>
+        </p:txBody>
+      </p:sp>
+      <p:cxnSp>
+        <p:nvCxnSpPr>
+          <p:cNvPr id="7" name="Connettore diritto 6">
+            <a:extLst>
+              <a:ext uri="{FF2B5EF4-FFF2-40B4-BE49-F238E27FC236}">
+                <a16:creationId xmlns:a16="http://schemas.microsoft.com/office/drawing/2014/main" id="{8C199ED7-CCC3-4C0B-90C6-AC261848E9CE}"/>
+              </a:ext>
+            </a:extLst>
+          </p:cNvPr>
+          <p:cNvCxnSpPr>
+            <a:cxnSpLocks/>
+          </p:cNvCxnSpPr>
+          <p:nvPr/>
+        </p:nvCxnSpPr>
+        <p:spPr>
+          <a:xfrm>
+            <a:off x="823911" y="6357584"/>
+            <a:ext cx="10301288" cy="0"/>
+          </a:xfrm>
+          <a:prstGeom prst="line">
+            <a:avLst/>
+          </a:prstGeom>
+        </p:spPr>
+        <p:style>
+          <a:lnRef idx="1">
+            <a:schemeClr val="accent1"/>
+          </a:lnRef>
+          <a:fillRef idx="0">
+            <a:schemeClr val="accent1"/>
+          </a:fillRef>
+          <a:effectRef idx="0">
+            <a:schemeClr val="accent1"/>
+          </a:effectRef>
+          <a:fontRef idx="minor">
+            <a:schemeClr val="tx1"/>
+          </a:fontRef>
+        </p:style>
+      </p:cxnSp>
     </p:spTree>
     <p:extLst>
       <p:ext uri="{BB962C8B-B14F-4D97-AF65-F5344CB8AC3E}">
@@ -4353,95 +4562,103 @@
       </p:grpSpPr>
       <p:sp>
         <p:nvSpPr>
-          <p:cNvPr id="2" name="Titolo 1">
-            <a:extLst>
-              <a:ext uri="{FF2B5EF4-FFF2-40B4-BE49-F238E27FC236}">
-                <a16:creationId xmlns:a16="http://schemas.microsoft.com/office/drawing/2014/main" id="{EB461857-2525-48E6-8101-5016430E0D61}"/>
-              </a:ext>
-            </a:extLst>
-          </p:cNvPr>
-          <p:cNvSpPr>
-            <a:spLocks noGrp="1"/>
-          </p:cNvSpPr>
-          <p:nvPr>
-            <p:ph type="title"/>
-          </p:nvPr>
-        </p:nvSpPr>
-        <p:spPr>
-          <a:xfrm>
-            <a:off x="838199" y="81510"/>
-            <a:ext cx="10515600" cy="1325563"/>
-          </a:xfrm>
-        </p:spPr>
-        <p:txBody>
-          <a:bodyPr/>
+          <p:cNvPr id="3" name="Segnaposto contenuto 2">
+            <a:extLst>
+              <a:ext uri="{FF2B5EF4-FFF2-40B4-BE49-F238E27FC236}">
+                <a16:creationId xmlns:a16="http://schemas.microsoft.com/office/drawing/2014/main" id="{8E78F1CB-0898-4124-857B-08801E034C11}"/>
+              </a:ext>
+            </a:extLst>
+          </p:cNvPr>
+          <p:cNvSpPr>
+            <a:spLocks noGrp="1"/>
+          </p:cNvSpPr>
+          <p:nvPr>
+            <p:ph idx="1"/>
+          </p:nvPr>
+        </p:nvSpPr>
+        <p:spPr>
+          <a:xfrm>
+            <a:off x="851874" y="1335991"/>
+            <a:ext cx="10205622" cy="1073614"/>
+          </a:xfrm>
+        </p:spPr>
+        <p:txBody>
+          <a:bodyPr>
+            <a:normAutofit fontScale="92500"/>
+          </a:bodyPr>
           <a:lstStyle/>
           <a:p>
-            <a:r>
-              <a:rPr lang="it-IT" b="1" dirty="0">
-                <a:latin typeface="Doulos SIL" panose="02000500070000020004" pitchFamily="2" charset="0"/>
+            <a:pPr marL="0" indent="0">
+              <a:lnSpc>
+                <a:spcPct val="110000"/>
+              </a:lnSpc>
+              <a:buNone/>
+            </a:pPr>
+            <a:r>
+              <a:rPr lang="it-IT" dirty="0">
+                <a:solidFill>
+                  <a:srgbClr val="002060"/>
+                </a:solidFill>
+                <a:latin typeface="+mj-lt"/>
                 <a:ea typeface="Doulos SIL" panose="02000500070000020004" pitchFamily="2" charset="0"/>
                 <a:cs typeface="Doulos SIL" panose="02000500070000020004" pitchFamily="2" charset="0"/>
               </a:rPr>
-              <a:t>3. Formulazione matematica</a:t>
-            </a:r>
-          </a:p>
-        </p:txBody>
-      </p:sp>
-      <p:sp>
-        <p:nvSpPr>
-          <p:cNvPr id="3" name="Segnaposto contenuto 2">
-            <a:extLst>
-              <a:ext uri="{FF2B5EF4-FFF2-40B4-BE49-F238E27FC236}">
-                <a16:creationId xmlns:a16="http://schemas.microsoft.com/office/drawing/2014/main" id="{8E78F1CB-0898-4124-857B-08801E034C11}"/>
-              </a:ext>
-            </a:extLst>
-          </p:cNvPr>
-          <p:cNvSpPr>
-            <a:spLocks noGrp="1"/>
-          </p:cNvSpPr>
-          <p:nvPr>
-            <p:ph idx="1"/>
-          </p:nvPr>
-        </p:nvSpPr>
-        <p:spPr>
-          <a:xfrm>
-            <a:off x="838199" y="1417974"/>
-            <a:ext cx="10205622" cy="1230065"/>
-          </a:xfrm>
-        </p:spPr>
-        <p:txBody>
-          <a:bodyPr>
-            <a:normAutofit/>
-          </a:bodyPr>
-          <a:lstStyle/>
-          <a:p>
-            <a:pPr marL="0" indent="0">
-              <a:buNone/>
-            </a:pPr>
-            <a:r>
-              <a:rPr lang="it-IT" sz="2400" dirty="0">
-                <a:latin typeface="Doulos SIL" panose="02000500070000020004" pitchFamily="2" charset="0"/>
+              <a:t>La legge di </a:t>
+            </a:r>
+            <a:r>
+              <a:rPr lang="it-IT" b="1" i="1" dirty="0">
+                <a:solidFill>
+                  <a:srgbClr val="C00000"/>
+                </a:solidFill>
+                <a:latin typeface="+mj-lt"/>
                 <a:ea typeface="Doulos SIL" panose="02000500070000020004" pitchFamily="2" charset="0"/>
                 <a:cs typeface="Doulos SIL" panose="02000500070000020004" pitchFamily="2" charset="0"/>
               </a:rPr>
-              <a:t>La legge di Biot-</a:t>
-            </a:r>
-            <a:r>
-              <a:rPr lang="it-IT" sz="2400" dirty="0" err="1">
-                <a:latin typeface="Doulos SIL" panose="02000500070000020004" pitchFamily="2" charset="0"/>
+              <a:t>Biot-</a:t>
+            </a:r>
+            <a:r>
+              <a:rPr lang="it-IT" b="1" i="1" dirty="0" err="1">
+                <a:solidFill>
+                  <a:srgbClr val="C00000"/>
+                </a:solidFill>
+                <a:latin typeface="+mj-lt"/>
                 <a:ea typeface="Doulos SIL" panose="02000500070000020004" pitchFamily="2" charset="0"/>
                 <a:cs typeface="Doulos SIL" panose="02000500070000020004" pitchFamily="2" charset="0"/>
               </a:rPr>
               <a:t>Savart</a:t>
             </a:r>
             <a:r>
-              <a:rPr lang="it-IT" sz="2400" dirty="0">
-                <a:latin typeface="Doulos SIL" panose="02000500070000020004" pitchFamily="2" charset="0"/>
+              <a:rPr lang="it-IT" dirty="0">
+                <a:solidFill>
+                  <a:srgbClr val="002060"/>
+                </a:solidFill>
+                <a:latin typeface="+mj-lt"/>
                 <a:ea typeface="Doulos SIL" panose="02000500070000020004" pitchFamily="2" charset="0"/>
                 <a:cs typeface="Doulos SIL" panose="02000500070000020004" pitchFamily="2" charset="0"/>
               </a:rPr>
-              <a:t> ci permette di valutare il campo magnetico B prodotto in un punto dello spazio da una spira percorsa da corrente elettrica:   </a:t>
+              <a:t> permette di valutare il campo magnetico </a:t>
+            </a:r>
+            <a:r>
+              <a:rPr lang="it-IT" b="1" i="1" dirty="0">
+                <a:solidFill>
+                  <a:srgbClr val="002060"/>
+                </a:solidFill>
+                <a:latin typeface="+mj-lt"/>
+                <a:ea typeface="Doulos SIL" panose="02000500070000020004" pitchFamily="2" charset="0"/>
+                <a:cs typeface="Doulos SIL" panose="02000500070000020004" pitchFamily="2" charset="0"/>
+              </a:rPr>
+              <a:t>B</a:t>
+            </a:r>
+            <a:r>
+              <a:rPr lang="it-IT" dirty="0">
+                <a:solidFill>
+                  <a:srgbClr val="002060"/>
+                </a:solidFill>
+                <a:latin typeface="+mj-lt"/>
+                <a:ea typeface="Doulos SIL" panose="02000500070000020004" pitchFamily="2" charset="0"/>
+                <a:cs typeface="Doulos SIL" panose="02000500070000020004" pitchFamily="2" charset="0"/>
+              </a:rPr>
+              <a:t> prodotto in un punto dello spazio da una spira percorsa da corrente elettrica</a:t>
             </a:r>
           </a:p>
         </p:txBody>
@@ -4460,8 +4677,8 @@
         </p:nvSpPr>
         <p:spPr>
           <a:xfrm>
-            <a:off x="838199" y="3559544"/>
-            <a:ext cx="10410825" cy="1200329"/>
+            <a:off x="938212" y="3261129"/>
+            <a:ext cx="10119284" cy="1384995"/>
           </a:xfrm>
           <a:prstGeom prst="rect">
             <a:avLst/>
@@ -4475,28 +4692,92 @@
           <a:lstStyle/>
           <a:p>
             <a:r>
-              <a:rPr lang="it-IT" sz="2400" dirty="0">
-                <a:latin typeface="Doulos SIL" panose="02000500070000020004" pitchFamily="2" charset="0"/>
+              <a:rPr lang="it-IT" sz="2800" dirty="0">
+                <a:solidFill>
+                  <a:srgbClr val="002060"/>
+                </a:solidFill>
+                <a:latin typeface="+mj-lt"/>
                 <a:ea typeface="Doulos SIL" panose="02000500070000020004" pitchFamily="2" charset="0"/>
                 <a:cs typeface="Doulos SIL" panose="02000500070000020004" pitchFamily="2" charset="0"/>
               </a:rPr>
-              <a:t>Considerando adesso la sovrapposizione degli effetti di tutte le spire del sistema e tenendo presente che le spire sono simmetriche rispetto al piano </a:t>
-            </a:r>
-            <a:r>
-              <a:rPr lang="it-IT" sz="2400" dirty="0" err="1">
-                <a:latin typeface="Doulos SIL" panose="02000500070000020004" pitchFamily="2" charset="0"/>
+              <a:t>Considerando adesso la </a:t>
+            </a:r>
+            <a:r>
+              <a:rPr lang="it-IT" sz="2800" b="1" i="1" dirty="0">
+                <a:solidFill>
+                  <a:srgbClr val="C00000"/>
+                </a:solidFill>
+                <a:latin typeface="+mj-lt"/>
+                <a:ea typeface="Doulos SIL" panose="02000500070000020004" pitchFamily="2" charset="0"/>
+                <a:cs typeface="Doulos SIL" panose="02000500070000020004" pitchFamily="2" charset="0"/>
+              </a:rPr>
+              <a:t>sovrapposizione degli effetti </a:t>
+            </a:r>
+            <a:r>
+              <a:rPr lang="it-IT" sz="2800" dirty="0">
+                <a:solidFill>
+                  <a:srgbClr val="002060"/>
+                </a:solidFill>
+                <a:latin typeface="+mj-lt"/>
+                <a:ea typeface="Doulos SIL" panose="02000500070000020004" pitchFamily="2" charset="0"/>
+                <a:cs typeface="Doulos SIL" panose="02000500070000020004" pitchFamily="2" charset="0"/>
+              </a:rPr>
+              <a:t>di tutte le spire del sistema e tenendo presente che </a:t>
+            </a:r>
+            <a:r>
+              <a:rPr lang="it-IT" sz="2800" b="1" i="1" dirty="0">
+                <a:solidFill>
+                  <a:srgbClr val="C00000"/>
+                </a:solidFill>
+                <a:latin typeface="+mj-lt"/>
+                <a:ea typeface="Doulos SIL" panose="02000500070000020004" pitchFamily="2" charset="0"/>
+                <a:cs typeface="Doulos SIL" panose="02000500070000020004" pitchFamily="2" charset="0"/>
+              </a:rPr>
+              <a:t>le spire sono simmetriche rispetto al piano </a:t>
+            </a:r>
+            <a:r>
+              <a:rPr lang="it-IT" sz="2800" b="1" i="1" dirty="0" err="1">
+                <a:solidFill>
+                  <a:srgbClr val="C00000"/>
+                </a:solidFill>
+                <a:latin typeface="+mj-lt"/>
                 <a:ea typeface="Doulos SIL" panose="02000500070000020004" pitchFamily="2" charset="0"/>
                 <a:cs typeface="Doulos SIL" panose="02000500070000020004" pitchFamily="2" charset="0"/>
               </a:rPr>
               <a:t>rθ</a:t>
             </a:r>
             <a:r>
-              <a:rPr lang="it-IT" sz="2400" dirty="0">
-                <a:latin typeface="Doulos SIL" panose="02000500070000020004" pitchFamily="2" charset="0"/>
+              <a:rPr lang="it-IT" sz="2800" dirty="0">
+                <a:solidFill>
+                  <a:srgbClr val="002060"/>
+                </a:solidFill>
+                <a:latin typeface="+mj-lt"/>
                 <a:ea typeface="Doulos SIL" panose="02000500070000020004" pitchFamily="2" charset="0"/>
                 <a:cs typeface="Doulos SIL" panose="02000500070000020004" pitchFamily="2" charset="0"/>
               </a:rPr>
-              <a:t>, il campo magnetico complessivo sull’asse z sarà:</a:t>
+              <a:t>, il campo magnetico complessivo sull’asse </a:t>
+            </a:r>
+            <a:r>
+              <a:rPr lang="it-IT" sz="2800" i="1" dirty="0">
+                <a:solidFill>
+                  <a:srgbClr val="002060"/>
+                </a:solidFill>
+                <a:latin typeface="+mj-lt"/>
+                <a:ea typeface="Doulos SIL" panose="02000500070000020004" pitchFamily="2" charset="0"/>
+                <a:cs typeface="Doulos SIL" panose="02000500070000020004" pitchFamily="2" charset="0"/>
+              </a:rPr>
+              <a:t>z</a:t>
+            </a:r>
+            <a:r>
+              <a:rPr lang="it-IT" sz="2800" dirty="0">
+                <a:solidFill>
+                  <a:srgbClr val="002060"/>
+                </a:solidFill>
+                <a:latin typeface="+mj-lt"/>
+                <a:ea typeface="Doulos SIL" panose="02000500070000020004" pitchFamily="2" charset="0"/>
+                <a:cs typeface="Doulos SIL" panose="02000500070000020004" pitchFamily="2" charset="0"/>
+              </a:rPr>
+              <a:t> sarà</a:t>
             </a:r>
           </a:p>
         </p:txBody>
@@ -4523,8 +4804,8 @@
         </p:blipFill>
         <p:spPr>
           <a:xfrm>
-            <a:off x="3942079" y="2579159"/>
-            <a:ext cx="3401695" cy="759272"/>
+            <a:off x="3830794" y="2409605"/>
+            <a:ext cx="4287521" cy="956992"/>
           </a:xfrm>
           <a:prstGeom prst="rect">
             <a:avLst/>
@@ -4553,14 +4834,150 @@
         </p:blipFill>
         <p:spPr>
           <a:xfrm>
-            <a:off x="2956560" y="4883577"/>
-            <a:ext cx="4663440" cy="1723805"/>
+            <a:off x="3174673" y="4414177"/>
+            <a:ext cx="5161755" cy="1908003"/>
           </a:xfrm>
           <a:prstGeom prst="rect">
             <a:avLst/>
           </a:prstGeom>
         </p:spPr>
       </p:pic>
+      <p:cxnSp>
+        <p:nvCxnSpPr>
+          <p:cNvPr id="7" name="Connettore diritto 6">
+            <a:extLst>
+              <a:ext uri="{FF2B5EF4-FFF2-40B4-BE49-F238E27FC236}">
+                <a16:creationId xmlns:a16="http://schemas.microsoft.com/office/drawing/2014/main" id="{A2CCD224-FA33-4053-A5D5-F69F1A0CE68B}"/>
+              </a:ext>
+            </a:extLst>
+          </p:cNvPr>
+          <p:cNvCxnSpPr>
+            <a:cxnSpLocks/>
+          </p:cNvCxnSpPr>
+          <p:nvPr/>
+        </p:nvCxnSpPr>
+        <p:spPr>
+          <a:xfrm>
+            <a:off x="938212" y="1200354"/>
+            <a:ext cx="10301288" cy="0"/>
+          </a:xfrm>
+          <a:prstGeom prst="line">
+            <a:avLst/>
+          </a:prstGeom>
+        </p:spPr>
+        <p:style>
+          <a:lnRef idx="1">
+            <a:schemeClr val="accent1"/>
+          </a:lnRef>
+          <a:fillRef idx="0">
+            <a:schemeClr val="accent1"/>
+          </a:fillRef>
+          <a:effectRef idx="0">
+            <a:schemeClr val="accent1"/>
+          </a:effectRef>
+          <a:fontRef idx="minor">
+            <a:schemeClr val="tx1"/>
+          </a:fontRef>
+        </p:style>
+      </p:cxnSp>
+      <p:sp>
+        <p:nvSpPr>
+          <p:cNvPr id="8" name="Titolo 1">
+            <a:extLst>
+              <a:ext uri="{FF2B5EF4-FFF2-40B4-BE49-F238E27FC236}">
+                <a16:creationId xmlns:a16="http://schemas.microsoft.com/office/drawing/2014/main" id="{F3B3B60C-1094-4F04-A837-AAC8ECA2A354}"/>
+              </a:ext>
+            </a:extLst>
+          </p:cNvPr>
+          <p:cNvSpPr txBox="1">
+            <a:spLocks/>
+          </p:cNvSpPr>
+          <p:nvPr/>
+        </p:nvSpPr>
+        <p:spPr>
+          <a:xfrm>
+            <a:off x="823911" y="306548"/>
+            <a:ext cx="6667458" cy="1054100"/>
+          </a:xfrm>
+          <a:prstGeom prst="rect">
+            <a:avLst/>
+          </a:prstGeom>
+        </p:spPr>
+        <p:txBody>
+          <a:bodyPr vert="horz" lIns="91440" tIns="45720" rIns="91440" bIns="45720" rtlCol="0" anchor="ctr">
+            <a:normAutofit/>
+          </a:bodyPr>
+          <a:lstStyle>
+            <a:lvl1pPr algn="l" defTabSz="914400" rtl="0" eaLnBrk="1" latinLnBrk="0" hangingPunct="1">
+              <a:lnSpc>
+                <a:spcPct val="90000"/>
+              </a:lnSpc>
+              <a:spcBef>
+                <a:spcPct val="0"/>
+              </a:spcBef>
+              <a:buNone/>
+              <a:defRPr sz="4400" kern="1200">
+                <a:solidFill>
+                  <a:schemeClr val="tx1"/>
+                </a:solidFill>
+                <a:latin typeface="+mj-lt"/>
+                <a:ea typeface="+mj-ea"/>
+                <a:cs typeface="+mj-cs"/>
+              </a:defRPr>
+            </a:lvl1pPr>
+          </a:lstStyle>
+          <a:p>
+            <a:r>
+              <a:rPr lang="it-IT" b="1" dirty="0">
+                <a:solidFill>
+                  <a:srgbClr val="002060"/>
+                </a:solidFill>
+                <a:ea typeface="Doulos SIL" panose="02000500070000020004" pitchFamily="2" charset="0"/>
+                <a:cs typeface="Doulos SIL" panose="02000500070000020004" pitchFamily="2" charset="0"/>
+              </a:rPr>
+              <a:t>Formulazione matematica</a:t>
+            </a:r>
+          </a:p>
+        </p:txBody>
+      </p:sp>
+      <p:cxnSp>
+        <p:nvCxnSpPr>
+          <p:cNvPr id="9" name="Connettore diritto 8">
+            <a:extLst>
+              <a:ext uri="{FF2B5EF4-FFF2-40B4-BE49-F238E27FC236}">
+                <a16:creationId xmlns:a16="http://schemas.microsoft.com/office/drawing/2014/main" id="{E13D47E6-C857-40DE-A25B-9322EB3C39FC}"/>
+              </a:ext>
+            </a:extLst>
+          </p:cNvPr>
+          <p:cNvCxnSpPr>
+            <a:cxnSpLocks/>
+          </p:cNvCxnSpPr>
+          <p:nvPr/>
+        </p:nvCxnSpPr>
+        <p:spPr>
+          <a:xfrm>
+            <a:off x="823911" y="6362854"/>
+            <a:ext cx="10301288" cy="0"/>
+          </a:xfrm>
+          <a:prstGeom prst="line">
+            <a:avLst/>
+          </a:prstGeom>
+        </p:spPr>
+        <p:style>
+          <a:lnRef idx="1">
+            <a:schemeClr val="accent1"/>
+          </a:lnRef>
+          <a:fillRef idx="0">
+            <a:schemeClr val="accent1"/>
+          </a:fillRef>
+          <a:effectRef idx="0">
+            <a:schemeClr val="accent1"/>
+          </a:effectRef>
+          <a:fontRef idx="minor">
+            <a:schemeClr val="tx1"/>
+          </a:fontRef>
+        </p:style>
+      </p:cxnSp>
     </p:spTree>
     <p:extLst>
       <p:ext uri="{BB962C8B-B14F-4D97-AF65-F5344CB8AC3E}">
@@ -4575,7 +4992,7 @@
 </file>
 
 <file path=ppt/slides/slide6.xml><?xml version="1.0" encoding="utf-8"?>
-<p:sld xmlns:a="http://schemas.openxmlformats.org/drawingml/2006/main" xmlns:r="http://schemas.openxmlformats.org/officeDocument/2006/relationships" xmlns:p="http://schemas.openxmlformats.org/presentationml/2006/main" show="0">
+<p:sld xmlns:a="http://schemas.openxmlformats.org/drawingml/2006/main" xmlns:r="http://schemas.openxmlformats.org/officeDocument/2006/relationships" xmlns:p="http://schemas.openxmlformats.org/presentationml/2006/main">
   <p:cSld>
     <p:bg>
       <p:bgPr>
@@ -4606,56 +5023,14 @@
           <a:chExt cx="0" cy="0"/>
         </a:xfrm>
       </p:grpSpPr>
-      <p:sp>
-        <p:nvSpPr>
-          <p:cNvPr id="2" name="Titolo 1">
-            <a:extLst>
-              <a:ext uri="{FF2B5EF4-FFF2-40B4-BE49-F238E27FC236}">
-                <a16:creationId xmlns:a16="http://schemas.microsoft.com/office/drawing/2014/main" id="{97DAF4DF-DCF0-4F72-AB05-77F88B86D768}"/>
-              </a:ext>
-            </a:extLst>
-          </p:cNvPr>
-          <p:cNvSpPr>
-            <a:spLocks noGrp="1"/>
-          </p:cNvSpPr>
-          <p:nvPr>
-            <p:ph type="title"/>
-          </p:nvPr>
-        </p:nvSpPr>
-        <p:spPr>
-          <a:xfrm>
-            <a:off x="838200" y="127000"/>
-            <a:ext cx="10515600" cy="1325563"/>
-          </a:xfrm>
-        </p:spPr>
-        <p:txBody>
-          <a:bodyPr/>
-          <a:lstStyle/>
-          <a:p>
-            <a:r>
-              <a:rPr lang="it-IT" b="1" dirty="0">
-                <a:latin typeface="Doulos SIL" panose="02000500070000020004" pitchFamily="2" charset="0"/>
-                <a:ea typeface="Doulos SIL" panose="02000500070000020004" pitchFamily="2" charset="0"/>
-                <a:cs typeface="Doulos SIL" panose="02000500070000020004" pitchFamily="2" charset="0"/>
-              </a:rPr>
-              <a:t>3. Formulazione matematica</a:t>
-            </a:r>
-            <a:endParaRPr lang="it-IT" dirty="0">
-              <a:latin typeface="Doulos SIL" panose="02000500070000020004" pitchFamily="2" charset="0"/>
-              <a:ea typeface="Doulos SIL" panose="02000500070000020004" pitchFamily="2" charset="0"/>
-              <a:cs typeface="Doulos SIL" panose="02000500070000020004" pitchFamily="2" charset="0"/>
-            </a:endParaRPr>
-          </a:p>
-        </p:txBody>
-      </p:sp>
-      <mc:AlternateContent xmlns:mc="http://schemas.openxmlformats.org/markup-compatibility/2006" xmlns:a14="http://schemas.microsoft.com/office/drawing/2010/main">
-        <mc:Choice Requires="a14">
+      <mc:AlternateContent xmlns:mc="http://schemas.openxmlformats.org/markup-compatibility/2006">
+        <mc:Choice xmlns:a14="http://schemas.microsoft.com/office/drawing/2010/main" Requires="a14">
           <p:sp>
             <p:nvSpPr>
               <p:cNvPr id="3" name="Segnaposto contenuto 2">
                 <a:extLst>
                   <a:ext uri="{FF2B5EF4-FFF2-40B4-BE49-F238E27FC236}">
-                    <a16:creationId xmlns:a16="http://schemas.microsoft.com/office/drawing/2014/main" id="{D6BC8FC9-A1F6-4224-B0A3-547EC096F91F}"/>
+                    <a16:creationId xmlns:a16="http://schemas.microsoft.com/office/drawing/2014/main" id="{C319475E-FE82-42AE-BA36-D2EB7E4F9A6E}"/>
                   </a:ext>
                 </a:extLst>
               </p:cNvPr>
@@ -4668,14 +5043,12 @@
             </p:nvSpPr>
             <p:spPr>
               <a:xfrm>
-                <a:off x="704849" y="1966913"/>
-                <a:ext cx="4743451" cy="4119561"/>
+                <a:off x="1064047" y="1623533"/>
+                <a:ext cx="9866808" cy="1327150"/>
               </a:xfrm>
             </p:spPr>
             <p:txBody>
-              <a:bodyPr>
-                <a:normAutofit/>
-              </a:bodyPr>
+              <a:bodyPr/>
               <a:lstStyle/>
               <a:p>
                 <a:pPr marL="0" indent="0">
@@ -4683,50 +5056,73 @@
                 </a:pPr>
                 <a:r>
                   <a:rPr lang="it-IT" dirty="0">
-                    <a:latin typeface="Doulos SIL" panose="02000500070000020004" pitchFamily="2" charset="0"/>
+                    <a:solidFill>
+                      <a:schemeClr val="accent5">
+                        <a:lumMod val="50000"/>
+                      </a:schemeClr>
+                    </a:solidFill>
+                    <a:latin typeface="+mj-lt"/>
                     <a:ea typeface="Doulos SIL" panose="02000500070000020004" pitchFamily="2" charset="0"/>
                     <a:cs typeface="Doulos SIL" panose="02000500070000020004" pitchFamily="2" charset="0"/>
                   </a:rPr>
-                  <a:t>Al fine da ottenere una discrepanza più piccola possibile, è di particolare interesse lo studio del minimo della funzione</a:t>
+                  <a:t>La funzione verrà campionata su </a:t>
                 </a:r>
-                <a:br>
+                <a14:m>
+                  <m:oMath xmlns:m="http://schemas.openxmlformats.org/officeDocument/2006/math">
+                    <m:sSub>
+                      <m:sSubPr>
+                        <m:ctrlPr>
+                          <a:rPr lang="it-IT" i="1" smtClean="0">
+                            <a:solidFill>
+                              <a:schemeClr val="accent5">
+                                <a:lumMod val="50000"/>
+                              </a:schemeClr>
+                            </a:solidFill>
+                            <a:latin typeface="+mj-lt"/>
+                          </a:rPr>
+                        </m:ctrlPr>
+                      </m:sSubPr>
+                      <m:e>
+                        <m:r>
+                          <a:rPr lang="it-IT" b="0" i="1" smtClean="0">
+                            <a:solidFill>
+                              <a:schemeClr val="accent5">
+                                <a:lumMod val="50000"/>
+                              </a:schemeClr>
+                            </a:solidFill>
+                            <a:latin typeface="+mj-lt"/>
+                          </a:rPr>
+                          <m:t>𝑁</m:t>
+                        </m:r>
+                      </m:e>
+                      <m:sub>
+                        <m:r>
+                          <a:rPr lang="it-IT" b="0" i="1" smtClean="0">
+                            <a:solidFill>
+                              <a:schemeClr val="accent5">
+                                <a:lumMod val="50000"/>
+                              </a:schemeClr>
+                            </a:solidFill>
+                            <a:latin typeface="+mj-lt"/>
+                          </a:rPr>
+                          <m:t>𝑝</m:t>
+                        </m:r>
+                      </m:sub>
+                    </m:sSub>
+                  </m:oMath>
+                </a14:m>
+                <a:r>
                   <a:rPr lang="it-IT" dirty="0">
-                    <a:latin typeface="Doulos SIL" panose="02000500070000020004" pitchFamily="2" charset="0"/>
+                    <a:solidFill>
+                      <a:schemeClr val="accent5">
+                        <a:lumMod val="50000"/>
+                      </a:schemeClr>
+                    </a:solidFill>
+                    <a:latin typeface="+mj-lt"/>
                     <a:ea typeface="Doulos SIL" panose="02000500070000020004" pitchFamily="2" charset="0"/>
                     <a:cs typeface="Doulos SIL" panose="02000500070000020004" pitchFamily="2" charset="0"/>
                   </a:rPr>
-                </a:br>
-                <a:r>
-                  <a:rPr lang="it-IT" dirty="0">
-                    <a:latin typeface="Doulos SIL" panose="02000500070000020004" pitchFamily="2" charset="0"/>
-                    <a:ea typeface="Doulos SIL" panose="02000500070000020004" pitchFamily="2" charset="0"/>
-                    <a:cs typeface="Doulos SIL" panose="02000500070000020004" pitchFamily="2" charset="0"/>
-                  </a:rPr>
-                  <a:t> </a:t>
-                </a:r>
-                <a:r>
-                  <a:rPr lang="it-IT" i="1" dirty="0">
-                    <a:latin typeface="Doulos SIL" panose="02000500070000020004" pitchFamily="2" charset="0"/>
-                    <a:ea typeface="Doulos SIL" panose="02000500070000020004" pitchFamily="2" charset="0"/>
-                    <a:cs typeface="Doulos SIL" panose="02000500070000020004" pitchFamily="2" charset="0"/>
-                  </a:rPr>
-                  <a:t>||</a:t>
-                </a:r>
-                <a:r>
-                  <a:rPr lang="it-IT" i="1" dirty="0" err="1">
-                    <a:latin typeface="Doulos SIL" panose="02000500070000020004" pitchFamily="2" charset="0"/>
-                    <a:ea typeface="Doulos SIL" panose="02000500070000020004" pitchFamily="2" charset="0"/>
-                    <a:cs typeface="Doulos SIL" panose="02000500070000020004" pitchFamily="2" charset="0"/>
-                  </a:rPr>
-                  <a:t>Bz</a:t>
-                </a:r>
-                <a:r>
-                  <a:rPr lang="it-IT" i="1" dirty="0">
-                    <a:latin typeface="Doulos SIL" panose="02000500070000020004" pitchFamily="2" charset="0"/>
-                    <a:ea typeface="Doulos SIL" panose="02000500070000020004" pitchFamily="2" charset="0"/>
-                    <a:cs typeface="Doulos SIL" panose="02000500070000020004" pitchFamily="2" charset="0"/>
-                  </a:rPr>
-                  <a:t> – </a:t>
+                  <a:t> valori dell’asse z. La funzione campionata verrà poi normalizzata e mediata sul valor medio di </a:t>
                 </a:r>
                 <a14:m>
                   <m:oMath xmlns:m="http://schemas.openxmlformats.org/officeDocument/2006/math">
@@ -4734,15 +5130,25 @@
                       <m:accPr>
                         <m:chr m:val="̃"/>
                         <m:ctrlPr>
-                          <a:rPr lang="it-IT" i="1" smtClean="0">
-                            <a:latin typeface="Cambria Math" panose="02040503050406030204" pitchFamily="18" charset="0"/>
+                          <a:rPr lang="it-IT" i="1">
+                            <a:solidFill>
+                              <a:schemeClr val="accent5">
+                                <a:lumMod val="50000"/>
+                              </a:schemeClr>
+                            </a:solidFill>
+                            <a:latin typeface="+mj-lt"/>
                           </a:rPr>
                         </m:ctrlPr>
                       </m:accPr>
                       <m:e>
                         <m:r>
-                          <a:rPr lang="it-IT" b="0" i="1" smtClean="0">
-                            <a:latin typeface="Cambria Math" panose="02040503050406030204" pitchFamily="18" charset="0"/>
+                          <a:rPr lang="it-IT" i="1">
+                            <a:solidFill>
+                              <a:schemeClr val="accent5">
+                                <a:lumMod val="50000"/>
+                              </a:schemeClr>
+                            </a:solidFill>
+                            <a:latin typeface="+mj-lt"/>
                           </a:rPr>
                           <m:t>𝐵</m:t>
                         </m:r>
@@ -4752,32 +5158,41 @@
                 </a14:m>
                 <a:r>
                   <a:rPr lang="it-IT" i="1" dirty="0">
-                    <a:latin typeface="Doulos SIL" panose="02000500070000020004" pitchFamily="2" charset="0"/>
+                    <a:solidFill>
+                      <a:schemeClr val="accent5">
+                        <a:lumMod val="50000"/>
+                      </a:schemeClr>
+                    </a:solidFill>
+                    <a:latin typeface="+mj-lt"/>
                     <a:ea typeface="Doulos SIL" panose="02000500070000020004" pitchFamily="2" charset="0"/>
                     <a:cs typeface="Doulos SIL" panose="02000500070000020004" pitchFamily="2" charset="0"/>
                   </a:rPr>
-                  <a:t>z||:</a:t>
+                  <a:t>z.</a:t>
                 </a:r>
-              </a:p>
-              <a:p>
-                <a:pPr marL="0" indent="0">
-                  <a:buNone/>
-                </a:pPr>
                 <a:r>
-                  <a:rPr lang="it-IT" dirty="0"/>
-                  <a:t> </a:t>
+                  <a:rPr lang="it-IT" dirty="0">
+                    <a:solidFill>
+                      <a:schemeClr val="accent5">
+                        <a:lumMod val="50000"/>
+                      </a:schemeClr>
+                    </a:solidFill>
+                    <a:latin typeface="+mj-lt"/>
+                    <a:ea typeface="Doulos SIL" panose="02000500070000020004" pitchFamily="2" charset="0"/>
+                    <a:cs typeface="Doulos SIL" panose="02000500070000020004" pitchFamily="2" charset="0"/>
+                  </a:rPr>
+                  <a:t> La funzione obiettivo si scriverà come</a:t>
                 </a:r>
               </a:p>
             </p:txBody>
           </p:sp>
         </mc:Choice>
-        <mc:Fallback xmlns="">
+        <mc:Fallback>
           <p:sp>
             <p:nvSpPr>
               <p:cNvPr id="3" name="Segnaposto contenuto 2">
                 <a:extLst>
                   <a:ext uri="{FF2B5EF4-FFF2-40B4-BE49-F238E27FC236}">
-                    <a16:creationId xmlns:a16="http://schemas.microsoft.com/office/drawing/2014/main" id="{D6BC8FC9-A1F6-4224-B0A3-547EC096F91F}"/>
+                    <a16:creationId xmlns:a16="http://schemas.microsoft.com/office/drawing/2014/main" id="{C319475E-FE82-42AE-BA36-D2EB7E4F9A6E}"/>
                   </a:ext>
                 </a:extLst>
               </p:cNvPr>
@@ -4790,13 +5205,13 @@
             </p:nvSpPr>
             <p:spPr>
               <a:xfrm>
-                <a:off x="704849" y="1966913"/>
-                <a:ext cx="4743451" cy="4119561"/>
+                <a:off x="1064047" y="1623533"/>
+                <a:ext cx="9866808" cy="1327150"/>
               </a:xfrm>
               <a:blipFill>
                 <a:blip r:embed="rId3"/>
                 <a:stretch>
-                  <a:fillRect l="-2699" t="-2370" r="-257"/>
+                  <a:fillRect l="-1298" t="-6422" b="-9633"/>
                 </a:stretch>
               </a:blipFill>
             </p:spPr>
@@ -4820,7 +5235,7 @@
           <p:cNvPr id="4" name="Immagine 5">
             <a:extLst>
               <a:ext uri="{FF2B5EF4-FFF2-40B4-BE49-F238E27FC236}">
-                <a16:creationId xmlns:a16="http://schemas.microsoft.com/office/drawing/2014/main" id="{90020A49-A796-4559-89D5-E6AC564101F1}"/>
+                <a16:creationId xmlns:a16="http://schemas.microsoft.com/office/drawing/2014/main" id="{17E93A69-8C14-4638-AD31-46D0CECF06CA}"/>
               </a:ext>
             </a:extLst>
           </p:cNvPr>
@@ -4837,18 +5252,154 @@
         </p:blipFill>
         <p:spPr>
           <a:xfrm>
-            <a:off x="4796288" y="1963554"/>
-            <a:ext cx="7113916" cy="3117797"/>
+            <a:off x="1189584" y="3294626"/>
+            <a:ext cx="9544718" cy="1939841"/>
           </a:xfrm>
           <a:prstGeom prst="rect">
             <a:avLst/>
           </a:prstGeom>
         </p:spPr>
       </p:pic>
+      <p:cxnSp>
+        <p:nvCxnSpPr>
+          <p:cNvPr id="5" name="Connettore diritto 4">
+            <a:extLst>
+              <a:ext uri="{FF2B5EF4-FFF2-40B4-BE49-F238E27FC236}">
+                <a16:creationId xmlns:a16="http://schemas.microsoft.com/office/drawing/2014/main" id="{76F4B5E1-0310-4D0B-91AB-2CBFCF073034}"/>
+              </a:ext>
+            </a:extLst>
+          </p:cNvPr>
+          <p:cNvCxnSpPr>
+            <a:cxnSpLocks/>
+          </p:cNvCxnSpPr>
+          <p:nvPr/>
+        </p:nvCxnSpPr>
+        <p:spPr>
+          <a:xfrm>
+            <a:off x="938212" y="1393301"/>
+            <a:ext cx="10301288" cy="0"/>
+          </a:xfrm>
+          <a:prstGeom prst="line">
+            <a:avLst/>
+          </a:prstGeom>
+        </p:spPr>
+        <p:style>
+          <a:lnRef idx="1">
+            <a:schemeClr val="accent1"/>
+          </a:lnRef>
+          <a:fillRef idx="0">
+            <a:schemeClr val="accent1"/>
+          </a:fillRef>
+          <a:effectRef idx="0">
+            <a:schemeClr val="accent1"/>
+          </a:effectRef>
+          <a:fontRef idx="minor">
+            <a:schemeClr val="tx1"/>
+          </a:fontRef>
+        </p:style>
+      </p:cxnSp>
+      <p:sp>
+        <p:nvSpPr>
+          <p:cNvPr id="6" name="Titolo 1">
+            <a:extLst>
+              <a:ext uri="{FF2B5EF4-FFF2-40B4-BE49-F238E27FC236}">
+                <a16:creationId xmlns:a16="http://schemas.microsoft.com/office/drawing/2014/main" id="{9A05E275-3A55-496F-9D2D-85F0BCDCBCE0}"/>
+              </a:ext>
+            </a:extLst>
+          </p:cNvPr>
+          <p:cNvSpPr txBox="1">
+            <a:spLocks/>
+          </p:cNvSpPr>
+          <p:nvPr/>
+        </p:nvSpPr>
+        <p:spPr>
+          <a:xfrm>
+            <a:off x="823910" y="499495"/>
+            <a:ext cx="7883861" cy="1054100"/>
+          </a:xfrm>
+          <a:prstGeom prst="rect">
+            <a:avLst/>
+          </a:prstGeom>
+        </p:spPr>
+        <p:txBody>
+          <a:bodyPr vert="horz" lIns="91440" tIns="45720" rIns="91440" bIns="45720" rtlCol="0" anchor="ctr">
+            <a:normAutofit fontScale="92500"/>
+          </a:bodyPr>
+          <a:lstStyle>
+            <a:lvl1pPr algn="l" defTabSz="914400" rtl="0" eaLnBrk="1" latinLnBrk="0" hangingPunct="1">
+              <a:lnSpc>
+                <a:spcPct val="90000"/>
+              </a:lnSpc>
+              <a:spcBef>
+                <a:spcPct val="0"/>
+              </a:spcBef>
+              <a:buNone/>
+              <a:defRPr sz="4400" kern="1200">
+                <a:solidFill>
+                  <a:schemeClr val="tx1"/>
+                </a:solidFill>
+                <a:latin typeface="+mj-lt"/>
+                <a:ea typeface="+mj-ea"/>
+                <a:cs typeface="+mj-cs"/>
+              </a:defRPr>
+            </a:lvl1pPr>
+          </a:lstStyle>
+          <a:p>
+            <a:r>
+              <a:rPr lang="it-IT" b="1" dirty="0">
+                <a:solidFill>
+                  <a:srgbClr val="002060"/>
+                </a:solidFill>
+                <a:ea typeface="Doulos SIL" panose="02000500070000020004" pitchFamily="2" charset="0"/>
+                <a:cs typeface="Doulos SIL" panose="02000500070000020004" pitchFamily="2" charset="0"/>
+              </a:rPr>
+              <a:t>Campionamento e normalizzazione</a:t>
+            </a:r>
+          </a:p>
+        </p:txBody>
+      </p:sp>
+      <p:cxnSp>
+        <p:nvCxnSpPr>
+          <p:cNvPr id="7" name="Connettore diritto 6">
+            <a:extLst>
+              <a:ext uri="{FF2B5EF4-FFF2-40B4-BE49-F238E27FC236}">
+                <a16:creationId xmlns:a16="http://schemas.microsoft.com/office/drawing/2014/main" id="{2BB24FB4-2002-4B24-AA5E-14C95BD682EB}"/>
+              </a:ext>
+            </a:extLst>
+          </p:cNvPr>
+          <p:cNvCxnSpPr>
+            <a:cxnSpLocks/>
+          </p:cNvCxnSpPr>
+          <p:nvPr/>
+        </p:nvCxnSpPr>
+        <p:spPr>
+          <a:xfrm>
+            <a:off x="823911" y="6357584"/>
+            <a:ext cx="10301288" cy="0"/>
+          </a:xfrm>
+          <a:prstGeom prst="line">
+            <a:avLst/>
+          </a:prstGeom>
+        </p:spPr>
+        <p:style>
+          <a:lnRef idx="1">
+            <a:schemeClr val="accent1"/>
+          </a:lnRef>
+          <a:fillRef idx="0">
+            <a:schemeClr val="accent1"/>
+          </a:fillRef>
+          <a:effectRef idx="0">
+            <a:schemeClr val="accent1"/>
+          </a:effectRef>
+          <a:fontRef idx="minor">
+            <a:schemeClr val="tx1"/>
+          </a:fontRef>
+        </p:style>
+      </p:cxnSp>
     </p:spTree>
     <p:extLst>
       <p:ext uri="{BB962C8B-B14F-4D97-AF65-F5344CB8AC3E}">
-        <p14:creationId xmlns:p14="http://schemas.microsoft.com/office/powerpoint/2010/main" val="3602546538"/>
+        <p14:creationId xmlns:p14="http://schemas.microsoft.com/office/powerpoint/2010/main" val="3933012525"/>
       </p:ext>
     </p:extLst>
   </p:cSld>
@@ -4892,209 +5443,152 @@
       </p:grpSpPr>
       <p:sp>
         <p:nvSpPr>
-          <p:cNvPr id="2" name="Titolo 1">
-            <a:extLst>
-              <a:ext uri="{FF2B5EF4-FFF2-40B4-BE49-F238E27FC236}">
-                <a16:creationId xmlns:a16="http://schemas.microsoft.com/office/drawing/2014/main" id="{9056B956-950D-40DC-AC8F-AD006C46DD29}"/>
-              </a:ext>
-            </a:extLst>
-          </p:cNvPr>
-          <p:cNvSpPr>
-            <a:spLocks noGrp="1"/>
-          </p:cNvSpPr>
-          <p:nvPr>
-            <p:ph type="title"/>
-          </p:nvPr>
-        </p:nvSpPr>
-        <p:spPr/>
-        <p:txBody>
-          <a:bodyPr/>
+          <p:cNvPr id="3" name="Segnaposto contenuto 2">
+            <a:extLst>
+              <a:ext uri="{FF2B5EF4-FFF2-40B4-BE49-F238E27FC236}">
+                <a16:creationId xmlns:a16="http://schemas.microsoft.com/office/drawing/2014/main" id="{4EE3591A-FD60-4ED5-BB51-39E21F68C8E8}"/>
+              </a:ext>
+            </a:extLst>
+          </p:cNvPr>
+          <p:cNvSpPr>
+            <a:spLocks noGrp="1"/>
+          </p:cNvSpPr>
+          <p:nvPr>
+            <p:ph idx="1"/>
+          </p:nvPr>
+        </p:nvSpPr>
+        <p:spPr>
+          <a:xfrm>
+            <a:off x="920839" y="1564513"/>
+            <a:ext cx="4028666" cy="4586770"/>
+          </a:xfrm>
+        </p:spPr>
+        <p:txBody>
+          <a:bodyPr vert="horz" lIns="91440" tIns="45720" rIns="91440" bIns="45720" rtlCol="0" anchor="t">
+            <a:normAutofit/>
+          </a:bodyPr>
           <a:lstStyle/>
           <a:p>
             <a:r>
-              <a:rPr lang="it-IT" b="1" dirty="0">
-                <a:latin typeface="Doulos SIL" panose="02000500070000020004" pitchFamily="2" charset="0"/>
+              <a:rPr lang="it-IT" dirty="0">
+                <a:solidFill>
+                  <a:srgbClr val="002060"/>
+                </a:solidFill>
+                <a:latin typeface="+mj-lt"/>
                 <a:ea typeface="Doulos SIL" panose="02000500070000020004" pitchFamily="2" charset="0"/>
                 <a:cs typeface="Doulos SIL" panose="02000500070000020004" pitchFamily="2" charset="0"/>
               </a:rPr>
-              <a:t>3. Formulazione matematica: campionamento e normalizzazione</a:t>
-            </a:r>
-            <a:endParaRPr lang="it-IT" dirty="0">
-              <a:latin typeface="Doulos SIL" panose="02000500070000020004" pitchFamily="2" charset="0"/>
-              <a:ea typeface="Doulos SIL" panose="02000500070000020004" pitchFamily="2" charset="0"/>
-              <a:cs typeface="Doulos SIL" panose="02000500070000020004" pitchFamily="2" charset="0"/>
-            </a:endParaRPr>
-          </a:p>
-        </p:txBody>
-      </p:sp>
-      <mc:AlternateContent xmlns:mc="http://schemas.openxmlformats.org/markup-compatibility/2006" xmlns:a14="http://schemas.microsoft.com/office/drawing/2010/main">
-        <mc:Choice Requires="a14">
-          <p:sp>
-            <p:nvSpPr>
-              <p:cNvPr id="3" name="Segnaposto contenuto 2">
-                <a:extLst>
-                  <a:ext uri="{FF2B5EF4-FFF2-40B4-BE49-F238E27FC236}">
-                    <a16:creationId xmlns:a16="http://schemas.microsoft.com/office/drawing/2014/main" id="{C319475E-FE82-42AE-BA36-D2EB7E4F9A6E}"/>
-                  </a:ext>
-                </a:extLst>
-              </p:cNvPr>
-              <p:cNvSpPr>
-                <a:spLocks noGrp="1"/>
-              </p:cNvSpPr>
-              <p:nvPr>
-                <p:ph idx="1"/>
-              </p:nvPr>
-            </p:nvSpPr>
-            <p:spPr>
-              <a:xfrm>
-                <a:off x="838200" y="2197100"/>
-                <a:ext cx="10648824" cy="1327150"/>
-              </a:xfrm>
-            </p:spPr>
-            <p:txBody>
-              <a:bodyPr/>
-              <a:lstStyle/>
-              <a:p>
-                <a:pPr marL="0" indent="0">
-                  <a:buNone/>
-                </a:pPr>
-                <a:r>
-                  <a:rPr lang="it-IT" dirty="0">
-                    <a:latin typeface="Doulos SIL" panose="02000500070000020004" pitchFamily="2" charset="0"/>
-                    <a:ea typeface="Doulos SIL" panose="02000500070000020004" pitchFamily="2" charset="0"/>
-                    <a:cs typeface="Doulos SIL" panose="02000500070000020004" pitchFamily="2" charset="0"/>
-                  </a:rPr>
-                  <a:t>La funzione verrà campionata su </a:t>
-                </a:r>
-                <a14:m>
-                  <m:oMath xmlns:m="http://schemas.openxmlformats.org/officeDocument/2006/math">
-                    <m:sSub>
-                      <m:sSubPr>
-                        <m:ctrlPr>
-                          <a:rPr lang="it-IT" i="1" smtClean="0">
-                            <a:latin typeface="Cambria Math" panose="02040503050406030204" pitchFamily="18" charset="0"/>
-                          </a:rPr>
-                        </m:ctrlPr>
-                      </m:sSubPr>
-                      <m:e>
-                        <m:r>
-                          <a:rPr lang="it-IT" b="0" i="1" smtClean="0">
-                            <a:latin typeface="Cambria Math" panose="02040503050406030204" pitchFamily="18" charset="0"/>
-                          </a:rPr>
-                          <m:t>𝑁</m:t>
-                        </m:r>
-                      </m:e>
-                      <m:sub>
-                        <m:r>
-                          <a:rPr lang="it-IT" b="0" i="1" smtClean="0">
-                            <a:latin typeface="Cambria Math" panose="02040503050406030204" pitchFamily="18" charset="0"/>
-                          </a:rPr>
-                          <m:t>𝑝</m:t>
-                        </m:r>
-                      </m:sub>
-                    </m:sSub>
-                  </m:oMath>
-                </a14:m>
-                <a:r>
-                  <a:rPr lang="it-IT" dirty="0">
-                    <a:latin typeface="Doulos SIL" panose="02000500070000020004" pitchFamily="2" charset="0"/>
-                    <a:ea typeface="Doulos SIL" panose="02000500070000020004" pitchFamily="2" charset="0"/>
-                    <a:cs typeface="Doulos SIL" panose="02000500070000020004" pitchFamily="2" charset="0"/>
-                  </a:rPr>
-                  <a:t> valori dell’asse z. La funzione campionata verrà normalizzata e mediata sul valor medio di </a:t>
-                </a:r>
-                <a14:m>
-                  <m:oMath xmlns:m="http://schemas.openxmlformats.org/officeDocument/2006/math">
-                    <m:acc>
-                      <m:accPr>
-                        <m:chr m:val="̃"/>
-                        <m:ctrlPr>
-                          <a:rPr lang="it-IT" i="1">
-                            <a:latin typeface="Cambria Math" panose="02040503050406030204" pitchFamily="18" charset="0"/>
-                          </a:rPr>
-                        </m:ctrlPr>
-                      </m:accPr>
-                      <m:e>
-                        <m:r>
-                          <a:rPr lang="it-IT" i="1">
-                            <a:latin typeface="Cambria Math" panose="02040503050406030204" pitchFamily="18" charset="0"/>
-                          </a:rPr>
-                          <m:t>𝐵</m:t>
-                        </m:r>
-                      </m:e>
-                    </m:acc>
-                  </m:oMath>
-                </a14:m>
-                <a:r>
-                  <a:rPr lang="it-IT" i="1" dirty="0">
-                    <a:latin typeface="Doulos SIL" panose="02000500070000020004" pitchFamily="2" charset="0"/>
-                    <a:ea typeface="Doulos SIL" panose="02000500070000020004" pitchFamily="2" charset="0"/>
-                    <a:cs typeface="Doulos SIL" panose="02000500070000020004" pitchFamily="2" charset="0"/>
-                  </a:rPr>
-                  <a:t>z.</a:t>
-                </a:r>
-                <a:r>
-                  <a:rPr lang="it-IT" dirty="0">
-                    <a:latin typeface="Doulos SIL" panose="02000500070000020004" pitchFamily="2" charset="0"/>
-                    <a:ea typeface="Doulos SIL" panose="02000500070000020004" pitchFamily="2" charset="0"/>
-                    <a:cs typeface="Doulos SIL" panose="02000500070000020004" pitchFamily="2" charset="0"/>
-                  </a:rPr>
-                  <a:t> La funzione obiettivo si scriverà come:</a:t>
-                </a:r>
-              </a:p>
-            </p:txBody>
-          </p:sp>
-        </mc:Choice>
-        <mc:Fallback xmlns="">
-          <p:sp>
-            <p:nvSpPr>
-              <p:cNvPr id="3" name="Segnaposto contenuto 2">
-                <a:extLst>
-                  <a:ext uri="{FF2B5EF4-FFF2-40B4-BE49-F238E27FC236}">
-                    <a16:creationId xmlns:a16="http://schemas.microsoft.com/office/drawing/2014/main" id="{C319475E-FE82-42AE-BA36-D2EB7E4F9A6E}"/>
-                  </a:ext>
-                </a:extLst>
-              </p:cNvPr>
-              <p:cNvSpPr>
-                <a:spLocks noGrp="1" noRot="1" noChangeAspect="1" noMove="1" noResize="1" noEditPoints="1" noAdjustHandles="1" noChangeArrowheads="1" noChangeShapeType="1" noTextEdit="1"/>
-              </p:cNvSpPr>
-              <p:nvPr>
-                <p:ph idx="1"/>
-              </p:nvPr>
-            </p:nvSpPr>
-            <p:spPr>
-              <a:xfrm>
-                <a:off x="838200" y="2197100"/>
-                <a:ext cx="10648824" cy="1327150"/>
-              </a:xfrm>
-              <a:blipFill>
-                <a:blip r:embed="rId3"/>
-                <a:stretch>
-                  <a:fillRect l="-1203" t="-5505" b="-10092"/>
-                </a:stretch>
-              </a:blipFill>
-            </p:spPr>
-            <p:txBody>
-              <a:bodyPr/>
-              <a:lstStyle/>
-              <a:p>
-                <a:r>
-                  <a:rPr lang="it-IT">
-                    <a:noFill/>
-                  </a:rPr>
-                  <a:t> </a:t>
-                </a:r>
-              </a:p>
-            </p:txBody>
-          </p:sp>
-        </mc:Fallback>
-      </mc:AlternateContent>
+              <a:t>Implementazione in MATLAB</a:t>
+            </a:r>
+          </a:p>
+          <a:p>
+            <a:r>
+              <a:rPr lang="it-IT" b="1" i="1" dirty="0">
+                <a:solidFill>
+                  <a:srgbClr val="002060"/>
+                </a:solidFill>
+                <a:latin typeface="+mj-lt"/>
+                <a:ea typeface="Doulos SIL" panose="02000500070000020004" pitchFamily="2" charset="0"/>
+                <a:cs typeface="Doulos SIL" panose="02000500070000020004" pitchFamily="2" charset="0"/>
+              </a:rPr>
+              <a:t>Particolarità</a:t>
+            </a:r>
+            <a:br>
+              <a:rPr lang="it-IT" dirty="0">
+                <a:solidFill>
+                  <a:srgbClr val="002060"/>
+                </a:solidFill>
+                <a:latin typeface="+mj-lt"/>
+                <a:ea typeface="Doulos SIL" panose="02000500070000020004" pitchFamily="2" charset="0"/>
+                <a:cs typeface="Doulos SIL" panose="02000500070000020004" pitchFamily="2" charset="0"/>
+              </a:rPr>
+            </a:br>
+            <a:r>
+              <a:rPr lang="it-IT" dirty="0">
+                <a:solidFill>
+                  <a:srgbClr val="002060"/>
+                </a:solidFill>
+                <a:latin typeface="+mj-lt"/>
+                <a:ea typeface="Doulos SIL" panose="02000500070000020004" pitchFamily="2" charset="0"/>
+                <a:cs typeface="Doulos SIL" panose="02000500070000020004" pitchFamily="2" charset="0"/>
+              </a:rPr>
+              <a:t>- Rilevamento dell’invecchiamento</a:t>
+            </a:r>
+            <a:br>
+              <a:rPr lang="it-IT" dirty="0">
+                <a:solidFill>
+                  <a:srgbClr val="002060"/>
+                </a:solidFill>
+                <a:latin typeface="+mj-lt"/>
+                <a:ea typeface="Doulos SIL" panose="02000500070000020004" pitchFamily="2" charset="0"/>
+                <a:cs typeface="Doulos SIL" panose="02000500070000020004" pitchFamily="2" charset="0"/>
+              </a:rPr>
+            </a:br>
+            <a:r>
+              <a:rPr lang="it-IT" dirty="0">
+                <a:solidFill>
+                  <a:srgbClr val="002060"/>
+                </a:solidFill>
+                <a:latin typeface="+mj-lt"/>
+                <a:ea typeface="Doulos SIL" panose="02000500070000020004" pitchFamily="2" charset="0"/>
+                <a:cs typeface="Doulos SIL" panose="02000500070000020004" pitchFamily="2" charset="0"/>
+              </a:rPr>
+              <a:t>- Ricerca del massimo vertice</a:t>
+            </a:r>
+            <a:br>
+              <a:rPr lang="it-IT" dirty="0">
+                <a:solidFill>
+                  <a:srgbClr val="002060"/>
+                </a:solidFill>
+                <a:latin typeface="+mj-lt"/>
+                <a:ea typeface="Doulos SIL" panose="02000500070000020004" pitchFamily="2" charset="0"/>
+                <a:cs typeface="Doulos SIL" panose="02000500070000020004" pitchFamily="2" charset="0"/>
+              </a:rPr>
+            </a:br>
+            <a:r>
+              <a:rPr lang="it-IT" dirty="0">
+                <a:solidFill>
+                  <a:srgbClr val="002060"/>
+                </a:solidFill>
+                <a:latin typeface="+mj-lt"/>
+                <a:ea typeface="Doulos SIL" panose="02000500070000020004" pitchFamily="2" charset="0"/>
+                <a:cs typeface="Doulos SIL" panose="02000500070000020004" pitchFamily="2" charset="0"/>
+              </a:rPr>
+              <a:t>- Ricerca del secondo peggiore </a:t>
+            </a:r>
+            <a:br>
+              <a:rPr lang="it-IT" dirty="0">
+                <a:solidFill>
+                  <a:srgbClr val="002060"/>
+                </a:solidFill>
+                <a:latin typeface="+mj-lt"/>
+                <a:ea typeface="Doulos SIL" panose="02000500070000020004" pitchFamily="2" charset="0"/>
+                <a:cs typeface="Doulos SIL" panose="02000500070000020004" pitchFamily="2" charset="0"/>
+              </a:rPr>
+            </a:br>
+            <a:r>
+              <a:rPr lang="it-IT" dirty="0">
+                <a:solidFill>
+                  <a:srgbClr val="002060"/>
+                </a:solidFill>
+                <a:latin typeface="+mj-lt"/>
+                <a:ea typeface="Doulos SIL" panose="02000500070000020004" pitchFamily="2" charset="0"/>
+                <a:cs typeface="Doulos SIL" panose="02000500070000020004" pitchFamily="2" charset="0"/>
+              </a:rPr>
+              <a:t>- Generalizzato a casi N-dimensionali</a:t>
+            </a:r>
+          </a:p>
+          <a:p>
+            <a:endParaRPr lang="it-IT" dirty="0"/>
+          </a:p>
+        </p:txBody>
+      </p:sp>
       <p:pic>
         <p:nvPicPr>
-          <p:cNvPr id="4" name="Immagine 5">
-            <a:extLst>
-              <a:ext uri="{FF2B5EF4-FFF2-40B4-BE49-F238E27FC236}">
-                <a16:creationId xmlns:a16="http://schemas.microsoft.com/office/drawing/2014/main" id="{17E93A69-8C14-4638-AD31-46D0CECF06CA}"/>
+          <p:cNvPr id="5" name="Immagine 4">
+            <a:extLst>
+              <a:ext uri="{FF2B5EF4-FFF2-40B4-BE49-F238E27FC236}">
+                <a16:creationId xmlns:a16="http://schemas.microsoft.com/office/drawing/2014/main" id="{6D8ED5F7-00F4-4016-A77A-3C0AE921C50C}"/>
               </a:ext>
             </a:extLst>
           </p:cNvPr>
@@ -5104,25 +5598,129 @@
           <p:nvPr/>
         </p:nvPicPr>
         <p:blipFill>
-          <a:blip r:embed="rId4"/>
+          <a:blip r:embed="rId3">
+            <a:extLst>
+              <a:ext uri="{28A0092B-C50C-407E-A947-70E740481C1C}">
+                <a14:useLocalDpi xmlns:a14="http://schemas.microsoft.com/office/drawing/2010/main" val="0"/>
+              </a:ext>
+            </a:extLst>
+          </a:blip>
           <a:stretch>
             <a:fillRect/>
           </a:stretch>
         </p:blipFill>
         <p:spPr>
           <a:xfrm>
-            <a:off x="1399309" y="4035856"/>
-            <a:ext cx="8400473" cy="1707288"/>
+            <a:off x="5043688" y="420177"/>
+            <a:ext cx="7044326" cy="5731107"/>
           </a:xfrm>
           <a:prstGeom prst="rect">
             <a:avLst/>
           </a:prstGeom>
         </p:spPr>
       </p:pic>
+      <p:sp>
+        <p:nvSpPr>
+          <p:cNvPr id="7" name="Titolo 1">
+            <a:extLst>
+              <a:ext uri="{FF2B5EF4-FFF2-40B4-BE49-F238E27FC236}">
+                <a16:creationId xmlns:a16="http://schemas.microsoft.com/office/drawing/2014/main" id="{CD87E1A0-379F-4F03-9AA9-C6EF8C3E4407}"/>
+              </a:ext>
+            </a:extLst>
+          </p:cNvPr>
+          <p:cNvSpPr txBox="1">
+            <a:spLocks/>
+          </p:cNvSpPr>
+          <p:nvPr/>
+        </p:nvSpPr>
+        <p:spPr>
+          <a:xfrm>
+            <a:off x="823910" y="331715"/>
+            <a:ext cx="7044326" cy="1054100"/>
+          </a:xfrm>
+          <a:prstGeom prst="rect">
+            <a:avLst/>
+          </a:prstGeom>
+        </p:spPr>
+        <p:txBody>
+          <a:bodyPr vert="horz" lIns="91440" tIns="45720" rIns="91440" bIns="45720" rtlCol="0" anchor="ctr">
+            <a:normAutofit fontScale="92500" lnSpcReduction="20000"/>
+          </a:bodyPr>
+          <a:lstStyle>
+            <a:lvl1pPr algn="l" defTabSz="914400" rtl="0" eaLnBrk="1" latinLnBrk="0" hangingPunct="1">
+              <a:lnSpc>
+                <a:spcPct val="90000"/>
+              </a:lnSpc>
+              <a:spcBef>
+                <a:spcPct val="0"/>
+              </a:spcBef>
+              <a:buNone/>
+              <a:defRPr sz="4400" kern="1200">
+                <a:solidFill>
+                  <a:schemeClr val="tx1"/>
+                </a:solidFill>
+                <a:latin typeface="+mj-lt"/>
+                <a:ea typeface="+mj-ea"/>
+                <a:cs typeface="+mj-cs"/>
+              </a:defRPr>
+            </a:lvl1pPr>
+          </a:lstStyle>
+          <a:p>
+            <a:r>
+              <a:rPr lang="it-IT" b="1" dirty="0">
+                <a:solidFill>
+                  <a:srgbClr val="002060"/>
+                </a:solidFill>
+                <a:ea typeface="Doulos SIL" panose="02000500070000020004" pitchFamily="2" charset="0"/>
+                <a:cs typeface="Doulos SIL" panose="02000500070000020004" pitchFamily="2" charset="0"/>
+              </a:rPr>
+              <a:t>Tecnica di ricerca del minimo: simplesso</a:t>
+            </a:r>
+          </a:p>
+        </p:txBody>
+      </p:sp>
+      <p:cxnSp>
+        <p:nvCxnSpPr>
+          <p:cNvPr id="8" name="Connettore diritto 7">
+            <a:extLst>
+              <a:ext uri="{FF2B5EF4-FFF2-40B4-BE49-F238E27FC236}">
+                <a16:creationId xmlns:a16="http://schemas.microsoft.com/office/drawing/2014/main" id="{3BA212D6-06F1-48D3-971F-650DC3FF244D}"/>
+              </a:ext>
+            </a:extLst>
+          </p:cNvPr>
+          <p:cNvCxnSpPr>
+            <a:cxnSpLocks/>
+          </p:cNvCxnSpPr>
+          <p:nvPr/>
+        </p:nvCxnSpPr>
+        <p:spPr>
+          <a:xfrm>
+            <a:off x="823911" y="6357584"/>
+            <a:ext cx="10301288" cy="0"/>
+          </a:xfrm>
+          <a:prstGeom prst="line">
+            <a:avLst/>
+          </a:prstGeom>
+        </p:spPr>
+        <p:style>
+          <a:lnRef idx="1">
+            <a:schemeClr val="accent1"/>
+          </a:lnRef>
+          <a:fillRef idx="0">
+            <a:schemeClr val="accent1"/>
+          </a:fillRef>
+          <a:effectRef idx="0">
+            <a:schemeClr val="accent1"/>
+          </a:effectRef>
+          <a:fontRef idx="minor">
+            <a:schemeClr val="tx1"/>
+          </a:fontRef>
+        </p:style>
+      </p:cxnSp>
     </p:spTree>
     <p:extLst>
       <p:ext uri="{BB962C8B-B14F-4D97-AF65-F5344CB8AC3E}">
-        <p14:creationId xmlns:p14="http://schemas.microsoft.com/office/powerpoint/2010/main" val="3933012525"/>
+        <p14:creationId xmlns:p14="http://schemas.microsoft.com/office/powerpoint/2010/main" val="1267149579"/>
       </p:ext>
     </p:extLst>
   </p:cSld>
@@ -5166,166 +5764,48 @@
       </p:grpSpPr>
       <p:sp>
         <p:nvSpPr>
-          <p:cNvPr id="2" name="Titolo 1">
-            <a:extLst>
-              <a:ext uri="{FF2B5EF4-FFF2-40B4-BE49-F238E27FC236}">
-                <a16:creationId xmlns:a16="http://schemas.microsoft.com/office/drawing/2014/main" id="{D4AB113A-1A01-4CD3-869E-2CCEF7D1FE7A}"/>
-              </a:ext>
-            </a:extLst>
-          </p:cNvPr>
-          <p:cNvSpPr>
-            <a:spLocks noGrp="1"/>
-          </p:cNvSpPr>
-          <p:nvPr>
-            <p:ph type="title"/>
-          </p:nvPr>
-        </p:nvSpPr>
-        <p:spPr>
-          <a:xfrm>
-            <a:off x="884382" y="-4330"/>
-            <a:ext cx="10515600" cy="1325563"/>
-          </a:xfrm>
-        </p:spPr>
-        <p:txBody>
-          <a:bodyPr/>
-          <a:lstStyle/>
-          <a:p>
-            <a:r>
-              <a:rPr lang="it-IT" b="1" dirty="0">
-                <a:latin typeface="Doulos SIL" panose="02000500070000020004" pitchFamily="2" charset="0"/>
-                <a:ea typeface="Doulos SIL" panose="02000500070000020004" pitchFamily="2" charset="0"/>
-                <a:cs typeface="Doulos SIL" panose="02000500070000020004" pitchFamily="2" charset="0"/>
-              </a:rPr>
-              <a:t>4. Tecnica di minimizzazione: Simplesso</a:t>
-            </a:r>
-          </a:p>
-        </p:txBody>
-      </p:sp>
-      <p:sp>
-        <p:nvSpPr>
-          <p:cNvPr id="3" name="Segnaposto contenuto 2">
-            <a:extLst>
-              <a:ext uri="{FF2B5EF4-FFF2-40B4-BE49-F238E27FC236}">
-                <a16:creationId xmlns:a16="http://schemas.microsoft.com/office/drawing/2014/main" id="{4EE3591A-FD60-4ED5-BB51-39E21F68C8E8}"/>
-              </a:ext>
-            </a:extLst>
-          </p:cNvPr>
-          <p:cNvSpPr>
-            <a:spLocks noGrp="1"/>
-          </p:cNvSpPr>
-          <p:nvPr>
-            <p:ph idx="1"/>
-          </p:nvPr>
-        </p:nvSpPr>
-        <p:spPr>
-          <a:xfrm>
-            <a:off x="618836" y="1321233"/>
-            <a:ext cx="3867439" cy="5374842"/>
-          </a:xfrm>
-        </p:spPr>
-        <p:txBody>
-          <a:bodyPr vert="horz" lIns="91440" tIns="45720" rIns="91440" bIns="45720" rtlCol="0" anchor="t">
-            <a:normAutofit/>
+          <p:cNvPr id="3" name="CasellaDiTesto 2">
+            <a:extLst>
+              <a:ext uri="{FF2B5EF4-FFF2-40B4-BE49-F238E27FC236}">
+                <a16:creationId xmlns:a16="http://schemas.microsoft.com/office/drawing/2014/main" id="{550CCBAB-D720-469D-9AAA-D5AF752E1F7C}"/>
+              </a:ext>
+            </a:extLst>
+          </p:cNvPr>
+          <p:cNvSpPr txBox="1"/>
+          <p:nvPr/>
+        </p:nvSpPr>
+        <p:spPr>
+          <a:xfrm>
+            <a:off x="711707" y="1484321"/>
+            <a:ext cx="3865536" cy="830997"/>
+          </a:xfrm>
+          <a:prstGeom prst="rect">
+            <a:avLst/>
+          </a:prstGeom>
+          <a:noFill/>
+        </p:spPr>
+        <p:txBody>
+          <a:bodyPr wrap="square" rtlCol="0">
+            <a:spAutoFit/>
           </a:bodyPr>
           <a:lstStyle/>
           <a:p>
             <a:r>
-              <a:rPr lang="it-IT" dirty="0">
-                <a:latin typeface="Doulos SIL" panose="02000500070000020004" pitchFamily="2" charset="0"/>
-                <a:ea typeface="Doulos SIL" panose="02000500070000020004" pitchFamily="2" charset="0"/>
-                <a:cs typeface="Doulos SIL" panose="02000500070000020004" pitchFamily="2" charset="0"/>
+              <a:rPr lang="it-IT" sz="2400" dirty="0">
+                <a:solidFill>
+                  <a:srgbClr val="002060"/>
+                </a:solidFill>
               </a:rPr>
-              <a:t>L’algoritmo del simplesso è stato implementato in </a:t>
-            </a:r>
-            <a:r>
-              <a:rPr lang="it-IT" dirty="0" err="1">
-                <a:latin typeface="Doulos SIL" panose="02000500070000020004" pitchFamily="2" charset="0"/>
-                <a:ea typeface="Doulos SIL" panose="02000500070000020004" pitchFamily="2" charset="0"/>
-                <a:cs typeface="Doulos SIL" panose="02000500070000020004" pitchFamily="2" charset="0"/>
-              </a:rPr>
-              <a:t>Matlab</a:t>
-            </a:r>
-            <a:r>
-              <a:rPr lang="it-IT" dirty="0">
-                <a:latin typeface="Doulos SIL" panose="02000500070000020004" pitchFamily="2" charset="0"/>
-                <a:ea typeface="Doulos SIL" panose="02000500070000020004" pitchFamily="2" charset="0"/>
-                <a:cs typeface="Doulos SIL" panose="02000500070000020004" pitchFamily="2" charset="0"/>
-              </a:rPr>
-              <a:t>.</a:t>
-            </a:r>
-          </a:p>
-          <a:p>
-            <a:r>
-              <a:rPr lang="it-IT" dirty="0">
-                <a:latin typeface="Doulos SIL" panose="02000500070000020004" pitchFamily="2" charset="0"/>
-                <a:ea typeface="Doulos SIL" panose="02000500070000020004" pitchFamily="2" charset="0"/>
-                <a:cs typeface="Doulos SIL" panose="02000500070000020004" pitchFamily="2" charset="0"/>
-              </a:rPr>
-              <a:t>I principali metodi implementati sono:</a:t>
-            </a:r>
-            <a:br>
-              <a:rPr lang="it-IT" dirty="0">
-                <a:latin typeface="Doulos SIL" panose="02000500070000020004" pitchFamily="2" charset="0"/>
-                <a:ea typeface="Doulos SIL" panose="02000500070000020004" pitchFamily="2" charset="0"/>
-                <a:cs typeface="Doulos SIL" panose="02000500070000020004" pitchFamily="2" charset="0"/>
-              </a:rPr>
-            </a:br>
-            <a:r>
-              <a:rPr lang="it-IT" dirty="0">
-                <a:latin typeface="Doulos SIL" panose="02000500070000020004" pitchFamily="2" charset="0"/>
-                <a:ea typeface="Doulos SIL" panose="02000500070000020004" pitchFamily="2" charset="0"/>
-                <a:cs typeface="Doulos SIL" panose="02000500070000020004" pitchFamily="2" charset="0"/>
-              </a:rPr>
-              <a:t>- Invecchiamento </a:t>
-            </a:r>
-            <a:br>
-              <a:rPr lang="it-IT" dirty="0">
-                <a:latin typeface="Doulos SIL" panose="02000500070000020004" pitchFamily="2" charset="0"/>
-                <a:ea typeface="Doulos SIL" panose="02000500070000020004" pitchFamily="2" charset="0"/>
-                <a:cs typeface="Doulos SIL" panose="02000500070000020004" pitchFamily="2" charset="0"/>
-              </a:rPr>
-            </a:br>
-            <a:r>
-              <a:rPr lang="it-IT" dirty="0">
-                <a:latin typeface="Doulos SIL" panose="02000500070000020004" pitchFamily="2" charset="0"/>
-                <a:ea typeface="Doulos SIL" panose="02000500070000020004" pitchFamily="2" charset="0"/>
-                <a:cs typeface="Doulos SIL" panose="02000500070000020004" pitchFamily="2" charset="0"/>
-              </a:rPr>
-              <a:t>- Ricerca del massimo vertice</a:t>
-            </a:r>
-            <a:br>
-              <a:rPr lang="it-IT" dirty="0">
-                <a:latin typeface="Doulos SIL" panose="02000500070000020004" pitchFamily="2" charset="0"/>
-                <a:ea typeface="Doulos SIL" panose="02000500070000020004" pitchFamily="2" charset="0"/>
-                <a:cs typeface="Doulos SIL" panose="02000500070000020004" pitchFamily="2" charset="0"/>
-              </a:rPr>
-            </a:br>
-            <a:r>
-              <a:rPr lang="it-IT" dirty="0">
-                <a:latin typeface="Doulos SIL" panose="02000500070000020004" pitchFamily="2" charset="0"/>
-                <a:ea typeface="Doulos SIL" panose="02000500070000020004" pitchFamily="2" charset="0"/>
-                <a:cs typeface="Doulos SIL" panose="02000500070000020004" pitchFamily="2" charset="0"/>
-              </a:rPr>
-              <a:t>- Ricerca del secondo peggiore </a:t>
-            </a:r>
-            <a:br>
-              <a:rPr lang="it-IT" dirty="0">
-                <a:latin typeface="Doulos SIL" panose="02000500070000020004" pitchFamily="2" charset="0"/>
-                <a:ea typeface="Doulos SIL" panose="02000500070000020004" pitchFamily="2" charset="0"/>
-                <a:cs typeface="Doulos SIL" panose="02000500070000020004" pitchFamily="2" charset="0"/>
-              </a:rPr>
-            </a:br>
-            <a:r>
-              <a:rPr lang="it-IT" dirty="0">
-                <a:latin typeface="Doulos SIL" panose="02000500070000020004" pitchFamily="2" charset="0"/>
-                <a:ea typeface="Doulos SIL" panose="02000500070000020004" pitchFamily="2" charset="0"/>
-                <a:cs typeface="Doulos SIL" panose="02000500070000020004" pitchFamily="2" charset="0"/>
-              </a:rPr>
-              <a:t>-Criteri di arresto</a:t>
-            </a:r>
-          </a:p>
-          <a:p>
-            <a:endParaRPr lang="it-IT" dirty="0"/>
+              <a:t>METTERE UNA SPIEGAZIONE MIGLIORE E SUCCINTA</a:t>
+            </a:r>
+            <a:endParaRPr lang="it-IT" sz="2400" dirty="0">
+              <a:solidFill>
+                <a:srgbClr val="002060"/>
+              </a:solidFill>
+              <a:latin typeface="Doulos SIL" panose="02000500070000020004" pitchFamily="2" charset="0"/>
+              <a:ea typeface="Doulos SIL" panose="02000500070000020004" pitchFamily="2" charset="0"/>
+              <a:cs typeface="Doulos SIL" panose="02000500070000020004" pitchFamily="2" charset="0"/>
+            </a:endParaRPr>
           </a:p>
         </p:txBody>
       </p:sp>
@@ -5334,7 +5814,7 @@
           <p:cNvPr id="5" name="Immagine 4">
             <a:extLst>
               <a:ext uri="{FF2B5EF4-FFF2-40B4-BE49-F238E27FC236}">
-                <a16:creationId xmlns:a16="http://schemas.microsoft.com/office/drawing/2014/main" id="{6D8ED5F7-00F4-4016-A77A-3C0AE921C50C}"/>
+                <a16:creationId xmlns:a16="http://schemas.microsoft.com/office/drawing/2014/main" id="{AC029425-8F6E-46A2-9E9B-A94D34CD78A7}"/>
               </a:ext>
             </a:extLst>
           </p:cNvPr>
@@ -5357,18 +5837,190 @@
         </p:blipFill>
         <p:spPr>
           <a:xfrm>
-            <a:off x="4662188" y="1041167"/>
-            <a:ext cx="7044326" cy="5731107"/>
+            <a:off x="4459797" y="1293491"/>
+            <a:ext cx="7664060" cy="2357123"/>
           </a:xfrm>
           <a:prstGeom prst="rect">
             <a:avLst/>
           </a:prstGeom>
         </p:spPr>
       </p:pic>
+      <p:pic>
+        <p:nvPicPr>
+          <p:cNvPr id="7" name="Immagine 6">
+            <a:extLst>
+              <a:ext uri="{FF2B5EF4-FFF2-40B4-BE49-F238E27FC236}">
+                <a16:creationId xmlns:a16="http://schemas.microsoft.com/office/drawing/2014/main" id="{3F0FE11E-DF9F-4E75-91B9-25F5E9FD59CE}"/>
+              </a:ext>
+            </a:extLst>
+          </p:cNvPr>
+          <p:cNvPicPr>
+            <a:picLocks noChangeAspect="1"/>
+          </p:cNvPicPr>
+          <p:nvPr/>
+        </p:nvPicPr>
+        <p:blipFill>
+          <a:blip r:embed="rId4">
+            <a:extLst>
+              <a:ext uri="{28A0092B-C50C-407E-A947-70E740481C1C}">
+                <a14:useLocalDpi xmlns:a14="http://schemas.microsoft.com/office/drawing/2010/main" val="0"/>
+              </a:ext>
+            </a:extLst>
+          </a:blip>
+          <a:stretch>
+            <a:fillRect/>
+          </a:stretch>
+        </p:blipFill>
+        <p:spPr>
+          <a:xfrm>
+            <a:off x="4459796" y="3477087"/>
+            <a:ext cx="7664062" cy="2655259"/>
+          </a:xfrm>
+          <a:prstGeom prst="rect">
+            <a:avLst/>
+          </a:prstGeom>
+        </p:spPr>
+      </p:pic>
+      <p:cxnSp>
+        <p:nvCxnSpPr>
+          <p:cNvPr id="9" name="Connettore diritto 8">
+            <a:extLst>
+              <a:ext uri="{FF2B5EF4-FFF2-40B4-BE49-F238E27FC236}">
+                <a16:creationId xmlns:a16="http://schemas.microsoft.com/office/drawing/2014/main" id="{4857374A-5FE8-4D62-BA97-7E080FD1086E}"/>
+              </a:ext>
+            </a:extLst>
+          </p:cNvPr>
+          <p:cNvCxnSpPr>
+            <a:cxnSpLocks/>
+          </p:cNvCxnSpPr>
+          <p:nvPr/>
+        </p:nvCxnSpPr>
+        <p:spPr>
+          <a:xfrm>
+            <a:off x="823911" y="6357584"/>
+            <a:ext cx="10301288" cy="0"/>
+          </a:xfrm>
+          <a:prstGeom prst="line">
+            <a:avLst/>
+          </a:prstGeom>
+        </p:spPr>
+        <p:style>
+          <a:lnRef idx="1">
+            <a:schemeClr val="accent1"/>
+          </a:lnRef>
+          <a:fillRef idx="0">
+            <a:schemeClr val="accent1"/>
+          </a:fillRef>
+          <a:effectRef idx="0">
+            <a:schemeClr val="accent1"/>
+          </a:effectRef>
+          <a:fontRef idx="minor">
+            <a:schemeClr val="tx1"/>
+          </a:fontRef>
+        </p:style>
+      </p:cxnSp>
+      <p:cxnSp>
+        <p:nvCxnSpPr>
+          <p:cNvPr id="11" name="Connettore diritto 10">
+            <a:extLst>
+              <a:ext uri="{FF2B5EF4-FFF2-40B4-BE49-F238E27FC236}">
+                <a16:creationId xmlns:a16="http://schemas.microsoft.com/office/drawing/2014/main" id="{C7CB4E63-3260-4EA3-9D89-8268DC09EF42}"/>
+              </a:ext>
+            </a:extLst>
+          </p:cNvPr>
+          <p:cNvCxnSpPr>
+            <a:cxnSpLocks/>
+          </p:cNvCxnSpPr>
+          <p:nvPr/>
+        </p:nvCxnSpPr>
+        <p:spPr>
+          <a:xfrm>
+            <a:off x="938212" y="1133242"/>
+            <a:ext cx="10301288" cy="0"/>
+          </a:xfrm>
+          <a:prstGeom prst="line">
+            <a:avLst/>
+          </a:prstGeom>
+        </p:spPr>
+        <p:style>
+          <a:lnRef idx="1">
+            <a:schemeClr val="accent1"/>
+          </a:lnRef>
+          <a:fillRef idx="0">
+            <a:schemeClr val="accent1"/>
+          </a:fillRef>
+          <a:effectRef idx="0">
+            <a:schemeClr val="accent1"/>
+          </a:effectRef>
+          <a:fontRef idx="minor">
+            <a:schemeClr val="tx1"/>
+          </a:fontRef>
+        </p:style>
+      </p:cxnSp>
+      <p:sp>
+        <p:nvSpPr>
+          <p:cNvPr id="12" name="Titolo 1">
+            <a:extLst>
+              <a:ext uri="{FF2B5EF4-FFF2-40B4-BE49-F238E27FC236}">
+                <a16:creationId xmlns:a16="http://schemas.microsoft.com/office/drawing/2014/main" id="{03DAF942-BA3D-4AC2-811D-589406C84368}"/>
+              </a:ext>
+            </a:extLst>
+          </p:cNvPr>
+          <p:cNvSpPr txBox="1">
+            <a:spLocks/>
+          </p:cNvSpPr>
+          <p:nvPr/>
+        </p:nvSpPr>
+        <p:spPr>
+          <a:xfrm>
+            <a:off x="823912" y="239436"/>
+            <a:ext cx="10199222" cy="1054100"/>
+          </a:xfrm>
+          <a:prstGeom prst="rect">
+            <a:avLst/>
+          </a:prstGeom>
+        </p:spPr>
+        <p:txBody>
+          <a:bodyPr vert="horz" lIns="91440" tIns="45720" rIns="91440" bIns="45720" rtlCol="0" anchor="ctr">
+            <a:normAutofit/>
+          </a:bodyPr>
+          <a:lstStyle>
+            <a:lvl1pPr algn="l" defTabSz="914400" rtl="0" eaLnBrk="1" latinLnBrk="0" hangingPunct="1">
+              <a:lnSpc>
+                <a:spcPct val="90000"/>
+              </a:lnSpc>
+              <a:spcBef>
+                <a:spcPct val="0"/>
+              </a:spcBef>
+              <a:buNone/>
+              <a:defRPr sz="4400" kern="1200">
+                <a:solidFill>
+                  <a:schemeClr val="tx1"/>
+                </a:solidFill>
+                <a:latin typeface="+mj-lt"/>
+                <a:ea typeface="+mj-ea"/>
+                <a:cs typeface="+mj-cs"/>
+              </a:defRPr>
+            </a:lvl1pPr>
+          </a:lstStyle>
+          <a:p>
+            <a:r>
+              <a:rPr lang="it-IT" b="1" dirty="0">
+                <a:solidFill>
+                  <a:srgbClr val="002060"/>
+                </a:solidFill>
+                <a:ea typeface="Doulos SIL" panose="02000500070000020004" pitchFamily="2" charset="0"/>
+                <a:cs typeface="Doulos SIL" panose="02000500070000020004" pitchFamily="2" charset="0"/>
+              </a:rPr>
+              <a:t>Esperimento: 3D senza vincoli</a:t>
+            </a:r>
+          </a:p>
+        </p:txBody>
+      </p:sp>
     </p:spTree>
     <p:extLst>
       <p:ext uri="{BB962C8B-B14F-4D97-AF65-F5344CB8AC3E}">
-        <p14:creationId xmlns:p14="http://schemas.microsoft.com/office/powerpoint/2010/main" val="1267149579"/>
+        <p14:creationId xmlns:p14="http://schemas.microsoft.com/office/powerpoint/2010/main" val="1886510980"/>
       </p:ext>
     </p:extLst>
   </p:cSld>
@@ -5412,91 +6064,44 @@
       </p:grpSpPr>
       <p:sp>
         <p:nvSpPr>
-          <p:cNvPr id="2" name="Titolo 1">
-            <a:extLst>
-              <a:ext uri="{FF2B5EF4-FFF2-40B4-BE49-F238E27FC236}">
-                <a16:creationId xmlns:a16="http://schemas.microsoft.com/office/drawing/2014/main" id="{C8D1F025-A3C2-45F0-B37A-75E5B0E567B7}"/>
-              </a:ext>
-            </a:extLst>
-          </p:cNvPr>
-          <p:cNvSpPr>
-            <a:spLocks noGrp="1"/>
-          </p:cNvSpPr>
-          <p:nvPr>
-            <p:ph type="title"/>
-          </p:nvPr>
-        </p:nvSpPr>
-        <p:spPr>
-          <a:xfrm>
-            <a:off x="631675" y="133761"/>
-            <a:ext cx="10515600" cy="1325563"/>
-          </a:xfrm>
-        </p:spPr>
-        <p:txBody>
-          <a:bodyPr/>
-          <a:lstStyle/>
-          <a:p>
-            <a:r>
-              <a:rPr lang="it-IT" b="1" dirty="0">
-                <a:latin typeface="Doulos SIL" panose="02000500070000020004" pitchFamily="2" charset="0"/>
-                <a:ea typeface="Doulos SIL" panose="02000500070000020004" pitchFamily="2" charset="0"/>
-                <a:cs typeface="Doulos SIL" panose="02000500070000020004" pitchFamily="2" charset="0"/>
-              </a:rPr>
-              <a:t>5. Ricerca del minimo: test 3D </a:t>
-            </a:r>
-            <a:r>
-              <a:rPr lang="it-IT" b="1" dirty="0" err="1">
-                <a:latin typeface="Doulos SIL" panose="02000500070000020004" pitchFamily="2" charset="0"/>
-                <a:ea typeface="Doulos SIL" panose="02000500070000020004" pitchFamily="2" charset="0"/>
-                <a:cs typeface="Doulos SIL" panose="02000500070000020004" pitchFamily="2" charset="0"/>
-              </a:rPr>
-              <a:t>unbounded</a:t>
-            </a:r>
-            <a:endParaRPr lang="it-IT" b="1" dirty="0">
-              <a:latin typeface="Doulos SIL" panose="02000500070000020004" pitchFamily="2" charset="0"/>
-              <a:ea typeface="Doulos SIL" panose="02000500070000020004" pitchFamily="2" charset="0"/>
-              <a:cs typeface="Doulos SIL" panose="02000500070000020004" pitchFamily="2" charset="0"/>
-            </a:endParaRPr>
-          </a:p>
-        </p:txBody>
-      </p:sp>
-      <p:sp>
-        <p:nvSpPr>
-          <p:cNvPr id="3" name="CasellaDiTesto 2">
-            <a:extLst>
-              <a:ext uri="{FF2B5EF4-FFF2-40B4-BE49-F238E27FC236}">
-                <a16:creationId xmlns:a16="http://schemas.microsoft.com/office/drawing/2014/main" id="{550CCBAB-D720-469D-9AAA-D5AF752E1F7C}"/>
-              </a:ext>
-            </a:extLst>
-          </p:cNvPr>
-          <p:cNvSpPr txBox="1"/>
-          <p:nvPr/>
-        </p:nvSpPr>
-        <p:spPr>
-          <a:xfrm>
-            <a:off x="631675" y="1349405"/>
-            <a:ext cx="3639845" cy="4524315"/>
-          </a:xfrm>
-          <a:prstGeom prst="rect">
-            <a:avLst/>
-          </a:prstGeom>
-          <a:noFill/>
-        </p:spPr>
-        <p:txBody>
-          <a:bodyPr wrap="square" rtlCol="0">
-            <a:spAutoFit/>
+          <p:cNvPr id="3" name="Segnaposto contenuto 2">
+            <a:extLst>
+              <a:ext uri="{FF2B5EF4-FFF2-40B4-BE49-F238E27FC236}">
+                <a16:creationId xmlns:a16="http://schemas.microsoft.com/office/drawing/2014/main" id="{6124F91B-5F97-43D8-85F8-545DBB74A356}"/>
+              </a:ext>
+            </a:extLst>
+          </p:cNvPr>
+          <p:cNvSpPr>
+            <a:spLocks noGrp="1"/>
+          </p:cNvSpPr>
+          <p:nvPr>
+            <p:ph idx="1"/>
+          </p:nvPr>
+        </p:nvSpPr>
+        <p:spPr>
+          <a:xfrm>
+            <a:off x="938212" y="1271319"/>
+            <a:ext cx="3790950" cy="4900380"/>
+          </a:xfrm>
+        </p:spPr>
+        <p:txBody>
+          <a:bodyPr>
+            <a:normAutofit/>
           </a:bodyPr>
           <a:lstStyle/>
           <a:p>
-            <a:r>
-              <a:rPr lang="it-IT" sz="2400" dirty="0"/>
-              <a:t>Abbassando la percentuale di errore ammissibile, miglioriamo i risultati dell’algoritmo andando a raggiungere la lunghezza minima del lato del simplesso, che noi facciamo coincidere con la massima risoluzione rispetto alla quale valuteremo i parametri nello spazio di ricerca.</a:t>
-            </a:r>
-            <a:endParaRPr lang="it-IT" sz="2400" dirty="0">
-              <a:latin typeface="Doulos SIL" panose="02000500070000020004" pitchFamily="2" charset="0"/>
-              <a:ea typeface="Doulos SIL" panose="02000500070000020004" pitchFamily="2" charset="0"/>
-              <a:cs typeface="Doulos SIL" panose="02000500070000020004" pitchFamily="2" charset="0"/>
-            </a:endParaRPr>
+            <a:pPr marL="0" indent="0">
+              <a:buNone/>
+            </a:pPr>
+            <a:r>
+              <a:rPr lang="it-IT" b="1" dirty="0">
+                <a:solidFill>
+                  <a:srgbClr val="002060"/>
+                </a:solidFill>
+                <a:latin typeface="+mj-lt"/>
+              </a:rPr>
+              <a:t>SPIEGAZIONE MIGLIORE ????</a:t>
+            </a:r>
           </a:p>
         </p:txBody>
       </p:sp>
@@ -5505,7 +6110,7 @@
           <p:cNvPr id="5" name="Immagine 4">
             <a:extLst>
               <a:ext uri="{FF2B5EF4-FFF2-40B4-BE49-F238E27FC236}">
-                <a16:creationId xmlns:a16="http://schemas.microsoft.com/office/drawing/2014/main" id="{AC029425-8F6E-46A2-9E9B-A94D34CD78A7}"/>
+                <a16:creationId xmlns:a16="http://schemas.microsoft.com/office/drawing/2014/main" id="{00BF9E96-2D50-43BF-A479-21D30323C6AA}"/>
               </a:ext>
             </a:extLst>
           </p:cNvPr>
@@ -5528,8 +6133,8 @@
         </p:blipFill>
         <p:spPr>
           <a:xfrm>
-            <a:off x="4936751" y="1459324"/>
-            <a:ext cx="6623574" cy="2037116"/>
+            <a:off x="5239415" y="1190812"/>
+            <a:ext cx="6689730" cy="2045111"/>
           </a:xfrm>
           <a:prstGeom prst="rect">
             <a:avLst/>
@@ -5541,7 +6146,7 @@
           <p:cNvPr id="7" name="Immagine 6">
             <a:extLst>
               <a:ext uri="{FF2B5EF4-FFF2-40B4-BE49-F238E27FC236}">
-                <a16:creationId xmlns:a16="http://schemas.microsoft.com/office/drawing/2014/main" id="{3F0FE11E-DF9F-4E75-91B9-25F5E9FD59CE}"/>
+                <a16:creationId xmlns:a16="http://schemas.microsoft.com/office/drawing/2014/main" id="{41A86C1C-1B08-4CD6-A7E0-E58DB123F010}"/>
               </a:ext>
             </a:extLst>
           </p:cNvPr>
@@ -5564,18 +6169,154 @@
         </p:blipFill>
         <p:spPr>
           <a:xfrm>
-            <a:off x="4936751" y="3496440"/>
-            <a:ext cx="6623574" cy="2294776"/>
+            <a:off x="5239415" y="3121093"/>
+            <a:ext cx="6689730" cy="3178071"/>
           </a:xfrm>
           <a:prstGeom prst="rect">
             <a:avLst/>
           </a:prstGeom>
         </p:spPr>
       </p:pic>
+      <p:cxnSp>
+        <p:nvCxnSpPr>
+          <p:cNvPr id="6" name="Connettore diritto 5">
+            <a:extLst>
+              <a:ext uri="{FF2B5EF4-FFF2-40B4-BE49-F238E27FC236}">
+                <a16:creationId xmlns:a16="http://schemas.microsoft.com/office/drawing/2014/main" id="{B55DB0D4-3783-4F5C-AD3E-B5235DE52A3E}"/>
+              </a:ext>
+            </a:extLst>
+          </p:cNvPr>
+          <p:cNvCxnSpPr>
+            <a:cxnSpLocks/>
+          </p:cNvCxnSpPr>
+          <p:nvPr/>
+        </p:nvCxnSpPr>
+        <p:spPr>
+          <a:xfrm>
+            <a:off x="938212" y="1133242"/>
+            <a:ext cx="10301288" cy="0"/>
+          </a:xfrm>
+          <a:prstGeom prst="line">
+            <a:avLst/>
+          </a:prstGeom>
+        </p:spPr>
+        <p:style>
+          <a:lnRef idx="1">
+            <a:schemeClr val="accent1"/>
+          </a:lnRef>
+          <a:fillRef idx="0">
+            <a:schemeClr val="accent1"/>
+          </a:fillRef>
+          <a:effectRef idx="0">
+            <a:schemeClr val="accent1"/>
+          </a:effectRef>
+          <a:fontRef idx="minor">
+            <a:schemeClr val="tx1"/>
+          </a:fontRef>
+        </p:style>
+      </p:cxnSp>
+      <p:sp>
+        <p:nvSpPr>
+          <p:cNvPr id="8" name="Titolo 1">
+            <a:extLst>
+              <a:ext uri="{FF2B5EF4-FFF2-40B4-BE49-F238E27FC236}">
+                <a16:creationId xmlns:a16="http://schemas.microsoft.com/office/drawing/2014/main" id="{96D2AA62-1AF3-4103-8973-45C0203F85D7}"/>
+              </a:ext>
+            </a:extLst>
+          </p:cNvPr>
+          <p:cNvSpPr txBox="1">
+            <a:spLocks/>
+          </p:cNvSpPr>
+          <p:nvPr/>
+        </p:nvSpPr>
+        <p:spPr>
+          <a:xfrm>
+            <a:off x="823910" y="239436"/>
+            <a:ext cx="10199224" cy="1054100"/>
+          </a:xfrm>
+          <a:prstGeom prst="rect">
+            <a:avLst/>
+          </a:prstGeom>
+        </p:spPr>
+        <p:txBody>
+          <a:bodyPr vert="horz" lIns="91440" tIns="45720" rIns="91440" bIns="45720" rtlCol="0" anchor="ctr">
+            <a:normAutofit fontScale="92500"/>
+          </a:bodyPr>
+          <a:lstStyle>
+            <a:lvl1pPr algn="l" defTabSz="914400" rtl="0" eaLnBrk="1" latinLnBrk="0" hangingPunct="1">
+              <a:lnSpc>
+                <a:spcPct val="90000"/>
+              </a:lnSpc>
+              <a:spcBef>
+                <a:spcPct val="0"/>
+              </a:spcBef>
+              <a:buNone/>
+              <a:defRPr sz="4400" kern="1200">
+                <a:solidFill>
+                  <a:schemeClr val="tx1"/>
+                </a:solidFill>
+                <a:latin typeface="+mj-lt"/>
+                <a:ea typeface="+mj-ea"/>
+                <a:cs typeface="+mj-cs"/>
+              </a:defRPr>
+            </a:lvl1pPr>
+          </a:lstStyle>
+          <a:p>
+            <a:r>
+              <a:rPr lang="it-IT" b="1" dirty="0">
+                <a:solidFill>
+                  <a:srgbClr val="002060"/>
+                </a:solidFill>
+                <a:ea typeface="Doulos SIL" panose="02000500070000020004" pitchFamily="2" charset="0"/>
+                <a:cs typeface="Doulos SIL" panose="02000500070000020004" pitchFamily="2" charset="0"/>
+              </a:rPr>
+              <a:t>Esperimento: 3D con vincolo di disuguaglianza</a:t>
+            </a:r>
+          </a:p>
+        </p:txBody>
+      </p:sp>
+      <p:cxnSp>
+        <p:nvCxnSpPr>
+          <p:cNvPr id="9" name="Connettore diritto 8">
+            <a:extLst>
+              <a:ext uri="{FF2B5EF4-FFF2-40B4-BE49-F238E27FC236}">
+                <a16:creationId xmlns:a16="http://schemas.microsoft.com/office/drawing/2014/main" id="{0B514A9B-3468-42BC-8113-7B0794F528BA}"/>
+              </a:ext>
+            </a:extLst>
+          </p:cNvPr>
+          <p:cNvCxnSpPr>
+            <a:cxnSpLocks/>
+          </p:cNvCxnSpPr>
+          <p:nvPr/>
+        </p:nvCxnSpPr>
+        <p:spPr>
+          <a:xfrm>
+            <a:off x="823911" y="6357584"/>
+            <a:ext cx="10301288" cy="0"/>
+          </a:xfrm>
+          <a:prstGeom prst="line">
+            <a:avLst/>
+          </a:prstGeom>
+        </p:spPr>
+        <p:style>
+          <a:lnRef idx="1">
+            <a:schemeClr val="accent1"/>
+          </a:lnRef>
+          <a:fillRef idx="0">
+            <a:schemeClr val="accent1"/>
+          </a:fillRef>
+          <a:effectRef idx="0">
+            <a:schemeClr val="accent1"/>
+          </a:effectRef>
+          <a:fontRef idx="minor">
+            <a:schemeClr val="tx1"/>
+          </a:fontRef>
+        </p:style>
+      </p:cxnSp>
     </p:spTree>
     <p:extLst>
       <p:ext uri="{BB962C8B-B14F-4D97-AF65-F5344CB8AC3E}">
-        <p14:creationId xmlns:p14="http://schemas.microsoft.com/office/powerpoint/2010/main" val="1886510980"/>
+        <p14:creationId xmlns:p14="http://schemas.microsoft.com/office/powerpoint/2010/main" val="1685683046"/>
       </p:ext>
     </p:extLst>
   </p:cSld>
